--- a/Курс.проект.pptx
+++ b/Курс.проект.pptx
@@ -2,7 +2,7 @@
 <file path=ppt/presentation.xml><?xml version="1.0" encoding="utf-8"?>
 <p:presentation xmlns:a="http://schemas.openxmlformats.org/drawingml/2006/main" xmlns:r="http://schemas.openxmlformats.org/officeDocument/2006/relationships" xmlns:p="http://schemas.openxmlformats.org/presentationml/2006/main" saveSubsetFonts="1">
   <p:sldMasterIdLst>
-    <p:sldMasterId id="2147483790" r:id="rId1"/>
+    <p:sldMasterId id="2147483808" r:id="rId1"/>
   </p:sldMasterIdLst>
   <p:sldIdLst>
     <p:sldId id="256" r:id="rId2"/>
@@ -24,9 +24,9 @@
   <p:notesSz cx="6858000" cy="9144000"/>
   <p:defaultTextStyle>
     <a:defPPr>
-      <a:defRPr lang="en-US"/>
+      <a:defRPr lang="ru-RU"/>
     </a:defPPr>
-    <a:lvl1pPr marL="0" algn="l" defTabSz="457200" rtl="0" eaLnBrk="1" latinLnBrk="0" hangingPunct="1">
+    <a:lvl1pPr marL="0" algn="l" defTabSz="914400" rtl="0" eaLnBrk="1" latinLnBrk="0" hangingPunct="1">
       <a:defRPr sz="1800" kern="1200">
         <a:solidFill>
           <a:schemeClr val="tx1"/>
@@ -36,7 +36,7 @@
         <a:cs typeface="+mn-cs"/>
       </a:defRPr>
     </a:lvl1pPr>
-    <a:lvl2pPr marL="457200" algn="l" defTabSz="457200" rtl="0" eaLnBrk="1" latinLnBrk="0" hangingPunct="1">
+    <a:lvl2pPr marL="457200" algn="l" defTabSz="914400" rtl="0" eaLnBrk="1" latinLnBrk="0" hangingPunct="1">
       <a:defRPr sz="1800" kern="1200">
         <a:solidFill>
           <a:schemeClr val="tx1"/>
@@ -46,7 +46,7 @@
         <a:cs typeface="+mn-cs"/>
       </a:defRPr>
     </a:lvl2pPr>
-    <a:lvl3pPr marL="914400" algn="l" defTabSz="457200" rtl="0" eaLnBrk="1" latinLnBrk="0" hangingPunct="1">
+    <a:lvl3pPr marL="914400" algn="l" defTabSz="914400" rtl="0" eaLnBrk="1" latinLnBrk="0" hangingPunct="1">
       <a:defRPr sz="1800" kern="1200">
         <a:solidFill>
           <a:schemeClr val="tx1"/>
@@ -56,7 +56,7 @@
         <a:cs typeface="+mn-cs"/>
       </a:defRPr>
     </a:lvl3pPr>
-    <a:lvl4pPr marL="1371600" algn="l" defTabSz="457200" rtl="0" eaLnBrk="1" latinLnBrk="0" hangingPunct="1">
+    <a:lvl4pPr marL="1371600" algn="l" defTabSz="914400" rtl="0" eaLnBrk="1" latinLnBrk="0" hangingPunct="1">
       <a:defRPr sz="1800" kern="1200">
         <a:solidFill>
           <a:schemeClr val="tx1"/>
@@ -66,7 +66,7 @@
         <a:cs typeface="+mn-cs"/>
       </a:defRPr>
     </a:lvl4pPr>
-    <a:lvl5pPr marL="1828800" algn="l" defTabSz="457200" rtl="0" eaLnBrk="1" latinLnBrk="0" hangingPunct="1">
+    <a:lvl5pPr marL="1828800" algn="l" defTabSz="914400" rtl="0" eaLnBrk="1" latinLnBrk="0" hangingPunct="1">
       <a:defRPr sz="1800" kern="1200">
         <a:solidFill>
           <a:schemeClr val="tx1"/>
@@ -76,7 +76,7 @@
         <a:cs typeface="+mn-cs"/>
       </a:defRPr>
     </a:lvl5pPr>
-    <a:lvl6pPr marL="2286000" algn="l" defTabSz="457200" rtl="0" eaLnBrk="1" latinLnBrk="0" hangingPunct="1">
+    <a:lvl6pPr marL="2286000" algn="l" defTabSz="914400" rtl="0" eaLnBrk="1" latinLnBrk="0" hangingPunct="1">
       <a:defRPr sz="1800" kern="1200">
         <a:solidFill>
           <a:schemeClr val="tx1"/>
@@ -86,7 +86,7 @@
         <a:cs typeface="+mn-cs"/>
       </a:defRPr>
     </a:lvl6pPr>
-    <a:lvl7pPr marL="2743200" algn="l" defTabSz="457200" rtl="0" eaLnBrk="1" latinLnBrk="0" hangingPunct="1">
+    <a:lvl7pPr marL="2743200" algn="l" defTabSz="914400" rtl="0" eaLnBrk="1" latinLnBrk="0" hangingPunct="1">
       <a:defRPr sz="1800" kern="1200">
         <a:solidFill>
           <a:schemeClr val="tx1"/>
@@ -96,7 +96,7 @@
         <a:cs typeface="+mn-cs"/>
       </a:defRPr>
     </a:lvl7pPr>
-    <a:lvl8pPr marL="3200400" algn="l" defTabSz="457200" rtl="0" eaLnBrk="1" latinLnBrk="0" hangingPunct="1">
+    <a:lvl8pPr marL="3200400" algn="l" defTabSz="914400" rtl="0" eaLnBrk="1" latinLnBrk="0" hangingPunct="1">
       <a:defRPr sz="1800" kern="1200">
         <a:solidFill>
           <a:schemeClr val="tx1"/>
@@ -106,7 +106,7 @@
         <a:cs typeface="+mn-cs"/>
       </a:defRPr>
     </a:lvl8pPr>
-    <a:lvl9pPr marL="3657600" algn="l" defTabSz="457200" rtl="0" eaLnBrk="1" latinLnBrk="0" hangingPunct="1">
+    <a:lvl9pPr marL="3657600" algn="l" defTabSz="914400" rtl="0" eaLnBrk="1" latinLnBrk="0" hangingPunct="1">
       <a:defRPr sz="1800" kern="1200">
         <a:solidFill>
           <a:schemeClr val="tx1"/>
@@ -146,7 +146,7 @@
 
 <file path=ppt/slideLayouts/slideLayout1.xml><?xml version="1.0" encoding="utf-8"?>
 <p:sldLayout xmlns:a="http://schemas.openxmlformats.org/drawingml/2006/main" xmlns:r="http://schemas.openxmlformats.org/officeDocument/2006/relationships" xmlns:p="http://schemas.openxmlformats.org/presentationml/2006/main" type="title" preserve="1">
-  <p:cSld name="Title Slide">
+  <p:cSld name="Титульный слайд">
     <p:spTree>
       <p:nvGrpSpPr>
         <p:cNvPr id="1" name=""/>
@@ -163,7 +163,7 @@
       </p:grpSpPr>
       <p:sp>
         <p:nvSpPr>
-          <p:cNvPr id="2" name="Title 1"/>
+          <p:cNvPr id="2" name="Заголовок 1"/>
           <p:cNvSpPr>
             <a:spLocks noGrp="1"/>
           </p:cNvSpPr>
@@ -173,29 +173,28 @@
         </p:nvSpPr>
         <p:spPr>
           <a:xfrm>
-            <a:off x="866442" y="1447801"/>
-            <a:ext cx="6620968" cy="3329581"/>
+            <a:off x="1143000" y="1122363"/>
+            <a:ext cx="6858000" cy="2387600"/>
           </a:xfrm>
         </p:spPr>
         <p:txBody>
           <a:bodyPr anchor="b"/>
           <a:lstStyle>
-            <a:lvl1pPr>
-              <a:defRPr sz="7200"/>
+            <a:lvl1pPr algn="ctr">
+              <a:defRPr sz="4500"/>
             </a:lvl1pPr>
           </a:lstStyle>
           <a:p>
             <a:r>
-              <a:rPr lang="en-US" smtClean="0"/>
-              <a:t>Click to edit Master title style</a:t>
-            </a:r>
-            <a:endParaRPr lang="en-US" dirty="0"/>
+              <a:rPr lang="ru-RU"/>
+              <a:t>Образец заголовка</a:t>
+            </a:r>
           </a:p>
         </p:txBody>
       </p:sp>
       <p:sp>
         <p:nvSpPr>
-          <p:cNvPr id="3" name="Subtitle 2"/>
+          <p:cNvPr id="3" name="Подзаголовок 2"/>
           <p:cNvSpPr>
             <a:spLocks noGrp="1"/>
           </p:cNvSpPr>
@@ -205,114 +204,61 @@
         </p:nvSpPr>
         <p:spPr>
           <a:xfrm>
-            <a:off x="866442" y="4777380"/>
-            <a:ext cx="6620968" cy="861420"/>
+            <a:off x="1143000" y="3602038"/>
+            <a:ext cx="6858000" cy="1655762"/>
           </a:xfrm>
         </p:spPr>
         <p:txBody>
-          <a:bodyPr anchor="t"/>
+          <a:bodyPr/>
           <a:lstStyle>
-            <a:lvl1pPr marL="0" indent="0" algn="l">
-              <a:buNone/>
-              <a:defRPr cap="all">
-                <a:solidFill>
-                  <a:schemeClr val="accent1"/>
-                </a:solidFill>
-              </a:defRPr>
+            <a:lvl1pPr marL="0" indent="0" algn="ctr">
+              <a:buNone/>
+              <a:defRPr sz="1800"/>
             </a:lvl1pPr>
-            <a:lvl2pPr marL="457200" indent="0" algn="ctr">
-              <a:buNone/>
-              <a:defRPr>
-                <a:solidFill>
-                  <a:schemeClr val="tx1">
-                    <a:tint val="75000"/>
-                  </a:schemeClr>
-                </a:solidFill>
-              </a:defRPr>
+            <a:lvl2pPr marL="342900" indent="0" algn="ctr">
+              <a:buNone/>
+              <a:defRPr sz="1500"/>
             </a:lvl2pPr>
-            <a:lvl3pPr marL="914400" indent="0" algn="ctr">
-              <a:buNone/>
-              <a:defRPr>
-                <a:solidFill>
-                  <a:schemeClr val="tx1">
-                    <a:tint val="75000"/>
-                  </a:schemeClr>
-                </a:solidFill>
-              </a:defRPr>
+            <a:lvl3pPr marL="685800" indent="0" algn="ctr">
+              <a:buNone/>
+              <a:defRPr sz="1350"/>
             </a:lvl3pPr>
-            <a:lvl4pPr marL="1371600" indent="0" algn="ctr">
-              <a:buNone/>
-              <a:defRPr>
-                <a:solidFill>
-                  <a:schemeClr val="tx1">
-                    <a:tint val="75000"/>
-                  </a:schemeClr>
-                </a:solidFill>
-              </a:defRPr>
+            <a:lvl4pPr marL="1028700" indent="0" algn="ctr">
+              <a:buNone/>
+              <a:defRPr sz="1200"/>
             </a:lvl4pPr>
-            <a:lvl5pPr marL="1828800" indent="0" algn="ctr">
-              <a:buNone/>
-              <a:defRPr>
-                <a:solidFill>
-                  <a:schemeClr val="tx1">
-                    <a:tint val="75000"/>
-                  </a:schemeClr>
-                </a:solidFill>
-              </a:defRPr>
+            <a:lvl5pPr marL="1371600" indent="0" algn="ctr">
+              <a:buNone/>
+              <a:defRPr sz="1200"/>
             </a:lvl5pPr>
-            <a:lvl6pPr marL="2286000" indent="0" algn="ctr">
-              <a:buNone/>
-              <a:defRPr>
-                <a:solidFill>
-                  <a:schemeClr val="tx1">
-                    <a:tint val="75000"/>
-                  </a:schemeClr>
-                </a:solidFill>
-              </a:defRPr>
+            <a:lvl6pPr marL="1714500" indent="0" algn="ctr">
+              <a:buNone/>
+              <a:defRPr sz="1200"/>
             </a:lvl6pPr>
-            <a:lvl7pPr marL="2743200" indent="0" algn="ctr">
-              <a:buNone/>
-              <a:defRPr>
-                <a:solidFill>
-                  <a:schemeClr val="tx1">
-                    <a:tint val="75000"/>
-                  </a:schemeClr>
-                </a:solidFill>
-              </a:defRPr>
+            <a:lvl7pPr marL="2057400" indent="0" algn="ctr">
+              <a:buNone/>
+              <a:defRPr sz="1200"/>
             </a:lvl7pPr>
-            <a:lvl8pPr marL="3200400" indent="0" algn="ctr">
-              <a:buNone/>
-              <a:defRPr>
-                <a:solidFill>
-                  <a:schemeClr val="tx1">
-                    <a:tint val="75000"/>
-                  </a:schemeClr>
-                </a:solidFill>
-              </a:defRPr>
+            <a:lvl8pPr marL="2400300" indent="0" algn="ctr">
+              <a:buNone/>
+              <a:defRPr sz="1200"/>
             </a:lvl8pPr>
-            <a:lvl9pPr marL="3657600" indent="0" algn="ctr">
-              <a:buNone/>
-              <a:defRPr>
-                <a:solidFill>
-                  <a:schemeClr val="tx1">
-                    <a:tint val="75000"/>
-                  </a:schemeClr>
-                </a:solidFill>
-              </a:defRPr>
+            <a:lvl9pPr marL="2743200" indent="0" algn="ctr">
+              <a:buNone/>
+              <a:defRPr sz="1200"/>
             </a:lvl9pPr>
           </a:lstStyle>
           <a:p>
             <a:r>
-              <a:rPr lang="en-US" smtClean="0"/>
-              <a:t>Click to edit Master subtitle style</a:t>
-            </a:r>
-            <a:endParaRPr lang="en-US" dirty="0"/>
+              <a:rPr lang="ru-RU"/>
+              <a:t>Образец подзаголовка</a:t>
+            </a:r>
           </a:p>
         </p:txBody>
       </p:sp>
       <p:sp>
         <p:nvSpPr>
-          <p:cNvPr id="4" name="Date Placeholder 3"/>
+          <p:cNvPr id="4" name="Дата 3"/>
           <p:cNvSpPr>
             <a:spLocks noGrp="1"/>
           </p:cNvSpPr>
@@ -327,7 +273,7 @@
           <a:p>
             <a:fld id="{5304B120-E451-4703-BB6D-383487E6124E}" type="datetimeFigureOut">
               <a:rPr lang="ru-RU" smtClean="0"/>
-              <a:t>29.10.2020</a:t>
+              <a:t>30.10.2020</a:t>
             </a:fld>
             <a:endParaRPr lang="ru-RU"/>
           </a:p>
@@ -335,7 +281,7 @@
       </p:sp>
       <p:sp>
         <p:nvSpPr>
-          <p:cNvPr id="5" name="Footer Placeholder 4"/>
+          <p:cNvPr id="5" name="Нижний колонтитул 4"/>
           <p:cNvSpPr>
             <a:spLocks noGrp="1"/>
           </p:cNvSpPr>
@@ -354,7 +300,7 @@
       </p:sp>
       <p:sp>
         <p:nvSpPr>
-          <p:cNvPr id="6" name="Slide Number Placeholder 5"/>
+          <p:cNvPr id="6" name="Номер слайда 5"/>
           <p:cNvSpPr>
             <a:spLocks noGrp="1"/>
           </p:cNvSpPr>
@@ -378,7 +324,7 @@
     </p:spTree>
     <p:extLst>
       <p:ext uri="{BB962C8B-B14F-4D97-AF65-F5344CB8AC3E}">
-        <p14:creationId xmlns:p14="http://schemas.microsoft.com/office/powerpoint/2010/main" val="2217882893"/>
+        <p14:creationId xmlns:p14="http://schemas.microsoft.com/office/powerpoint/2010/main" val="1382984945"/>
       </p:ext>
     </p:extLst>
   </p:cSld>
@@ -389,8 +335,8 @@
 </file>
 
 <file path=ppt/slideLayouts/slideLayout10.xml><?xml version="1.0" encoding="utf-8"?>
-<p:sldLayout xmlns:a="http://schemas.openxmlformats.org/drawingml/2006/main" xmlns:r="http://schemas.openxmlformats.org/officeDocument/2006/relationships" xmlns:p="http://schemas.openxmlformats.org/presentationml/2006/main" preserve="1">
-  <p:cSld name="Panoramic Picture with Caption">
+<p:sldLayout xmlns:a="http://schemas.openxmlformats.org/drawingml/2006/main" xmlns:r="http://schemas.openxmlformats.org/officeDocument/2006/relationships" xmlns:p="http://schemas.openxmlformats.org/presentationml/2006/main" type="vertTx" preserve="1">
+  <p:cSld name="Заголовок и вертикальный текст">
     <p:spTree>
       <p:nvGrpSpPr>
         <p:cNvPr id="1" name=""/>
@@ -407,7 +353,7 @@
       </p:grpSpPr>
       <p:sp>
         <p:nvSpPr>
-          <p:cNvPr id="2" name="Title 1"/>
+          <p:cNvPr id="2" name="Заголовок 1"/>
           <p:cNvSpPr>
             <a:spLocks noGrp="1"/>
           </p:cNvSpPr>
@@ -415,179 +361,72 @@
             <p:ph type="title"/>
           </p:nvPr>
         </p:nvSpPr>
-        <p:spPr>
-          <a:xfrm>
-            <a:off x="866443" y="4800587"/>
-            <a:ext cx="6620967" cy="566738"/>
-          </a:xfrm>
-        </p:spPr>
+        <p:spPr/>
         <p:txBody>
-          <a:bodyPr anchor="b">
-            <a:normAutofit/>
-          </a:bodyPr>
-          <a:lstStyle>
-            <a:lvl1pPr algn="l">
-              <a:defRPr sz="2400" b="0"/>
-            </a:lvl1pPr>
-          </a:lstStyle>
-          <a:p>
-            <a:r>
-              <a:rPr lang="en-US" smtClean="0"/>
-              <a:t>Click to edit Master title style</a:t>
-            </a:r>
-            <a:endParaRPr lang="en-US" dirty="0"/>
+          <a:bodyPr/>
+          <a:lstStyle/>
+          <a:p>
+            <a:r>
+              <a:rPr lang="ru-RU"/>
+              <a:t>Образец заголовка</a:t>
+            </a:r>
           </a:p>
         </p:txBody>
       </p:sp>
       <p:sp>
         <p:nvSpPr>
-          <p:cNvPr id="3" name="Picture Placeholder 2"/>
+          <p:cNvPr id="3" name="Вертикальный текст 2"/>
           <p:cNvSpPr>
-            <a:spLocks noGrp="1" noChangeAspect="1"/>
+            <a:spLocks noGrp="1"/>
           </p:cNvSpPr>
           <p:nvPr>
-            <p:ph type="pic" idx="1"/>
+            <p:ph type="body" orient="vert" idx="1"/>
           </p:nvPr>
         </p:nvSpPr>
-        <p:spPr>
-          <a:xfrm>
-            <a:off x="866442" y="685800"/>
-            <a:ext cx="6620968" cy="3640666"/>
-          </a:xfrm>
-          <a:prstGeom prst="roundRect">
-            <a:avLst>
-              <a:gd name="adj" fmla="val 1858"/>
-            </a:avLst>
-          </a:prstGeom>
-          <a:effectLst>
-            <a:outerShdw blurRad="50800" dist="50800" dir="5400000" algn="tl" rotWithShape="0">
-              <a:srgbClr val="000000">
-                <a:alpha val="43000"/>
-              </a:srgbClr>
-            </a:outerShdw>
-          </a:effectLst>
-        </p:spPr>
+        <p:spPr/>
         <p:txBody>
-          <a:bodyPr anchor="t">
-            <a:normAutofit/>
-          </a:bodyPr>
-          <a:lstStyle>
-            <a:lvl1pPr marL="0" indent="0" algn="ctr">
-              <a:buNone/>
-              <a:defRPr sz="1600"/>
-            </a:lvl1pPr>
-            <a:lvl2pPr marL="457200" indent="0">
-              <a:buNone/>
-              <a:defRPr sz="1600"/>
-            </a:lvl2pPr>
-            <a:lvl3pPr marL="914400" indent="0">
-              <a:buNone/>
-              <a:defRPr sz="1600"/>
-            </a:lvl3pPr>
-            <a:lvl4pPr marL="1371600" indent="0">
-              <a:buNone/>
-              <a:defRPr sz="1600"/>
-            </a:lvl4pPr>
-            <a:lvl5pPr marL="1828800" indent="0">
-              <a:buNone/>
-              <a:defRPr sz="1600"/>
-            </a:lvl5pPr>
-            <a:lvl6pPr marL="2286000" indent="0">
-              <a:buNone/>
-              <a:defRPr sz="1600"/>
-            </a:lvl6pPr>
-            <a:lvl7pPr marL="2743200" indent="0">
-              <a:buNone/>
-              <a:defRPr sz="1600"/>
-            </a:lvl7pPr>
-            <a:lvl8pPr marL="3200400" indent="0">
-              <a:buNone/>
-              <a:defRPr sz="1600"/>
-            </a:lvl8pPr>
-            <a:lvl9pPr marL="3657600" indent="0">
-              <a:buNone/>
-              <a:defRPr sz="1600"/>
-            </a:lvl9pPr>
-          </a:lstStyle>
-          <a:p>
-            <a:r>
-              <a:rPr lang="en-US" smtClean="0"/>
-              <a:t>Click icon to add picture</a:t>
-            </a:r>
-            <a:endParaRPr lang="en-US" dirty="0"/>
+          <a:bodyPr vert="eaVert"/>
+          <a:lstStyle/>
+          <a:p>
+            <a:pPr lvl="0"/>
+            <a:r>
+              <a:rPr lang="ru-RU"/>
+              <a:t>Образец текста</a:t>
+            </a:r>
+          </a:p>
+          <a:p>
+            <a:pPr lvl="1"/>
+            <a:r>
+              <a:rPr lang="ru-RU"/>
+              <a:t>Второй уровень</a:t>
+            </a:r>
+          </a:p>
+          <a:p>
+            <a:pPr lvl="2"/>
+            <a:r>
+              <a:rPr lang="ru-RU"/>
+              <a:t>Третий уровень</a:t>
+            </a:r>
+          </a:p>
+          <a:p>
+            <a:pPr lvl="3"/>
+            <a:r>
+              <a:rPr lang="ru-RU"/>
+              <a:t>Четвертый уровень</a:t>
+            </a:r>
+          </a:p>
+          <a:p>
+            <a:pPr lvl="4"/>
+            <a:r>
+              <a:rPr lang="ru-RU"/>
+              <a:t>Пятый уровень</a:t>
+            </a:r>
           </a:p>
         </p:txBody>
       </p:sp>
       <p:sp>
         <p:nvSpPr>
-          <p:cNvPr id="4" name="Text Placeholder 3"/>
-          <p:cNvSpPr>
-            <a:spLocks noGrp="1"/>
-          </p:cNvSpPr>
-          <p:nvPr>
-            <p:ph type="body" sz="half" idx="2"/>
-          </p:nvPr>
-        </p:nvSpPr>
-        <p:spPr>
-          <a:xfrm>
-            <a:off x="866443" y="5367325"/>
-            <a:ext cx="6620966" cy="493712"/>
-          </a:xfrm>
-        </p:spPr>
-        <p:txBody>
-          <a:bodyPr>
-            <a:normAutofit/>
-          </a:bodyPr>
-          <a:lstStyle>
-            <a:lvl1pPr marL="0" indent="0">
-              <a:buNone/>
-              <a:defRPr sz="1200"/>
-            </a:lvl1pPr>
-            <a:lvl2pPr marL="457200" indent="0">
-              <a:buNone/>
-              <a:defRPr sz="1200"/>
-            </a:lvl2pPr>
-            <a:lvl3pPr marL="914400" indent="0">
-              <a:buNone/>
-              <a:defRPr sz="1000"/>
-            </a:lvl3pPr>
-            <a:lvl4pPr marL="1371600" indent="0">
-              <a:buNone/>
-              <a:defRPr sz="900"/>
-            </a:lvl4pPr>
-            <a:lvl5pPr marL="1828800" indent="0">
-              <a:buNone/>
-              <a:defRPr sz="900"/>
-            </a:lvl5pPr>
-            <a:lvl6pPr marL="2286000" indent="0">
-              <a:buNone/>
-              <a:defRPr sz="900"/>
-            </a:lvl6pPr>
-            <a:lvl7pPr marL="2743200" indent="0">
-              <a:buNone/>
-              <a:defRPr sz="900"/>
-            </a:lvl7pPr>
-            <a:lvl8pPr marL="3200400" indent="0">
-              <a:buNone/>
-              <a:defRPr sz="900"/>
-            </a:lvl8pPr>
-            <a:lvl9pPr marL="3657600" indent="0">
-              <a:buNone/>
-              <a:defRPr sz="900"/>
-            </a:lvl9pPr>
-          </a:lstStyle>
-          <a:p>
-            <a:pPr lvl="0"/>
-            <a:r>
-              <a:rPr lang="en-US" smtClean="0"/>
-              <a:t>Edit Master text styles</a:t>
-            </a:r>
-          </a:p>
-        </p:txBody>
-      </p:sp>
-      <p:sp>
-        <p:nvSpPr>
-          <p:cNvPr id="5" name="Date Placeholder 4"/>
+          <p:cNvPr id="4" name="Дата 3"/>
           <p:cNvSpPr>
             <a:spLocks noGrp="1"/>
           </p:cNvSpPr>
@@ -602,7 +441,7 @@
           <a:p>
             <a:fld id="{5304B120-E451-4703-BB6D-383487E6124E}" type="datetimeFigureOut">
               <a:rPr lang="ru-RU" smtClean="0"/>
-              <a:t>29.10.2020</a:t>
+              <a:t>30.10.2020</a:t>
             </a:fld>
             <a:endParaRPr lang="ru-RU"/>
           </a:p>
@@ -610,7 +449,7 @@
       </p:sp>
       <p:sp>
         <p:nvSpPr>
-          <p:cNvPr id="6" name="Footer Placeholder 5"/>
+          <p:cNvPr id="5" name="Нижний колонтитул 4"/>
           <p:cNvSpPr>
             <a:spLocks noGrp="1"/>
           </p:cNvSpPr>
@@ -629,7 +468,7 @@
       </p:sp>
       <p:sp>
         <p:nvSpPr>
-          <p:cNvPr id="7" name="Slide Number Placeholder 6"/>
+          <p:cNvPr id="6" name="Номер слайда 5"/>
           <p:cNvSpPr>
             <a:spLocks noGrp="1"/>
           </p:cNvSpPr>
@@ -653,7 +492,7 @@
     </p:spTree>
     <p:extLst>
       <p:ext uri="{BB962C8B-B14F-4D97-AF65-F5344CB8AC3E}">
-        <p14:creationId xmlns:p14="http://schemas.microsoft.com/office/powerpoint/2010/main" val="993846405"/>
+        <p14:creationId xmlns:p14="http://schemas.microsoft.com/office/powerpoint/2010/main" val="2495713951"/>
       </p:ext>
     </p:extLst>
   </p:cSld>
@@ -664,8 +503,8 @@
 </file>
 
 <file path=ppt/slideLayouts/slideLayout11.xml><?xml version="1.0" encoding="utf-8"?>
-<p:sldLayout xmlns:a="http://schemas.openxmlformats.org/drawingml/2006/main" xmlns:r="http://schemas.openxmlformats.org/officeDocument/2006/relationships" xmlns:p="http://schemas.openxmlformats.org/presentationml/2006/main" preserve="1">
-  <p:cSld name="Title and Caption">
+<p:sldLayout xmlns:a="http://schemas.openxmlformats.org/drawingml/2006/main" xmlns:r="http://schemas.openxmlformats.org/officeDocument/2006/relationships" xmlns:p="http://schemas.openxmlformats.org/presentationml/2006/main" type="vertTitleAndTx" preserve="1">
+  <p:cSld name="Вертикальный заголовок и текст">
     <p:spTree>
       <p:nvGrpSpPr>
         <p:cNvPr id="1" name=""/>
@@ -682,106 +521,90 @@
       </p:grpSpPr>
       <p:sp>
         <p:nvSpPr>
-          <p:cNvPr id="2" name="Title 1"/>
+          <p:cNvPr id="2" name="Вертикальный заголовок 1"/>
           <p:cNvSpPr>
             <a:spLocks noGrp="1"/>
           </p:cNvSpPr>
           <p:nvPr>
-            <p:ph type="title"/>
+            <p:ph type="title" orient="vert"/>
           </p:nvPr>
         </p:nvSpPr>
         <p:spPr>
           <a:xfrm>
-            <a:off x="866442" y="1447800"/>
-            <a:ext cx="6620968" cy="1981200"/>
+            <a:off x="6543675" y="365125"/>
+            <a:ext cx="1971675" cy="5811838"/>
           </a:xfrm>
         </p:spPr>
         <p:txBody>
-          <a:bodyPr/>
-          <a:lstStyle>
-            <a:lvl1pPr>
-              <a:defRPr sz="4800"/>
-            </a:lvl1pPr>
-          </a:lstStyle>
-          <a:p>
-            <a:r>
-              <a:rPr lang="en-US" smtClean="0"/>
-              <a:t>Click to edit Master title style</a:t>
-            </a:r>
-            <a:endParaRPr lang="en-US" dirty="0"/>
+          <a:bodyPr vert="eaVert"/>
+          <a:lstStyle/>
+          <a:p>
+            <a:r>
+              <a:rPr lang="ru-RU"/>
+              <a:t>Образец заголовка</a:t>
+            </a:r>
           </a:p>
         </p:txBody>
       </p:sp>
       <p:sp>
         <p:nvSpPr>
-          <p:cNvPr id="8" name="Text Placeholder 3"/>
+          <p:cNvPr id="3" name="Вертикальный текст 2"/>
           <p:cNvSpPr>
             <a:spLocks noGrp="1"/>
           </p:cNvSpPr>
           <p:nvPr>
-            <p:ph type="body" sz="half" idx="2"/>
+            <p:ph type="body" orient="vert" idx="1"/>
           </p:nvPr>
         </p:nvSpPr>
         <p:spPr>
           <a:xfrm>
-            <a:off x="866442" y="3657600"/>
-            <a:ext cx="6620968" cy="2362200"/>
+            <a:off x="628650" y="365125"/>
+            <a:ext cx="5800725" cy="5811838"/>
           </a:xfrm>
         </p:spPr>
         <p:txBody>
-          <a:bodyPr anchor="ctr">
-            <a:normAutofit/>
-          </a:bodyPr>
-          <a:lstStyle>
-            <a:lvl1pPr marL="0" indent="0">
-              <a:buNone/>
-              <a:defRPr sz="1800"/>
-            </a:lvl1pPr>
-            <a:lvl2pPr marL="457200" indent="0">
-              <a:buNone/>
-              <a:defRPr sz="1200"/>
-            </a:lvl2pPr>
-            <a:lvl3pPr marL="914400" indent="0">
-              <a:buNone/>
-              <a:defRPr sz="1000"/>
-            </a:lvl3pPr>
-            <a:lvl4pPr marL="1371600" indent="0">
-              <a:buNone/>
-              <a:defRPr sz="900"/>
-            </a:lvl4pPr>
-            <a:lvl5pPr marL="1828800" indent="0">
-              <a:buNone/>
-              <a:defRPr sz="900"/>
-            </a:lvl5pPr>
-            <a:lvl6pPr marL="2286000" indent="0">
-              <a:buNone/>
-              <a:defRPr sz="900"/>
-            </a:lvl6pPr>
-            <a:lvl7pPr marL="2743200" indent="0">
-              <a:buNone/>
-              <a:defRPr sz="900"/>
-            </a:lvl7pPr>
-            <a:lvl8pPr marL="3200400" indent="0">
-              <a:buNone/>
-              <a:defRPr sz="900"/>
-            </a:lvl8pPr>
-            <a:lvl9pPr marL="3657600" indent="0">
-              <a:buNone/>
-              <a:defRPr sz="900"/>
-            </a:lvl9pPr>
-          </a:lstStyle>
+          <a:bodyPr vert="eaVert"/>
+          <a:lstStyle/>
           <a:p>
             <a:pPr lvl="0"/>
             <a:r>
-              <a:rPr lang="en-US" smtClean="0"/>
-              <a:t>Edit Master text styles</a:t>
+              <a:rPr lang="ru-RU"/>
+              <a:t>Образец текста</a:t>
+            </a:r>
+          </a:p>
+          <a:p>
+            <a:pPr lvl="1"/>
+            <a:r>
+              <a:rPr lang="ru-RU"/>
+              <a:t>Второй уровень</a:t>
+            </a:r>
+          </a:p>
+          <a:p>
+            <a:pPr lvl="2"/>
+            <a:r>
+              <a:rPr lang="ru-RU"/>
+              <a:t>Третий уровень</a:t>
+            </a:r>
+          </a:p>
+          <a:p>
+            <a:pPr lvl="3"/>
+            <a:r>
+              <a:rPr lang="ru-RU"/>
+              <a:t>Четвертый уровень</a:t>
+            </a:r>
+          </a:p>
+          <a:p>
+            <a:pPr lvl="4"/>
+            <a:r>
+              <a:rPr lang="ru-RU"/>
+              <a:t>Пятый уровень</a:t>
             </a:r>
           </a:p>
         </p:txBody>
       </p:sp>
       <p:sp>
         <p:nvSpPr>
-          <p:cNvPr id="4" name="Date Placeholder 3"/>
+          <p:cNvPr id="4" name="Дата 3"/>
           <p:cNvSpPr>
             <a:spLocks noGrp="1"/>
           </p:cNvSpPr>
@@ -796,7 +619,7 @@
           <a:p>
             <a:fld id="{5304B120-E451-4703-BB6D-383487E6124E}" type="datetimeFigureOut">
               <a:rPr lang="ru-RU" smtClean="0"/>
-              <a:t>29.10.2020</a:t>
+              <a:t>30.10.2020</a:t>
             </a:fld>
             <a:endParaRPr lang="ru-RU"/>
           </a:p>
@@ -804,7 +627,7 @@
       </p:sp>
       <p:sp>
         <p:nvSpPr>
-          <p:cNvPr id="5" name="Footer Placeholder 4"/>
+          <p:cNvPr id="5" name="Нижний колонтитул 4"/>
           <p:cNvSpPr>
             <a:spLocks noGrp="1"/>
           </p:cNvSpPr>
@@ -823,7 +646,7 @@
       </p:sp>
       <p:sp>
         <p:nvSpPr>
-          <p:cNvPr id="6" name="Slide Number Placeholder 5"/>
+          <p:cNvPr id="6" name="Номер слайда 5"/>
           <p:cNvSpPr>
             <a:spLocks noGrp="1"/>
           </p:cNvSpPr>
@@ -847,7 +670,7 @@
     </p:spTree>
     <p:extLst>
       <p:ext uri="{BB962C8B-B14F-4D97-AF65-F5344CB8AC3E}">
-        <p14:creationId xmlns:p14="http://schemas.microsoft.com/office/powerpoint/2010/main" val="2637938154"/>
+        <p14:creationId xmlns:p14="http://schemas.microsoft.com/office/powerpoint/2010/main" val="594721859"/>
       </p:ext>
     </p:extLst>
   </p:cSld>
@@ -857,9 +680,9 @@
 </p:sldLayout>
 </file>
 
-<file path=ppt/slideLayouts/slideLayout12.xml><?xml version="1.0" encoding="utf-8"?>
-<p:sldLayout xmlns:a="http://schemas.openxmlformats.org/drawingml/2006/main" xmlns:r="http://schemas.openxmlformats.org/officeDocument/2006/relationships" xmlns:p="http://schemas.openxmlformats.org/presentationml/2006/main" preserve="1">
-  <p:cSld name="Quote with Caption">
+<file path=ppt/slideLayouts/slideLayout2.xml><?xml version="1.0" encoding="utf-8"?>
+<p:sldLayout xmlns:a="http://schemas.openxmlformats.org/drawingml/2006/main" xmlns:r="http://schemas.openxmlformats.org/officeDocument/2006/relationships" xmlns:p="http://schemas.openxmlformats.org/presentationml/2006/main" type="obj" preserve="1">
+  <p:cSld name="Заголовок и объект">
     <p:spTree>
       <p:nvGrpSpPr>
         <p:cNvPr id="1" name=""/>
@@ -876,7 +699,7 @@
       </p:grpSpPr>
       <p:sp>
         <p:nvSpPr>
-          <p:cNvPr id="2" name="Title 1"/>
+          <p:cNvPr id="2" name="Заголовок 1"/>
           <p:cNvSpPr>
             <a:spLocks noGrp="1"/>
           </p:cNvSpPr>
@@ -884,172 +707,72 @@
             <p:ph type="title"/>
           </p:nvPr>
         </p:nvSpPr>
-        <p:spPr>
-          <a:xfrm>
-            <a:off x="1181409" y="1447800"/>
-            <a:ext cx="6001049" cy="2317649"/>
-          </a:xfrm>
-        </p:spPr>
+        <p:spPr/>
         <p:txBody>
           <a:bodyPr/>
-          <a:lstStyle>
-            <a:lvl1pPr>
-              <a:defRPr sz="4800"/>
-            </a:lvl1pPr>
-          </a:lstStyle>
-          <a:p>
-            <a:r>
-              <a:rPr lang="en-US" smtClean="0"/>
-              <a:t>Click to edit Master title style</a:t>
-            </a:r>
-            <a:endParaRPr lang="en-US" dirty="0"/>
+          <a:lstStyle/>
+          <a:p>
+            <a:r>
+              <a:rPr lang="ru-RU"/>
+              <a:t>Образец заголовка</a:t>
+            </a:r>
           </a:p>
         </p:txBody>
       </p:sp>
       <p:sp>
         <p:nvSpPr>
-          <p:cNvPr id="14" name="Text Placeholder 3"/>
+          <p:cNvPr id="3" name="Объект 2"/>
           <p:cNvSpPr>
             <a:spLocks noGrp="1"/>
           </p:cNvSpPr>
           <p:nvPr>
-            <p:ph type="body" sz="half" idx="13"/>
+            <p:ph idx="1"/>
           </p:nvPr>
         </p:nvSpPr>
-        <p:spPr>
-          <a:xfrm>
-            <a:off x="1454530" y="3765449"/>
-            <a:ext cx="5449871" cy="342174"/>
-          </a:xfrm>
-        </p:spPr>
+        <p:spPr/>
         <p:txBody>
-          <a:bodyPr anchor="t">
-            <a:normAutofit/>
-          </a:bodyPr>
-          <a:lstStyle>
-            <a:lvl1pPr marL="0" indent="0">
-              <a:buNone/>
-              <a:defRPr lang="en-US" sz="1400" b="0" i="0" kern="1200" cap="small" dirty="0">
-                <a:solidFill>
-                  <a:schemeClr val="accent1"/>
-                </a:solidFill>
-                <a:latin typeface="+mj-lt"/>
-                <a:ea typeface="+mj-ea"/>
-                <a:cs typeface="+mj-cs"/>
-              </a:defRPr>
-            </a:lvl1pPr>
-            <a:lvl2pPr marL="457200" indent="0">
-              <a:buNone/>
-              <a:defRPr sz="1200"/>
-            </a:lvl2pPr>
-            <a:lvl3pPr marL="914400" indent="0">
-              <a:buNone/>
-              <a:defRPr sz="1000"/>
-            </a:lvl3pPr>
-            <a:lvl4pPr marL="1371600" indent="0">
-              <a:buNone/>
-              <a:defRPr sz="900"/>
-            </a:lvl4pPr>
-            <a:lvl5pPr marL="1828800" indent="0">
-              <a:buNone/>
-              <a:defRPr sz="900"/>
-            </a:lvl5pPr>
-            <a:lvl6pPr marL="2286000" indent="0">
-              <a:buNone/>
-              <a:defRPr sz="900"/>
-            </a:lvl6pPr>
-            <a:lvl7pPr marL="2743200" indent="0">
-              <a:buNone/>
-              <a:defRPr sz="900"/>
-            </a:lvl7pPr>
-            <a:lvl8pPr marL="3200400" indent="0">
-              <a:buNone/>
-              <a:defRPr sz="900"/>
-            </a:lvl8pPr>
-            <a:lvl9pPr marL="3657600" indent="0">
-              <a:buNone/>
-              <a:defRPr sz="900"/>
-            </a:lvl9pPr>
-          </a:lstStyle>
+          <a:bodyPr/>
+          <a:lstStyle/>
           <a:p>
             <a:pPr lvl="0"/>
             <a:r>
-              <a:rPr lang="en-US" smtClean="0"/>
-              <a:t>Edit Master text styles</a:t>
+              <a:rPr lang="ru-RU"/>
+              <a:t>Образец текста</a:t>
+            </a:r>
+          </a:p>
+          <a:p>
+            <a:pPr lvl="1"/>
+            <a:r>
+              <a:rPr lang="ru-RU"/>
+              <a:t>Второй уровень</a:t>
+            </a:r>
+          </a:p>
+          <a:p>
+            <a:pPr lvl="2"/>
+            <a:r>
+              <a:rPr lang="ru-RU"/>
+              <a:t>Третий уровень</a:t>
+            </a:r>
+          </a:p>
+          <a:p>
+            <a:pPr lvl="3"/>
+            <a:r>
+              <a:rPr lang="ru-RU"/>
+              <a:t>Четвертый уровень</a:t>
+            </a:r>
+          </a:p>
+          <a:p>
+            <a:pPr lvl="4"/>
+            <a:r>
+              <a:rPr lang="ru-RU"/>
+              <a:t>Пятый уровень</a:t>
             </a:r>
           </a:p>
         </p:txBody>
       </p:sp>
       <p:sp>
         <p:nvSpPr>
-          <p:cNvPr id="10" name="Text Placeholder 3"/>
-          <p:cNvSpPr>
-            <a:spLocks noGrp="1"/>
-          </p:cNvSpPr>
-          <p:nvPr>
-            <p:ph type="body" sz="half" idx="2"/>
-          </p:nvPr>
-        </p:nvSpPr>
-        <p:spPr>
-          <a:xfrm>
-            <a:off x="866442" y="4350657"/>
-            <a:ext cx="6620968" cy="1676400"/>
-          </a:xfrm>
-        </p:spPr>
-        <p:txBody>
-          <a:bodyPr anchor="ctr">
-            <a:normAutofit/>
-          </a:bodyPr>
-          <a:lstStyle>
-            <a:lvl1pPr marL="0" indent="0">
-              <a:buNone/>
-              <a:defRPr sz="1800"/>
-            </a:lvl1pPr>
-            <a:lvl2pPr marL="457200" indent="0">
-              <a:buNone/>
-              <a:defRPr sz="1200"/>
-            </a:lvl2pPr>
-            <a:lvl3pPr marL="914400" indent="0">
-              <a:buNone/>
-              <a:defRPr sz="1000"/>
-            </a:lvl3pPr>
-            <a:lvl4pPr marL="1371600" indent="0">
-              <a:buNone/>
-              <a:defRPr sz="900"/>
-            </a:lvl4pPr>
-            <a:lvl5pPr marL="1828800" indent="0">
-              <a:buNone/>
-              <a:defRPr sz="900"/>
-            </a:lvl5pPr>
-            <a:lvl6pPr marL="2286000" indent="0">
-              <a:buNone/>
-              <a:defRPr sz="900"/>
-            </a:lvl6pPr>
-            <a:lvl7pPr marL="2743200" indent="0">
-              <a:buNone/>
-              <a:defRPr sz="900"/>
-            </a:lvl7pPr>
-            <a:lvl8pPr marL="3200400" indent="0">
-              <a:buNone/>
-              <a:defRPr sz="900"/>
-            </a:lvl8pPr>
-            <a:lvl9pPr marL="3657600" indent="0">
-              <a:buNone/>
-              <a:defRPr sz="900"/>
-            </a:lvl9pPr>
-          </a:lstStyle>
-          <a:p>
-            <a:pPr lvl="0"/>
-            <a:r>
-              <a:rPr lang="en-US" smtClean="0"/>
-              <a:t>Edit Master text styles</a:t>
-            </a:r>
-          </a:p>
-        </p:txBody>
-      </p:sp>
-      <p:sp>
-        <p:nvSpPr>
-          <p:cNvPr id="4" name="Date Placeholder 3"/>
+          <p:cNvPr id="4" name="Дата 3"/>
           <p:cNvSpPr>
             <a:spLocks noGrp="1"/>
           </p:cNvSpPr>
@@ -1064,7 +787,7 @@
           <a:p>
             <a:fld id="{5304B120-E451-4703-BB6D-383487E6124E}" type="datetimeFigureOut">
               <a:rPr lang="ru-RU" smtClean="0"/>
-              <a:t>29.10.2020</a:t>
+              <a:t>30.10.2020</a:t>
             </a:fld>
             <a:endParaRPr lang="ru-RU"/>
           </a:p>
@@ -1072,7 +795,7 @@
       </p:sp>
       <p:sp>
         <p:nvSpPr>
-          <p:cNvPr id="5" name="Footer Placeholder 4"/>
+          <p:cNvPr id="5" name="Нижний колонтитул 4"/>
           <p:cNvSpPr>
             <a:spLocks noGrp="1"/>
           </p:cNvSpPr>
@@ -1091,7 +814,7 @@
       </p:sp>
       <p:sp>
         <p:nvSpPr>
-          <p:cNvPr id="6" name="Slide Number Placeholder 5"/>
+          <p:cNvPr id="6" name="Номер слайда 5"/>
           <p:cNvSpPr>
             <a:spLocks noGrp="1"/>
           </p:cNvSpPr>
@@ -1112,98 +835,10 @@
           </a:p>
         </p:txBody>
       </p:sp>
-      <p:sp>
-        <p:nvSpPr>
-          <p:cNvPr id="9" name="TextBox 8"/>
-          <p:cNvSpPr txBox="1"/>
-          <p:nvPr/>
-        </p:nvSpPr>
-        <p:spPr>
-          <a:xfrm>
-            <a:off x="673897" y="971253"/>
-            <a:ext cx="601591" cy="1969770"/>
-          </a:xfrm>
-          <a:prstGeom prst="rect">
-            <a:avLst/>
-          </a:prstGeom>
-          <a:noFill/>
-        </p:spPr>
-        <p:txBody>
-          <a:bodyPr wrap="square" rtlCol="0">
-            <a:spAutoFit/>
-          </a:bodyPr>
-          <a:lstStyle>
-            <a:defPPr>
-              <a:defRPr lang="en-US"/>
-            </a:defPPr>
-            <a:lvl1pPr algn="r">
-              <a:defRPr sz="12200" b="0" i="0">
-                <a:solidFill>
-                  <a:schemeClr val="accent1"/>
-                </a:solidFill>
-                <a:latin typeface="Arial"/>
-                <a:ea typeface="+mj-ea"/>
-                <a:cs typeface="+mj-cs"/>
-              </a:defRPr>
-            </a:lvl1pPr>
-          </a:lstStyle>
-          <a:p>
-            <a:pPr lvl="0"/>
-            <a:r>
-              <a:rPr lang="en-US" sz="12200" dirty="0"/>
-              <a:t>“</a:t>
-            </a:r>
-          </a:p>
-        </p:txBody>
-      </p:sp>
-      <p:sp>
-        <p:nvSpPr>
-          <p:cNvPr id="13" name="TextBox 12"/>
-          <p:cNvSpPr txBox="1"/>
-          <p:nvPr/>
-        </p:nvSpPr>
-        <p:spPr>
-          <a:xfrm>
-            <a:off x="6999690" y="2613787"/>
-            <a:ext cx="601591" cy="1969770"/>
-          </a:xfrm>
-          <a:prstGeom prst="rect">
-            <a:avLst/>
-          </a:prstGeom>
-          <a:noFill/>
-        </p:spPr>
-        <p:txBody>
-          <a:bodyPr wrap="square" rtlCol="0">
-            <a:spAutoFit/>
-          </a:bodyPr>
-          <a:lstStyle>
-            <a:defPPr>
-              <a:defRPr lang="en-US"/>
-            </a:defPPr>
-            <a:lvl1pPr algn="r">
-              <a:defRPr sz="12200" b="0" i="0">
-                <a:solidFill>
-                  <a:schemeClr val="accent1"/>
-                </a:solidFill>
-                <a:latin typeface="Arial"/>
-                <a:ea typeface="+mj-ea"/>
-                <a:cs typeface="+mj-cs"/>
-              </a:defRPr>
-            </a:lvl1pPr>
-          </a:lstStyle>
-          <a:p>
-            <a:pPr lvl="0"/>
-            <a:r>
-              <a:rPr lang="en-US" sz="12200" dirty="0"/>
-              <a:t>”</a:t>
-            </a:r>
-          </a:p>
-        </p:txBody>
-      </p:sp>
     </p:spTree>
     <p:extLst>
       <p:ext uri="{BB962C8B-B14F-4D97-AF65-F5344CB8AC3E}">
-        <p14:creationId xmlns:p14="http://schemas.microsoft.com/office/powerpoint/2010/main" val="915364578"/>
+        <p14:creationId xmlns:p14="http://schemas.microsoft.com/office/powerpoint/2010/main" val="83827418"/>
       </p:ext>
     </p:extLst>
   </p:cSld>
@@ -1213,9 +848,9 @@
 </p:sldLayout>
 </file>
 
-<file path=ppt/slideLayouts/slideLayout13.xml><?xml version="1.0" encoding="utf-8"?>
-<p:sldLayout xmlns:a="http://schemas.openxmlformats.org/drawingml/2006/main" xmlns:r="http://schemas.openxmlformats.org/officeDocument/2006/relationships" xmlns:p="http://schemas.openxmlformats.org/presentationml/2006/main" preserve="1">
-  <p:cSld name="Name Card">
+<file path=ppt/slideLayouts/slideLayout3.xml><?xml version="1.0" encoding="utf-8"?>
+<p:sldLayout xmlns:a="http://schemas.openxmlformats.org/drawingml/2006/main" xmlns:r="http://schemas.openxmlformats.org/officeDocument/2006/relationships" xmlns:p="http://schemas.openxmlformats.org/presentationml/2006/main" type="secHead" preserve="1">
+  <p:cSld name="Заголовок раздела">
     <p:spTree>
       <p:nvGrpSpPr>
         <p:cNvPr id="1" name=""/>
@@ -1232,7 +867,7 @@
       </p:grpSpPr>
       <p:sp>
         <p:nvSpPr>
-          <p:cNvPr id="2" name="Title 1"/>
+          <p:cNvPr id="2" name="Заголовок 1"/>
           <p:cNvSpPr>
             <a:spLocks noGrp="1"/>
           </p:cNvSpPr>
@@ -1242,29 +877,28 @@
         </p:nvSpPr>
         <p:spPr>
           <a:xfrm>
-            <a:off x="866441" y="3124201"/>
-            <a:ext cx="6620969" cy="1653180"/>
+            <a:off x="623888" y="1709739"/>
+            <a:ext cx="7886700" cy="2852737"/>
           </a:xfrm>
         </p:spPr>
         <p:txBody>
           <a:bodyPr anchor="b"/>
           <a:lstStyle>
-            <a:lvl1pPr algn="l">
-              <a:defRPr sz="4000" b="0" cap="none"/>
+            <a:lvl1pPr>
+              <a:defRPr sz="4500"/>
             </a:lvl1pPr>
           </a:lstStyle>
           <a:p>
             <a:r>
-              <a:rPr lang="en-US" smtClean="0"/>
-              <a:t>Click to edit Master title style</a:t>
-            </a:r>
-            <a:endParaRPr lang="en-US" dirty="0"/>
+              <a:rPr lang="ru-RU"/>
+              <a:t>Образец заголовка</a:t>
+            </a:r>
           </a:p>
         </p:txBody>
       </p:sp>
       <p:sp>
         <p:nvSpPr>
-          <p:cNvPr id="3" name="Text Placeholder 2"/>
+          <p:cNvPr id="3" name="Текст 2"/>
           <p:cNvSpPr>
             <a:spLocks noGrp="1"/>
           </p:cNvSpPr>
@@ -1274,22 +908,14 @@
         </p:nvSpPr>
         <p:spPr>
           <a:xfrm>
-            <a:off x="866442" y="4777381"/>
-            <a:ext cx="6620968" cy="860400"/>
+            <a:off x="623888" y="4589464"/>
+            <a:ext cx="7886700" cy="1500187"/>
           </a:xfrm>
         </p:spPr>
         <p:txBody>
-          <a:bodyPr anchor="t"/>
+          <a:bodyPr/>
           <a:lstStyle>
-            <a:lvl1pPr marL="0" indent="0" algn="l">
-              <a:buNone/>
-              <a:defRPr sz="2000" cap="none">
-                <a:solidFill>
-                  <a:schemeClr val="accent1"/>
-                </a:solidFill>
-              </a:defRPr>
-            </a:lvl1pPr>
-            <a:lvl2pPr marL="457200" indent="0">
+            <a:lvl1pPr marL="0" indent="0">
               <a:buNone/>
               <a:defRPr sz="1800">
                 <a:solidFill>
@@ -1298,10 +924,20 @@
                   </a:schemeClr>
                 </a:solidFill>
               </a:defRPr>
+            </a:lvl1pPr>
+            <a:lvl2pPr marL="342900" indent="0">
+              <a:buNone/>
+              <a:defRPr sz="1500">
+                <a:solidFill>
+                  <a:schemeClr val="tx1">
+                    <a:tint val="75000"/>
+                  </a:schemeClr>
+                </a:solidFill>
+              </a:defRPr>
             </a:lvl2pPr>
-            <a:lvl3pPr marL="914400" indent="0">
-              <a:buNone/>
-              <a:defRPr sz="1600">
+            <a:lvl3pPr marL="685800" indent="0">
+              <a:buNone/>
+              <a:defRPr sz="1350">
                 <a:solidFill>
                   <a:schemeClr val="tx1">
                     <a:tint val="75000"/>
@@ -1309,9 +945,9 @@
                 </a:solidFill>
               </a:defRPr>
             </a:lvl3pPr>
-            <a:lvl4pPr marL="1371600" indent="0">
-              <a:buNone/>
-              <a:defRPr sz="1400">
+            <a:lvl4pPr marL="1028700" indent="0">
+              <a:buNone/>
+              <a:defRPr sz="1200">
                 <a:solidFill>
                   <a:schemeClr val="tx1">
                     <a:tint val="75000"/>
@@ -1319,9 +955,9 @@
                 </a:solidFill>
               </a:defRPr>
             </a:lvl4pPr>
-            <a:lvl5pPr marL="1828800" indent="0">
-              <a:buNone/>
-              <a:defRPr sz="1400">
+            <a:lvl5pPr marL="1371600" indent="0">
+              <a:buNone/>
+              <a:defRPr sz="1200">
                 <a:solidFill>
                   <a:schemeClr val="tx1">
                     <a:tint val="75000"/>
@@ -1329,9 +965,9 @@
                 </a:solidFill>
               </a:defRPr>
             </a:lvl5pPr>
-            <a:lvl6pPr marL="2286000" indent="0">
-              <a:buNone/>
-              <a:defRPr sz="1400">
+            <a:lvl6pPr marL="1714500" indent="0">
+              <a:buNone/>
+              <a:defRPr sz="1200">
                 <a:solidFill>
                   <a:schemeClr val="tx1">
                     <a:tint val="75000"/>
@@ -1339,9 +975,9 @@
                 </a:solidFill>
               </a:defRPr>
             </a:lvl6pPr>
-            <a:lvl7pPr marL="2743200" indent="0">
-              <a:buNone/>
-              <a:defRPr sz="1400">
+            <a:lvl7pPr marL="2057400" indent="0">
+              <a:buNone/>
+              <a:defRPr sz="1200">
                 <a:solidFill>
                   <a:schemeClr val="tx1">
                     <a:tint val="75000"/>
@@ -1349,9 +985,9 @@
                 </a:solidFill>
               </a:defRPr>
             </a:lvl7pPr>
-            <a:lvl8pPr marL="3200400" indent="0">
-              <a:buNone/>
-              <a:defRPr sz="1400">
+            <a:lvl8pPr marL="2400300" indent="0">
+              <a:buNone/>
+              <a:defRPr sz="1200">
                 <a:solidFill>
                   <a:schemeClr val="tx1">
                     <a:tint val="75000"/>
@@ -1359,9 +995,9 @@
                 </a:solidFill>
               </a:defRPr>
             </a:lvl8pPr>
-            <a:lvl9pPr marL="3657600" indent="0">
-              <a:buNone/>
-              <a:defRPr sz="1400">
+            <a:lvl9pPr marL="2743200" indent="0">
+              <a:buNone/>
+              <a:defRPr sz="1200">
                 <a:solidFill>
                   <a:schemeClr val="tx1">
                     <a:tint val="75000"/>
@@ -1373,15 +1009,15 @@
           <a:p>
             <a:pPr lvl="0"/>
             <a:r>
-              <a:rPr lang="en-US" smtClean="0"/>
-              <a:t>Edit Master text styles</a:t>
+              <a:rPr lang="ru-RU"/>
+              <a:t>Образец текста</a:t>
             </a:r>
           </a:p>
         </p:txBody>
       </p:sp>
       <p:sp>
         <p:nvSpPr>
-          <p:cNvPr id="4" name="Date Placeholder 3"/>
+          <p:cNvPr id="4" name="Дата 3"/>
           <p:cNvSpPr>
             <a:spLocks noGrp="1"/>
           </p:cNvSpPr>
@@ -1396,7 +1032,7 @@
           <a:p>
             <a:fld id="{5304B120-E451-4703-BB6D-383487E6124E}" type="datetimeFigureOut">
               <a:rPr lang="ru-RU" smtClean="0"/>
-              <a:t>29.10.2020</a:t>
+              <a:t>30.10.2020</a:t>
             </a:fld>
             <a:endParaRPr lang="ru-RU"/>
           </a:p>
@@ -1404,7 +1040,7 @@
       </p:sp>
       <p:sp>
         <p:nvSpPr>
-          <p:cNvPr id="5" name="Footer Placeholder 4"/>
+          <p:cNvPr id="5" name="Нижний колонтитул 4"/>
           <p:cNvSpPr>
             <a:spLocks noGrp="1"/>
           </p:cNvSpPr>
@@ -1423,7 +1059,7 @@
       </p:sp>
       <p:sp>
         <p:nvSpPr>
-          <p:cNvPr id="6" name="Slide Number Placeholder 5"/>
+          <p:cNvPr id="6" name="Номер слайда 5"/>
           <p:cNvSpPr>
             <a:spLocks noGrp="1"/>
           </p:cNvSpPr>
@@ -1447,7 +1083,7 @@
     </p:spTree>
     <p:extLst>
       <p:ext uri="{BB962C8B-B14F-4D97-AF65-F5344CB8AC3E}">
-        <p14:creationId xmlns:p14="http://schemas.microsoft.com/office/powerpoint/2010/main" val="474747683"/>
+        <p14:creationId xmlns:p14="http://schemas.microsoft.com/office/powerpoint/2010/main" val="2816984636"/>
       </p:ext>
     </p:extLst>
   </p:cSld>
@@ -1457,9 +1093,9 @@
 </p:sldLayout>
 </file>
 
-<file path=ppt/slideLayouts/slideLayout14.xml><?xml version="1.0" encoding="utf-8"?>
-<p:sldLayout xmlns:a="http://schemas.openxmlformats.org/drawingml/2006/main" xmlns:r="http://schemas.openxmlformats.org/officeDocument/2006/relationships" xmlns:p="http://schemas.openxmlformats.org/presentationml/2006/main" preserve="1">
-  <p:cSld name="3 Column">
+<file path=ppt/slideLayouts/slideLayout4.xml><?xml version="1.0" encoding="utf-8"?>
+<p:sldLayout xmlns:a="http://schemas.openxmlformats.org/drawingml/2006/main" xmlns:r="http://schemas.openxmlformats.org/officeDocument/2006/relationships" xmlns:p="http://schemas.openxmlformats.org/presentationml/2006/main" type="twoObj" preserve="1">
+  <p:cSld name="Два объекта">
     <p:spTree>
       <p:nvGrpSpPr>
         <p:cNvPr id="1" name=""/>
@@ -1476,7 +1112,7 @@
       </p:grpSpPr>
       <p:sp>
         <p:nvSpPr>
-          <p:cNvPr id="2" name="Title 1"/>
+          <p:cNvPr id="2" name="Заголовок 1"/>
           <p:cNvSpPr>
             <a:spLocks noGrp="1"/>
           </p:cNvSpPr>
@@ -1487,511 +1123,130 @@
         <p:spPr/>
         <p:txBody>
           <a:bodyPr/>
-          <a:lstStyle>
-            <a:lvl1pPr>
-              <a:defRPr sz="4200"/>
-            </a:lvl1pPr>
-          </a:lstStyle>
-          <a:p>
-            <a:r>
-              <a:rPr lang="en-US" smtClean="0"/>
-              <a:t>Click to edit Master title style</a:t>
-            </a:r>
-            <a:endParaRPr lang="en-US" dirty="0"/>
+          <a:lstStyle/>
+          <a:p>
+            <a:r>
+              <a:rPr lang="ru-RU"/>
+              <a:t>Образец заголовка</a:t>
+            </a:r>
           </a:p>
         </p:txBody>
       </p:sp>
       <p:sp>
         <p:nvSpPr>
-          <p:cNvPr id="3" name="Text Placeholder 2"/>
+          <p:cNvPr id="3" name="Объект 2"/>
           <p:cNvSpPr>
             <a:spLocks noGrp="1"/>
           </p:cNvSpPr>
           <p:nvPr>
-            <p:ph type="body" idx="1"/>
+            <p:ph sz="half" idx="1"/>
           </p:nvPr>
         </p:nvSpPr>
         <p:spPr>
           <a:xfrm>
-            <a:off x="474834" y="1981200"/>
-            <a:ext cx="2210725" cy="576262"/>
+            <a:off x="628650" y="1825625"/>
+            <a:ext cx="3886200" cy="4351338"/>
           </a:xfrm>
         </p:spPr>
         <p:txBody>
-          <a:bodyPr anchor="b">
-            <a:noAutofit/>
-          </a:bodyPr>
-          <a:lstStyle>
-            <a:lvl1pPr marL="0" indent="0">
-              <a:buNone/>
-              <a:defRPr sz="2400" b="0">
-                <a:solidFill>
-                  <a:schemeClr val="accent1"/>
-                </a:solidFill>
-              </a:defRPr>
-            </a:lvl1pPr>
-            <a:lvl2pPr marL="457200" indent="0">
-              <a:buNone/>
-              <a:defRPr sz="2000" b="1"/>
-            </a:lvl2pPr>
-            <a:lvl3pPr marL="914400" indent="0">
-              <a:buNone/>
-              <a:defRPr sz="1800" b="1"/>
-            </a:lvl3pPr>
-            <a:lvl4pPr marL="1371600" indent="0">
-              <a:buNone/>
-              <a:defRPr sz="1600" b="1"/>
-            </a:lvl4pPr>
-            <a:lvl5pPr marL="1828800" indent="0">
-              <a:buNone/>
-              <a:defRPr sz="1600" b="1"/>
-            </a:lvl5pPr>
-            <a:lvl6pPr marL="2286000" indent="0">
-              <a:buNone/>
-              <a:defRPr sz="1600" b="1"/>
-            </a:lvl6pPr>
-            <a:lvl7pPr marL="2743200" indent="0">
-              <a:buNone/>
-              <a:defRPr sz="1600" b="1"/>
-            </a:lvl7pPr>
-            <a:lvl8pPr marL="3200400" indent="0">
-              <a:buNone/>
-              <a:defRPr sz="1600" b="1"/>
-            </a:lvl8pPr>
-            <a:lvl9pPr marL="3657600" indent="0">
-              <a:buNone/>
-              <a:defRPr sz="1600" b="1"/>
-            </a:lvl9pPr>
-          </a:lstStyle>
+          <a:bodyPr/>
+          <a:lstStyle/>
           <a:p>
             <a:pPr lvl="0"/>
             <a:r>
-              <a:rPr lang="en-US" smtClean="0"/>
-              <a:t>Edit Master text styles</a:t>
+              <a:rPr lang="ru-RU"/>
+              <a:t>Образец текста</a:t>
+            </a:r>
+          </a:p>
+          <a:p>
+            <a:pPr lvl="1"/>
+            <a:r>
+              <a:rPr lang="ru-RU"/>
+              <a:t>Второй уровень</a:t>
+            </a:r>
+          </a:p>
+          <a:p>
+            <a:pPr lvl="2"/>
+            <a:r>
+              <a:rPr lang="ru-RU"/>
+              <a:t>Третий уровень</a:t>
+            </a:r>
+          </a:p>
+          <a:p>
+            <a:pPr lvl="3"/>
+            <a:r>
+              <a:rPr lang="ru-RU"/>
+              <a:t>Четвертый уровень</a:t>
+            </a:r>
+          </a:p>
+          <a:p>
+            <a:pPr lvl="4"/>
+            <a:r>
+              <a:rPr lang="ru-RU"/>
+              <a:t>Пятый уровень</a:t>
             </a:r>
           </a:p>
         </p:txBody>
       </p:sp>
       <p:sp>
         <p:nvSpPr>
-          <p:cNvPr id="16" name="Text Placeholder 3"/>
+          <p:cNvPr id="4" name="Объект 3"/>
           <p:cNvSpPr>
             <a:spLocks noGrp="1"/>
           </p:cNvSpPr>
           <p:nvPr>
-            <p:ph type="body" sz="half" idx="15"/>
+            <p:ph sz="half" idx="2"/>
           </p:nvPr>
         </p:nvSpPr>
         <p:spPr>
           <a:xfrm>
-            <a:off x="489475" y="2667000"/>
-            <a:ext cx="2196084" cy="3589338"/>
+            <a:off x="4629150" y="1825625"/>
+            <a:ext cx="3886200" cy="4351338"/>
           </a:xfrm>
         </p:spPr>
         <p:txBody>
-          <a:bodyPr anchor="t">
-            <a:normAutofit/>
-          </a:bodyPr>
-          <a:lstStyle>
-            <a:lvl1pPr marL="0" indent="0">
-              <a:buNone/>
-              <a:defRPr sz="1400"/>
-            </a:lvl1pPr>
-            <a:lvl2pPr marL="457200" indent="0">
-              <a:buNone/>
-              <a:defRPr sz="1200"/>
-            </a:lvl2pPr>
-            <a:lvl3pPr marL="914400" indent="0">
-              <a:buNone/>
-              <a:defRPr sz="1000"/>
-            </a:lvl3pPr>
-            <a:lvl4pPr marL="1371600" indent="0">
-              <a:buNone/>
-              <a:defRPr sz="900"/>
-            </a:lvl4pPr>
-            <a:lvl5pPr marL="1828800" indent="0">
-              <a:buNone/>
-              <a:defRPr sz="900"/>
-            </a:lvl5pPr>
-            <a:lvl6pPr marL="2286000" indent="0">
-              <a:buNone/>
-              <a:defRPr sz="900"/>
-            </a:lvl6pPr>
-            <a:lvl7pPr marL="2743200" indent="0">
-              <a:buNone/>
-              <a:defRPr sz="900"/>
-            </a:lvl7pPr>
-            <a:lvl8pPr marL="3200400" indent="0">
-              <a:buNone/>
-              <a:defRPr sz="900"/>
-            </a:lvl8pPr>
-            <a:lvl9pPr marL="3657600" indent="0">
-              <a:buNone/>
-              <a:defRPr sz="900"/>
-            </a:lvl9pPr>
-          </a:lstStyle>
+          <a:bodyPr/>
+          <a:lstStyle/>
           <a:p>
             <a:pPr lvl="0"/>
             <a:r>
-              <a:rPr lang="en-US" smtClean="0"/>
-              <a:t>Edit Master text styles</a:t>
+              <a:rPr lang="ru-RU"/>
+              <a:t>Образец текста</a:t>
+            </a:r>
+          </a:p>
+          <a:p>
+            <a:pPr lvl="1"/>
+            <a:r>
+              <a:rPr lang="ru-RU"/>
+              <a:t>Второй уровень</a:t>
+            </a:r>
+          </a:p>
+          <a:p>
+            <a:pPr lvl="2"/>
+            <a:r>
+              <a:rPr lang="ru-RU"/>
+              <a:t>Третий уровень</a:t>
+            </a:r>
+          </a:p>
+          <a:p>
+            <a:pPr lvl="3"/>
+            <a:r>
+              <a:rPr lang="ru-RU"/>
+              <a:t>Четвертый уровень</a:t>
+            </a:r>
+          </a:p>
+          <a:p>
+            <a:pPr lvl="4"/>
+            <a:r>
+              <a:rPr lang="ru-RU"/>
+              <a:t>Пятый уровень</a:t>
             </a:r>
           </a:p>
         </p:txBody>
       </p:sp>
       <p:sp>
         <p:nvSpPr>
-          <p:cNvPr id="5" name="Text Placeholder 4"/>
-          <p:cNvSpPr>
-            <a:spLocks noGrp="1"/>
-          </p:cNvSpPr>
-          <p:nvPr>
-            <p:ph type="body" sz="quarter" idx="3"/>
-          </p:nvPr>
-        </p:nvSpPr>
-        <p:spPr>
-          <a:xfrm>
-            <a:off x="2913504" y="1981200"/>
-            <a:ext cx="2202754" cy="576262"/>
-          </a:xfrm>
-        </p:spPr>
-        <p:txBody>
-          <a:bodyPr anchor="b">
-            <a:noAutofit/>
-          </a:bodyPr>
-          <a:lstStyle>
-            <a:lvl1pPr marL="0" indent="0">
-              <a:buNone/>
-              <a:defRPr sz="2400" b="0">
-                <a:solidFill>
-                  <a:schemeClr val="accent1"/>
-                </a:solidFill>
-              </a:defRPr>
-            </a:lvl1pPr>
-            <a:lvl2pPr marL="457200" indent="0">
-              <a:buNone/>
-              <a:defRPr sz="2000" b="1"/>
-            </a:lvl2pPr>
-            <a:lvl3pPr marL="914400" indent="0">
-              <a:buNone/>
-              <a:defRPr sz="1800" b="1"/>
-            </a:lvl3pPr>
-            <a:lvl4pPr marL="1371600" indent="0">
-              <a:buNone/>
-              <a:defRPr sz="1600" b="1"/>
-            </a:lvl4pPr>
-            <a:lvl5pPr marL="1828800" indent="0">
-              <a:buNone/>
-              <a:defRPr sz="1600" b="1"/>
-            </a:lvl5pPr>
-            <a:lvl6pPr marL="2286000" indent="0">
-              <a:buNone/>
-              <a:defRPr sz="1600" b="1"/>
-            </a:lvl6pPr>
-            <a:lvl7pPr marL="2743200" indent="0">
-              <a:buNone/>
-              <a:defRPr sz="1600" b="1"/>
-            </a:lvl7pPr>
-            <a:lvl8pPr marL="3200400" indent="0">
-              <a:buNone/>
-              <a:defRPr sz="1600" b="1"/>
-            </a:lvl8pPr>
-            <a:lvl9pPr marL="3657600" indent="0">
-              <a:buNone/>
-              <a:defRPr sz="1600" b="1"/>
-            </a:lvl9pPr>
-          </a:lstStyle>
-          <a:p>
-            <a:pPr lvl="0"/>
-            <a:r>
-              <a:rPr lang="en-US" smtClean="0"/>
-              <a:t>Edit Master text styles</a:t>
-            </a:r>
-          </a:p>
-        </p:txBody>
-      </p:sp>
-      <p:sp>
-        <p:nvSpPr>
-          <p:cNvPr id="19" name="Text Placeholder 3"/>
-          <p:cNvSpPr>
-            <a:spLocks noGrp="1"/>
-          </p:cNvSpPr>
-          <p:nvPr>
-            <p:ph type="body" sz="half" idx="16"/>
-          </p:nvPr>
-        </p:nvSpPr>
-        <p:spPr>
-          <a:xfrm>
-            <a:off x="2905586" y="2667000"/>
-            <a:ext cx="2210671" cy="3589338"/>
-          </a:xfrm>
-        </p:spPr>
-        <p:txBody>
-          <a:bodyPr anchor="t">
-            <a:normAutofit/>
-          </a:bodyPr>
-          <a:lstStyle>
-            <a:lvl1pPr marL="0" indent="0">
-              <a:buNone/>
-              <a:defRPr sz="1400"/>
-            </a:lvl1pPr>
-            <a:lvl2pPr marL="457200" indent="0">
-              <a:buNone/>
-              <a:defRPr sz="1200"/>
-            </a:lvl2pPr>
-            <a:lvl3pPr marL="914400" indent="0">
-              <a:buNone/>
-              <a:defRPr sz="1000"/>
-            </a:lvl3pPr>
-            <a:lvl4pPr marL="1371600" indent="0">
-              <a:buNone/>
-              <a:defRPr sz="900"/>
-            </a:lvl4pPr>
-            <a:lvl5pPr marL="1828800" indent="0">
-              <a:buNone/>
-              <a:defRPr sz="900"/>
-            </a:lvl5pPr>
-            <a:lvl6pPr marL="2286000" indent="0">
-              <a:buNone/>
-              <a:defRPr sz="900"/>
-            </a:lvl6pPr>
-            <a:lvl7pPr marL="2743200" indent="0">
-              <a:buNone/>
-              <a:defRPr sz="900"/>
-            </a:lvl7pPr>
-            <a:lvl8pPr marL="3200400" indent="0">
-              <a:buNone/>
-              <a:defRPr sz="900"/>
-            </a:lvl8pPr>
-            <a:lvl9pPr marL="3657600" indent="0">
-              <a:buNone/>
-              <a:defRPr sz="900"/>
-            </a:lvl9pPr>
-          </a:lstStyle>
-          <a:p>
-            <a:pPr lvl="0"/>
-            <a:r>
-              <a:rPr lang="en-US" smtClean="0"/>
-              <a:t>Edit Master text styles</a:t>
-            </a:r>
-          </a:p>
-        </p:txBody>
-      </p:sp>
-      <p:sp>
-        <p:nvSpPr>
-          <p:cNvPr id="14" name="Text Placeholder 4"/>
-          <p:cNvSpPr>
-            <a:spLocks noGrp="1"/>
-          </p:cNvSpPr>
-          <p:nvPr>
-            <p:ph type="body" sz="quarter" idx="13"/>
-          </p:nvPr>
-        </p:nvSpPr>
-        <p:spPr>
-          <a:xfrm>
-            <a:off x="5344917" y="1981200"/>
-            <a:ext cx="2199658" cy="576262"/>
-          </a:xfrm>
-        </p:spPr>
-        <p:txBody>
-          <a:bodyPr anchor="b">
-            <a:noAutofit/>
-          </a:bodyPr>
-          <a:lstStyle>
-            <a:lvl1pPr marL="0" indent="0">
-              <a:buNone/>
-              <a:defRPr sz="2400" b="0">
-                <a:solidFill>
-                  <a:schemeClr val="accent1"/>
-                </a:solidFill>
-              </a:defRPr>
-            </a:lvl1pPr>
-            <a:lvl2pPr marL="457200" indent="0">
-              <a:buNone/>
-              <a:defRPr sz="2000" b="1"/>
-            </a:lvl2pPr>
-            <a:lvl3pPr marL="914400" indent="0">
-              <a:buNone/>
-              <a:defRPr sz="1800" b="1"/>
-            </a:lvl3pPr>
-            <a:lvl4pPr marL="1371600" indent="0">
-              <a:buNone/>
-              <a:defRPr sz="1600" b="1"/>
-            </a:lvl4pPr>
-            <a:lvl5pPr marL="1828800" indent="0">
-              <a:buNone/>
-              <a:defRPr sz="1600" b="1"/>
-            </a:lvl5pPr>
-            <a:lvl6pPr marL="2286000" indent="0">
-              <a:buNone/>
-              <a:defRPr sz="1600" b="1"/>
-            </a:lvl6pPr>
-            <a:lvl7pPr marL="2743200" indent="0">
-              <a:buNone/>
-              <a:defRPr sz="1600" b="1"/>
-            </a:lvl7pPr>
-            <a:lvl8pPr marL="3200400" indent="0">
-              <a:buNone/>
-              <a:defRPr sz="1600" b="1"/>
-            </a:lvl8pPr>
-            <a:lvl9pPr marL="3657600" indent="0">
-              <a:buNone/>
-              <a:defRPr sz="1600" b="1"/>
-            </a:lvl9pPr>
-          </a:lstStyle>
-          <a:p>
-            <a:pPr lvl="0"/>
-            <a:r>
-              <a:rPr lang="en-US" smtClean="0"/>
-              <a:t>Edit Master text styles</a:t>
-            </a:r>
-          </a:p>
-        </p:txBody>
-      </p:sp>
-      <p:sp>
-        <p:nvSpPr>
-          <p:cNvPr id="20" name="Text Placeholder 3"/>
-          <p:cNvSpPr>
-            <a:spLocks noGrp="1"/>
-          </p:cNvSpPr>
-          <p:nvPr>
-            <p:ph type="body" sz="half" idx="17"/>
-          </p:nvPr>
-        </p:nvSpPr>
-        <p:spPr>
-          <a:xfrm>
-            <a:off x="5344917" y="2667000"/>
-            <a:ext cx="2199658" cy="3589338"/>
-          </a:xfrm>
-        </p:spPr>
-        <p:txBody>
-          <a:bodyPr anchor="t">
-            <a:normAutofit/>
-          </a:bodyPr>
-          <a:lstStyle>
-            <a:lvl1pPr marL="0" indent="0">
-              <a:buNone/>
-              <a:defRPr sz="1400"/>
-            </a:lvl1pPr>
-            <a:lvl2pPr marL="457200" indent="0">
-              <a:buNone/>
-              <a:defRPr sz="1200"/>
-            </a:lvl2pPr>
-            <a:lvl3pPr marL="914400" indent="0">
-              <a:buNone/>
-              <a:defRPr sz="1000"/>
-            </a:lvl3pPr>
-            <a:lvl4pPr marL="1371600" indent="0">
-              <a:buNone/>
-              <a:defRPr sz="900"/>
-            </a:lvl4pPr>
-            <a:lvl5pPr marL="1828800" indent="0">
-              <a:buNone/>
-              <a:defRPr sz="900"/>
-            </a:lvl5pPr>
-            <a:lvl6pPr marL="2286000" indent="0">
-              <a:buNone/>
-              <a:defRPr sz="900"/>
-            </a:lvl6pPr>
-            <a:lvl7pPr marL="2743200" indent="0">
-              <a:buNone/>
-              <a:defRPr sz="900"/>
-            </a:lvl7pPr>
-            <a:lvl8pPr marL="3200400" indent="0">
-              <a:buNone/>
-              <a:defRPr sz="900"/>
-            </a:lvl8pPr>
-            <a:lvl9pPr marL="3657600" indent="0">
-              <a:buNone/>
-              <a:defRPr sz="900"/>
-            </a:lvl9pPr>
-          </a:lstStyle>
-          <a:p>
-            <a:pPr lvl="0"/>
-            <a:r>
-              <a:rPr lang="en-US" smtClean="0"/>
-              <a:t>Edit Master text styles</a:t>
-            </a:r>
-          </a:p>
-        </p:txBody>
-      </p:sp>
-      <p:cxnSp>
-        <p:nvCxnSpPr>
-          <p:cNvPr id="17" name="Straight Connector 16"/>
-          <p:cNvCxnSpPr/>
-          <p:nvPr/>
-        </p:nvCxnSpPr>
-        <p:spPr>
-          <a:xfrm>
-            <a:off x="2795334" y="2133600"/>
-            <a:ext cx="0" cy="3962400"/>
-          </a:xfrm>
-          <a:prstGeom prst="line">
-            <a:avLst/>
-          </a:prstGeom>
-          <a:ln w="12700" cmpd="sng">
-            <a:solidFill>
-              <a:schemeClr val="accent1">
-                <a:alpha val="40000"/>
-              </a:schemeClr>
-            </a:solidFill>
-          </a:ln>
-        </p:spPr>
-        <p:style>
-          <a:lnRef idx="2">
-            <a:schemeClr val="accent1"/>
-          </a:lnRef>
-          <a:fillRef idx="0">
-            <a:schemeClr val="accent1"/>
-          </a:fillRef>
-          <a:effectRef idx="1">
-            <a:schemeClr val="accent1"/>
-          </a:effectRef>
-          <a:fontRef idx="minor">
-            <a:schemeClr val="tx1"/>
-          </a:fontRef>
-        </p:style>
-      </p:cxnSp>
-      <p:cxnSp>
-        <p:nvCxnSpPr>
-          <p:cNvPr id="18" name="Straight Connector 17"/>
-          <p:cNvCxnSpPr/>
-          <p:nvPr/>
-        </p:nvCxnSpPr>
-        <p:spPr>
-          <a:xfrm>
-            <a:off x="5223030" y="2133600"/>
-            <a:ext cx="0" cy="3966882"/>
-          </a:xfrm>
-          <a:prstGeom prst="line">
-            <a:avLst/>
-          </a:prstGeom>
-          <a:ln w="12700" cmpd="sng">
-            <a:solidFill>
-              <a:schemeClr val="accent1">
-                <a:alpha val="40000"/>
-              </a:schemeClr>
-            </a:solidFill>
-          </a:ln>
-        </p:spPr>
-        <p:style>
-          <a:lnRef idx="2">
-            <a:schemeClr val="accent1"/>
-          </a:lnRef>
-          <a:fillRef idx="0">
-            <a:schemeClr val="accent1"/>
-          </a:fillRef>
-          <a:effectRef idx="1">
-            <a:schemeClr val="accent1"/>
-          </a:effectRef>
-          <a:fontRef idx="minor">
-            <a:schemeClr val="tx1"/>
-          </a:fontRef>
-        </p:style>
-      </p:cxnSp>
-      <p:sp>
-        <p:nvSpPr>
-          <p:cNvPr id="7" name="Date Placeholder 3"/>
+          <p:cNvPr id="5" name="Дата 4"/>
           <p:cNvSpPr>
             <a:spLocks noGrp="1"/>
           </p:cNvSpPr>
@@ -2006,7 +1261,7 @@
           <a:p>
             <a:fld id="{5304B120-E451-4703-BB6D-383487E6124E}" type="datetimeFigureOut">
               <a:rPr lang="ru-RU" smtClean="0"/>
-              <a:t>29.10.2020</a:t>
+              <a:t>30.10.2020</a:t>
             </a:fld>
             <a:endParaRPr lang="ru-RU"/>
           </a:p>
@@ -2014,7 +1269,7 @@
       </p:sp>
       <p:sp>
         <p:nvSpPr>
-          <p:cNvPr id="4" name="Footer Placeholder 4"/>
+          <p:cNvPr id="6" name="Нижний колонтитул 5"/>
           <p:cNvSpPr>
             <a:spLocks noGrp="1"/>
           </p:cNvSpPr>
@@ -2033,7 +1288,7 @@
       </p:sp>
       <p:sp>
         <p:nvSpPr>
-          <p:cNvPr id="6" name="Slide Number Placeholder 5"/>
+          <p:cNvPr id="7" name="Номер слайда 6"/>
           <p:cNvSpPr>
             <a:spLocks noGrp="1"/>
           </p:cNvSpPr>
@@ -2057,7 +1312,7 @@
     </p:spTree>
     <p:extLst>
       <p:ext uri="{BB962C8B-B14F-4D97-AF65-F5344CB8AC3E}">
-        <p14:creationId xmlns:p14="http://schemas.microsoft.com/office/powerpoint/2010/main" val="1546311045"/>
+        <p14:creationId xmlns:p14="http://schemas.microsoft.com/office/powerpoint/2010/main" val="3534502836"/>
       </p:ext>
     </p:extLst>
   </p:cSld>
@@ -2067,9 +1322,9 @@
 </p:sldLayout>
 </file>
 
-<file path=ppt/slideLayouts/slideLayout15.xml><?xml version="1.0" encoding="utf-8"?>
-<p:sldLayout xmlns:a="http://schemas.openxmlformats.org/drawingml/2006/main" xmlns:r="http://schemas.openxmlformats.org/officeDocument/2006/relationships" xmlns:p="http://schemas.openxmlformats.org/presentationml/2006/main" preserve="1">
-  <p:cSld name="3 Picture Column">
+<file path=ppt/slideLayouts/slideLayout5.xml><?xml version="1.0" encoding="utf-8"?>
+<p:sldLayout xmlns:a="http://schemas.openxmlformats.org/drawingml/2006/main" xmlns:r="http://schemas.openxmlformats.org/officeDocument/2006/relationships" xmlns:p="http://schemas.openxmlformats.org/presentationml/2006/main" type="twoTxTwoObj" preserve="1">
+  <p:cSld name="Сравнение">
     <p:spTree>
       <p:nvGrpSpPr>
         <p:cNvPr id="1" name=""/>
@@ -2086,7 +1341,7 @@
       </p:grpSpPr>
       <p:sp>
         <p:nvSpPr>
-          <p:cNvPr id="2" name="Title 1"/>
+          <p:cNvPr id="2" name="Заголовок 1"/>
           <p:cNvSpPr>
             <a:spLocks noGrp="1"/>
           </p:cNvSpPr>
@@ -2094,26 +1349,26 @@
             <p:ph type="title"/>
           </p:nvPr>
         </p:nvSpPr>
-        <p:spPr/>
+        <p:spPr>
+          <a:xfrm>
+            <a:off x="629841" y="365126"/>
+            <a:ext cx="7886700" cy="1325563"/>
+          </a:xfrm>
+        </p:spPr>
         <p:txBody>
           <a:bodyPr/>
-          <a:lstStyle>
-            <a:lvl1pPr>
-              <a:defRPr sz="4200"/>
-            </a:lvl1pPr>
-          </a:lstStyle>
-          <a:p>
-            <a:r>
-              <a:rPr lang="en-US" smtClean="0"/>
-              <a:t>Click to edit Master title style</a:t>
-            </a:r>
-            <a:endParaRPr lang="en-US" dirty="0"/>
+          <a:lstStyle/>
+          <a:p>
+            <a:r>
+              <a:rPr lang="ru-RU"/>
+              <a:t>Образец заголовка</a:t>
+            </a:r>
           </a:p>
         </p:txBody>
       </p:sp>
       <p:sp>
         <p:nvSpPr>
-          <p:cNvPr id="3" name="Text Placeholder 2"/>
+          <p:cNvPr id="3" name="Текст 2"/>
           <p:cNvSpPr>
             <a:spLocks noGrp="1"/>
           </p:cNvSpPr>
@@ -2123,214 +1378,118 @@
         </p:nvSpPr>
         <p:spPr>
           <a:xfrm>
-            <a:off x="489475" y="4250949"/>
-            <a:ext cx="2205612" cy="576262"/>
+            <a:off x="629842" y="1681163"/>
+            <a:ext cx="3868340" cy="823912"/>
           </a:xfrm>
         </p:spPr>
         <p:txBody>
-          <a:bodyPr anchor="b">
-            <a:noAutofit/>
-          </a:bodyPr>
+          <a:bodyPr anchor="b"/>
           <a:lstStyle>
             <a:lvl1pPr marL="0" indent="0">
               <a:buNone/>
-              <a:defRPr sz="2400" b="0">
-                <a:solidFill>
-                  <a:schemeClr val="accent1"/>
-                </a:solidFill>
-              </a:defRPr>
+              <a:defRPr sz="1800" b="1"/>
             </a:lvl1pPr>
-            <a:lvl2pPr marL="457200" indent="0">
-              <a:buNone/>
-              <a:defRPr sz="2000" b="1"/>
+            <a:lvl2pPr marL="342900" indent="0">
+              <a:buNone/>
+              <a:defRPr sz="1500" b="1"/>
             </a:lvl2pPr>
-            <a:lvl3pPr marL="914400" indent="0">
-              <a:buNone/>
-              <a:defRPr sz="1800" b="1"/>
+            <a:lvl3pPr marL="685800" indent="0">
+              <a:buNone/>
+              <a:defRPr sz="1350" b="1"/>
             </a:lvl3pPr>
-            <a:lvl4pPr marL="1371600" indent="0">
-              <a:buNone/>
-              <a:defRPr sz="1600" b="1"/>
+            <a:lvl4pPr marL="1028700" indent="0">
+              <a:buNone/>
+              <a:defRPr sz="1200" b="1"/>
             </a:lvl4pPr>
-            <a:lvl5pPr marL="1828800" indent="0">
-              <a:buNone/>
-              <a:defRPr sz="1600" b="1"/>
+            <a:lvl5pPr marL="1371600" indent="0">
+              <a:buNone/>
+              <a:defRPr sz="1200" b="1"/>
             </a:lvl5pPr>
-            <a:lvl6pPr marL="2286000" indent="0">
-              <a:buNone/>
-              <a:defRPr sz="1600" b="1"/>
+            <a:lvl6pPr marL="1714500" indent="0">
+              <a:buNone/>
+              <a:defRPr sz="1200" b="1"/>
             </a:lvl6pPr>
-            <a:lvl7pPr marL="2743200" indent="0">
-              <a:buNone/>
-              <a:defRPr sz="1600" b="1"/>
+            <a:lvl7pPr marL="2057400" indent="0">
+              <a:buNone/>
+              <a:defRPr sz="1200" b="1"/>
             </a:lvl7pPr>
-            <a:lvl8pPr marL="3200400" indent="0">
-              <a:buNone/>
-              <a:defRPr sz="1600" b="1"/>
+            <a:lvl8pPr marL="2400300" indent="0">
+              <a:buNone/>
+              <a:defRPr sz="1200" b="1"/>
             </a:lvl8pPr>
-            <a:lvl9pPr marL="3657600" indent="0">
-              <a:buNone/>
-              <a:defRPr sz="1600" b="1"/>
+            <a:lvl9pPr marL="2743200" indent="0">
+              <a:buNone/>
+              <a:defRPr sz="1200" b="1"/>
             </a:lvl9pPr>
           </a:lstStyle>
           <a:p>
             <a:pPr lvl="0"/>
             <a:r>
-              <a:rPr lang="en-US" smtClean="0"/>
-              <a:t>Edit Master text styles</a:t>
+              <a:rPr lang="ru-RU"/>
+              <a:t>Образец текста</a:t>
             </a:r>
           </a:p>
         </p:txBody>
       </p:sp>
       <p:sp>
         <p:nvSpPr>
-          <p:cNvPr id="29" name="Picture Placeholder 2"/>
+          <p:cNvPr id="4" name="Объект 3"/>
           <p:cNvSpPr>
-            <a:spLocks noGrp="1" noChangeAspect="1"/>
+            <a:spLocks noGrp="1"/>
           </p:cNvSpPr>
           <p:nvPr>
-            <p:ph type="pic" idx="15"/>
+            <p:ph sz="half" idx="2"/>
           </p:nvPr>
         </p:nvSpPr>
         <p:spPr>
           <a:xfrm>
-            <a:off x="489475" y="2209800"/>
-            <a:ext cx="2205612" cy="1524000"/>
+            <a:off x="629842" y="2505075"/>
+            <a:ext cx="3868340" cy="3684588"/>
           </a:xfrm>
-          <a:prstGeom prst="roundRect">
-            <a:avLst>
-              <a:gd name="adj" fmla="val 1858"/>
-            </a:avLst>
-          </a:prstGeom>
-          <a:effectLst>
-            <a:outerShdw blurRad="50800" dist="50800" dir="5400000" algn="tl" rotWithShape="0">
-              <a:srgbClr val="000000">
-                <a:alpha val="43000"/>
-              </a:srgbClr>
-            </a:outerShdw>
-          </a:effectLst>
         </p:spPr>
         <p:txBody>
-          <a:bodyPr anchor="t">
-            <a:normAutofit/>
-          </a:bodyPr>
-          <a:lstStyle>
-            <a:lvl1pPr marL="0" indent="0" algn="ctr">
-              <a:buNone/>
-              <a:defRPr sz="1600"/>
-            </a:lvl1pPr>
-            <a:lvl2pPr marL="457200" indent="0">
-              <a:buNone/>
-              <a:defRPr sz="1600"/>
-            </a:lvl2pPr>
-            <a:lvl3pPr marL="914400" indent="0">
-              <a:buNone/>
-              <a:defRPr sz="1600"/>
-            </a:lvl3pPr>
-            <a:lvl4pPr marL="1371600" indent="0">
-              <a:buNone/>
-              <a:defRPr sz="1600"/>
-            </a:lvl4pPr>
-            <a:lvl5pPr marL="1828800" indent="0">
-              <a:buNone/>
-              <a:defRPr sz="1600"/>
-            </a:lvl5pPr>
-            <a:lvl6pPr marL="2286000" indent="0">
-              <a:buNone/>
-              <a:defRPr sz="1600"/>
-            </a:lvl6pPr>
-            <a:lvl7pPr marL="2743200" indent="0">
-              <a:buNone/>
-              <a:defRPr sz="1600"/>
-            </a:lvl7pPr>
-            <a:lvl8pPr marL="3200400" indent="0">
-              <a:buNone/>
-              <a:defRPr sz="1600"/>
-            </a:lvl8pPr>
-            <a:lvl9pPr marL="3657600" indent="0">
-              <a:buNone/>
-              <a:defRPr sz="1600"/>
-            </a:lvl9pPr>
-          </a:lstStyle>
-          <a:p>
-            <a:r>
-              <a:rPr lang="en-US" smtClean="0"/>
-              <a:t>Click icon to add picture</a:t>
-            </a:r>
-            <a:endParaRPr lang="en-US" dirty="0"/>
+          <a:bodyPr/>
+          <a:lstStyle/>
+          <a:p>
+            <a:pPr lvl="0"/>
+            <a:r>
+              <a:rPr lang="ru-RU"/>
+              <a:t>Образец текста</a:t>
+            </a:r>
+          </a:p>
+          <a:p>
+            <a:pPr lvl="1"/>
+            <a:r>
+              <a:rPr lang="ru-RU"/>
+              <a:t>Второй уровень</a:t>
+            </a:r>
+          </a:p>
+          <a:p>
+            <a:pPr lvl="2"/>
+            <a:r>
+              <a:rPr lang="ru-RU"/>
+              <a:t>Третий уровень</a:t>
+            </a:r>
+          </a:p>
+          <a:p>
+            <a:pPr lvl="3"/>
+            <a:r>
+              <a:rPr lang="ru-RU"/>
+              <a:t>Четвертый уровень</a:t>
+            </a:r>
+          </a:p>
+          <a:p>
+            <a:pPr lvl="4"/>
+            <a:r>
+              <a:rPr lang="ru-RU"/>
+              <a:t>Пятый уровень</a:t>
+            </a:r>
           </a:p>
         </p:txBody>
       </p:sp>
       <p:sp>
         <p:nvSpPr>
-          <p:cNvPr id="22" name="Text Placeholder 3"/>
-          <p:cNvSpPr>
-            <a:spLocks noGrp="1"/>
-          </p:cNvSpPr>
-          <p:nvPr>
-            <p:ph type="body" sz="half" idx="18"/>
-          </p:nvPr>
-        </p:nvSpPr>
-        <p:spPr>
-          <a:xfrm>
-            <a:off x="489475" y="4827212"/>
-            <a:ext cx="2205612" cy="659189"/>
-          </a:xfrm>
-        </p:spPr>
-        <p:txBody>
-          <a:bodyPr anchor="t">
-            <a:normAutofit/>
-          </a:bodyPr>
-          <a:lstStyle>
-            <a:lvl1pPr marL="0" indent="0">
-              <a:buNone/>
-              <a:defRPr sz="1400"/>
-            </a:lvl1pPr>
-            <a:lvl2pPr marL="457200" indent="0">
-              <a:buNone/>
-              <a:defRPr sz="1200"/>
-            </a:lvl2pPr>
-            <a:lvl3pPr marL="914400" indent="0">
-              <a:buNone/>
-              <a:defRPr sz="1000"/>
-            </a:lvl3pPr>
-            <a:lvl4pPr marL="1371600" indent="0">
-              <a:buNone/>
-              <a:defRPr sz="900"/>
-            </a:lvl4pPr>
-            <a:lvl5pPr marL="1828800" indent="0">
-              <a:buNone/>
-              <a:defRPr sz="900"/>
-            </a:lvl5pPr>
-            <a:lvl6pPr marL="2286000" indent="0">
-              <a:buNone/>
-              <a:defRPr sz="900"/>
-            </a:lvl6pPr>
-            <a:lvl7pPr marL="2743200" indent="0">
-              <a:buNone/>
-              <a:defRPr sz="900"/>
-            </a:lvl7pPr>
-            <a:lvl8pPr marL="3200400" indent="0">
-              <a:buNone/>
-              <a:defRPr sz="900"/>
-            </a:lvl8pPr>
-            <a:lvl9pPr marL="3657600" indent="0">
-              <a:buNone/>
-              <a:defRPr sz="900"/>
-            </a:lvl9pPr>
-          </a:lstStyle>
-          <a:p>
-            <a:pPr lvl="0"/>
-            <a:r>
-              <a:rPr lang="en-US" smtClean="0"/>
-              <a:t>Edit Master text styles</a:t>
-            </a:r>
-          </a:p>
-        </p:txBody>
-      </p:sp>
-      <p:sp>
-        <p:nvSpPr>
-          <p:cNvPr id="5" name="Text Placeholder 4"/>
+          <p:cNvPr id="5" name="Текст 4"/>
           <p:cNvSpPr>
             <a:spLocks noGrp="1"/>
           </p:cNvSpPr>
@@ -2340,505 +1499,118 @@
         </p:nvSpPr>
         <p:spPr>
           <a:xfrm>
-            <a:off x="2917792" y="4250949"/>
-            <a:ext cx="2198466" cy="576262"/>
+            <a:off x="4629150" y="1681163"/>
+            <a:ext cx="3887391" cy="823912"/>
           </a:xfrm>
         </p:spPr>
         <p:txBody>
-          <a:bodyPr anchor="b">
-            <a:noAutofit/>
-          </a:bodyPr>
+          <a:bodyPr anchor="b"/>
           <a:lstStyle>
             <a:lvl1pPr marL="0" indent="0">
               <a:buNone/>
-              <a:defRPr sz="2400" b="0">
-                <a:solidFill>
-                  <a:schemeClr val="accent1"/>
-                </a:solidFill>
-              </a:defRPr>
+              <a:defRPr sz="1800" b="1"/>
             </a:lvl1pPr>
-            <a:lvl2pPr marL="457200" indent="0">
-              <a:buNone/>
-              <a:defRPr sz="2000" b="1"/>
+            <a:lvl2pPr marL="342900" indent="0">
+              <a:buNone/>
+              <a:defRPr sz="1500" b="1"/>
             </a:lvl2pPr>
-            <a:lvl3pPr marL="914400" indent="0">
-              <a:buNone/>
-              <a:defRPr sz="1800" b="1"/>
+            <a:lvl3pPr marL="685800" indent="0">
+              <a:buNone/>
+              <a:defRPr sz="1350" b="1"/>
             </a:lvl3pPr>
-            <a:lvl4pPr marL="1371600" indent="0">
-              <a:buNone/>
-              <a:defRPr sz="1600" b="1"/>
+            <a:lvl4pPr marL="1028700" indent="0">
+              <a:buNone/>
+              <a:defRPr sz="1200" b="1"/>
             </a:lvl4pPr>
-            <a:lvl5pPr marL="1828800" indent="0">
-              <a:buNone/>
-              <a:defRPr sz="1600" b="1"/>
+            <a:lvl5pPr marL="1371600" indent="0">
+              <a:buNone/>
+              <a:defRPr sz="1200" b="1"/>
             </a:lvl5pPr>
-            <a:lvl6pPr marL="2286000" indent="0">
-              <a:buNone/>
-              <a:defRPr sz="1600" b="1"/>
+            <a:lvl6pPr marL="1714500" indent="0">
+              <a:buNone/>
+              <a:defRPr sz="1200" b="1"/>
             </a:lvl6pPr>
-            <a:lvl7pPr marL="2743200" indent="0">
-              <a:buNone/>
-              <a:defRPr sz="1600" b="1"/>
+            <a:lvl7pPr marL="2057400" indent="0">
+              <a:buNone/>
+              <a:defRPr sz="1200" b="1"/>
             </a:lvl7pPr>
-            <a:lvl8pPr marL="3200400" indent="0">
-              <a:buNone/>
-              <a:defRPr sz="1600" b="1"/>
+            <a:lvl8pPr marL="2400300" indent="0">
+              <a:buNone/>
+              <a:defRPr sz="1200" b="1"/>
             </a:lvl8pPr>
-            <a:lvl9pPr marL="3657600" indent="0">
-              <a:buNone/>
-              <a:defRPr sz="1600" b="1"/>
+            <a:lvl9pPr marL="2743200" indent="0">
+              <a:buNone/>
+              <a:defRPr sz="1200" b="1"/>
             </a:lvl9pPr>
           </a:lstStyle>
           <a:p>
             <a:pPr lvl="0"/>
             <a:r>
-              <a:rPr lang="en-US" smtClean="0"/>
-              <a:t>Edit Master text styles</a:t>
+              <a:rPr lang="ru-RU"/>
+              <a:t>Образец текста</a:t>
             </a:r>
           </a:p>
         </p:txBody>
       </p:sp>
       <p:sp>
         <p:nvSpPr>
-          <p:cNvPr id="30" name="Picture Placeholder 2"/>
+          <p:cNvPr id="6" name="Объект 5"/>
           <p:cNvSpPr>
-            <a:spLocks noGrp="1" noChangeAspect="1"/>
+            <a:spLocks noGrp="1"/>
           </p:cNvSpPr>
           <p:nvPr>
-            <p:ph type="pic" idx="21"/>
+            <p:ph sz="quarter" idx="4"/>
           </p:nvPr>
         </p:nvSpPr>
         <p:spPr>
           <a:xfrm>
-            <a:off x="2917791" y="2209800"/>
-            <a:ext cx="2198466" cy="1524000"/>
+            <a:off x="4629150" y="2505075"/>
+            <a:ext cx="3887391" cy="3684588"/>
           </a:xfrm>
-          <a:prstGeom prst="roundRect">
-            <a:avLst>
-              <a:gd name="adj" fmla="val 1858"/>
-            </a:avLst>
-          </a:prstGeom>
-          <a:effectLst>
-            <a:outerShdw blurRad="50800" dist="50800" dir="5400000" algn="tl" rotWithShape="0">
-              <a:srgbClr val="000000">
-                <a:alpha val="43000"/>
-              </a:srgbClr>
-            </a:outerShdw>
-          </a:effectLst>
         </p:spPr>
         <p:txBody>
-          <a:bodyPr anchor="t">
-            <a:normAutofit/>
-          </a:bodyPr>
-          <a:lstStyle>
-            <a:lvl1pPr marL="0" indent="0" algn="ctr">
-              <a:buNone/>
-              <a:defRPr sz="1600"/>
-            </a:lvl1pPr>
-            <a:lvl2pPr marL="457200" indent="0">
-              <a:buNone/>
-              <a:defRPr sz="1600"/>
-            </a:lvl2pPr>
-            <a:lvl3pPr marL="914400" indent="0">
-              <a:buNone/>
-              <a:defRPr sz="1600"/>
-            </a:lvl3pPr>
-            <a:lvl4pPr marL="1371600" indent="0">
-              <a:buNone/>
-              <a:defRPr sz="1600"/>
-            </a:lvl4pPr>
-            <a:lvl5pPr marL="1828800" indent="0">
-              <a:buNone/>
-              <a:defRPr sz="1600"/>
-            </a:lvl5pPr>
-            <a:lvl6pPr marL="2286000" indent="0">
-              <a:buNone/>
-              <a:defRPr sz="1600"/>
-            </a:lvl6pPr>
-            <a:lvl7pPr marL="2743200" indent="0">
-              <a:buNone/>
-              <a:defRPr sz="1600"/>
-            </a:lvl7pPr>
-            <a:lvl8pPr marL="3200400" indent="0">
-              <a:buNone/>
-              <a:defRPr sz="1600"/>
-            </a:lvl8pPr>
-            <a:lvl9pPr marL="3657600" indent="0">
-              <a:buNone/>
-              <a:defRPr sz="1600"/>
-            </a:lvl9pPr>
-          </a:lstStyle>
-          <a:p>
-            <a:r>
-              <a:rPr lang="en-US" smtClean="0"/>
-              <a:t>Click icon to add picture</a:t>
-            </a:r>
-            <a:endParaRPr lang="en-US" dirty="0"/>
+          <a:bodyPr/>
+          <a:lstStyle/>
+          <a:p>
+            <a:pPr lvl="0"/>
+            <a:r>
+              <a:rPr lang="ru-RU"/>
+              <a:t>Образец текста</a:t>
+            </a:r>
+          </a:p>
+          <a:p>
+            <a:pPr lvl="1"/>
+            <a:r>
+              <a:rPr lang="ru-RU"/>
+              <a:t>Второй уровень</a:t>
+            </a:r>
+          </a:p>
+          <a:p>
+            <a:pPr lvl="2"/>
+            <a:r>
+              <a:rPr lang="ru-RU"/>
+              <a:t>Третий уровень</a:t>
+            </a:r>
+          </a:p>
+          <a:p>
+            <a:pPr lvl="3"/>
+            <a:r>
+              <a:rPr lang="ru-RU"/>
+              <a:t>Четвертый уровень</a:t>
+            </a:r>
+          </a:p>
+          <a:p>
+            <a:pPr lvl="4"/>
+            <a:r>
+              <a:rPr lang="ru-RU"/>
+              <a:t>Пятый уровень</a:t>
+            </a:r>
           </a:p>
         </p:txBody>
       </p:sp>
       <p:sp>
         <p:nvSpPr>
-          <p:cNvPr id="23" name="Text Placeholder 3"/>
-          <p:cNvSpPr>
-            <a:spLocks noGrp="1"/>
-          </p:cNvSpPr>
-          <p:nvPr>
-            <p:ph type="body" sz="half" idx="19"/>
-          </p:nvPr>
-        </p:nvSpPr>
-        <p:spPr>
-          <a:xfrm>
-            <a:off x="2916776" y="4827211"/>
-            <a:ext cx="2201378" cy="659189"/>
-          </a:xfrm>
-        </p:spPr>
-        <p:txBody>
-          <a:bodyPr anchor="t">
-            <a:normAutofit/>
-          </a:bodyPr>
-          <a:lstStyle>
-            <a:lvl1pPr marL="0" indent="0">
-              <a:buNone/>
-              <a:defRPr sz="1400"/>
-            </a:lvl1pPr>
-            <a:lvl2pPr marL="457200" indent="0">
-              <a:buNone/>
-              <a:defRPr sz="1200"/>
-            </a:lvl2pPr>
-            <a:lvl3pPr marL="914400" indent="0">
-              <a:buNone/>
-              <a:defRPr sz="1000"/>
-            </a:lvl3pPr>
-            <a:lvl4pPr marL="1371600" indent="0">
-              <a:buNone/>
-              <a:defRPr sz="900"/>
-            </a:lvl4pPr>
-            <a:lvl5pPr marL="1828800" indent="0">
-              <a:buNone/>
-              <a:defRPr sz="900"/>
-            </a:lvl5pPr>
-            <a:lvl6pPr marL="2286000" indent="0">
-              <a:buNone/>
-              <a:defRPr sz="900"/>
-            </a:lvl6pPr>
-            <a:lvl7pPr marL="2743200" indent="0">
-              <a:buNone/>
-              <a:defRPr sz="900"/>
-            </a:lvl7pPr>
-            <a:lvl8pPr marL="3200400" indent="0">
-              <a:buNone/>
-              <a:defRPr sz="900"/>
-            </a:lvl8pPr>
-            <a:lvl9pPr marL="3657600" indent="0">
-              <a:buNone/>
-              <a:defRPr sz="900"/>
-            </a:lvl9pPr>
-          </a:lstStyle>
-          <a:p>
-            <a:pPr lvl="0"/>
-            <a:r>
-              <a:rPr lang="en-US" smtClean="0"/>
-              <a:t>Edit Master text styles</a:t>
-            </a:r>
-          </a:p>
-        </p:txBody>
-      </p:sp>
-      <p:sp>
-        <p:nvSpPr>
-          <p:cNvPr id="14" name="Text Placeholder 4"/>
-          <p:cNvSpPr>
-            <a:spLocks noGrp="1"/>
-          </p:cNvSpPr>
-          <p:nvPr>
-            <p:ph type="body" sz="quarter" idx="13"/>
-          </p:nvPr>
-        </p:nvSpPr>
-        <p:spPr>
-          <a:xfrm>
-            <a:off x="5344917" y="4250949"/>
-            <a:ext cx="2199658" cy="576262"/>
-          </a:xfrm>
-        </p:spPr>
-        <p:txBody>
-          <a:bodyPr anchor="b">
-            <a:noAutofit/>
-          </a:bodyPr>
-          <a:lstStyle>
-            <a:lvl1pPr marL="0" indent="0">
-              <a:buNone/>
-              <a:defRPr sz="2400" b="0">
-                <a:solidFill>
-                  <a:schemeClr val="accent1"/>
-                </a:solidFill>
-              </a:defRPr>
-            </a:lvl1pPr>
-            <a:lvl2pPr marL="457200" indent="0">
-              <a:buNone/>
-              <a:defRPr sz="2000" b="1"/>
-            </a:lvl2pPr>
-            <a:lvl3pPr marL="914400" indent="0">
-              <a:buNone/>
-              <a:defRPr sz="1800" b="1"/>
-            </a:lvl3pPr>
-            <a:lvl4pPr marL="1371600" indent="0">
-              <a:buNone/>
-              <a:defRPr sz="1600" b="1"/>
-            </a:lvl4pPr>
-            <a:lvl5pPr marL="1828800" indent="0">
-              <a:buNone/>
-              <a:defRPr sz="1600" b="1"/>
-            </a:lvl5pPr>
-            <a:lvl6pPr marL="2286000" indent="0">
-              <a:buNone/>
-              <a:defRPr sz="1600" b="1"/>
-            </a:lvl6pPr>
-            <a:lvl7pPr marL="2743200" indent="0">
-              <a:buNone/>
-              <a:defRPr sz="1600" b="1"/>
-            </a:lvl7pPr>
-            <a:lvl8pPr marL="3200400" indent="0">
-              <a:buNone/>
-              <a:defRPr sz="1600" b="1"/>
-            </a:lvl8pPr>
-            <a:lvl9pPr marL="3657600" indent="0">
-              <a:buNone/>
-              <a:defRPr sz="1600" b="1"/>
-            </a:lvl9pPr>
-          </a:lstStyle>
-          <a:p>
-            <a:pPr lvl="0"/>
-            <a:r>
-              <a:rPr lang="en-US" smtClean="0"/>
-              <a:t>Edit Master text styles</a:t>
-            </a:r>
-          </a:p>
-        </p:txBody>
-      </p:sp>
-      <p:sp>
-        <p:nvSpPr>
-          <p:cNvPr id="31" name="Picture Placeholder 2"/>
-          <p:cNvSpPr>
-            <a:spLocks noGrp="1" noChangeAspect="1"/>
-          </p:cNvSpPr>
-          <p:nvPr>
-            <p:ph type="pic" idx="22"/>
-          </p:nvPr>
-        </p:nvSpPr>
-        <p:spPr>
-          <a:xfrm>
-            <a:off x="5344916" y="2209800"/>
-            <a:ext cx="2199658" cy="1524000"/>
-          </a:xfrm>
-          <a:prstGeom prst="roundRect">
-            <a:avLst>
-              <a:gd name="adj" fmla="val 1858"/>
-            </a:avLst>
-          </a:prstGeom>
-          <a:effectLst>
-            <a:outerShdw blurRad="50800" dist="50800" dir="5400000" algn="tl" rotWithShape="0">
-              <a:srgbClr val="000000">
-                <a:alpha val="43000"/>
-              </a:srgbClr>
-            </a:outerShdw>
-          </a:effectLst>
-        </p:spPr>
-        <p:txBody>
-          <a:bodyPr anchor="t">
-            <a:normAutofit/>
-          </a:bodyPr>
-          <a:lstStyle>
-            <a:lvl1pPr marL="0" indent="0" algn="ctr">
-              <a:buNone/>
-              <a:defRPr sz="1600"/>
-            </a:lvl1pPr>
-            <a:lvl2pPr marL="457200" indent="0">
-              <a:buNone/>
-              <a:defRPr sz="1600"/>
-            </a:lvl2pPr>
-            <a:lvl3pPr marL="914400" indent="0">
-              <a:buNone/>
-              <a:defRPr sz="1600"/>
-            </a:lvl3pPr>
-            <a:lvl4pPr marL="1371600" indent="0">
-              <a:buNone/>
-              <a:defRPr sz="1600"/>
-            </a:lvl4pPr>
-            <a:lvl5pPr marL="1828800" indent="0">
-              <a:buNone/>
-              <a:defRPr sz="1600"/>
-            </a:lvl5pPr>
-            <a:lvl6pPr marL="2286000" indent="0">
-              <a:buNone/>
-              <a:defRPr sz="1600"/>
-            </a:lvl6pPr>
-            <a:lvl7pPr marL="2743200" indent="0">
-              <a:buNone/>
-              <a:defRPr sz="1600"/>
-            </a:lvl7pPr>
-            <a:lvl8pPr marL="3200400" indent="0">
-              <a:buNone/>
-              <a:defRPr sz="1600"/>
-            </a:lvl8pPr>
-            <a:lvl9pPr marL="3657600" indent="0">
-              <a:buNone/>
-              <a:defRPr sz="1600"/>
-            </a:lvl9pPr>
-          </a:lstStyle>
-          <a:p>
-            <a:r>
-              <a:rPr lang="en-US" smtClean="0"/>
-              <a:t>Click icon to add picture</a:t>
-            </a:r>
-            <a:endParaRPr lang="en-US" dirty="0"/>
-          </a:p>
-        </p:txBody>
-      </p:sp>
-      <p:sp>
-        <p:nvSpPr>
-          <p:cNvPr id="24" name="Text Placeholder 3"/>
-          <p:cNvSpPr>
-            <a:spLocks noGrp="1"/>
-          </p:cNvSpPr>
-          <p:nvPr>
-            <p:ph type="body" sz="half" idx="20"/>
-          </p:nvPr>
-        </p:nvSpPr>
-        <p:spPr>
-          <a:xfrm>
-            <a:off x="5344824" y="4827209"/>
-            <a:ext cx="2202571" cy="659189"/>
-          </a:xfrm>
-        </p:spPr>
-        <p:txBody>
-          <a:bodyPr anchor="t">
-            <a:normAutofit/>
-          </a:bodyPr>
-          <a:lstStyle>
-            <a:lvl1pPr marL="0" indent="0">
-              <a:buNone/>
-              <a:defRPr sz="1400"/>
-            </a:lvl1pPr>
-            <a:lvl2pPr marL="457200" indent="0">
-              <a:buNone/>
-              <a:defRPr sz="1200"/>
-            </a:lvl2pPr>
-            <a:lvl3pPr marL="914400" indent="0">
-              <a:buNone/>
-              <a:defRPr sz="1000"/>
-            </a:lvl3pPr>
-            <a:lvl4pPr marL="1371600" indent="0">
-              <a:buNone/>
-              <a:defRPr sz="900"/>
-            </a:lvl4pPr>
-            <a:lvl5pPr marL="1828800" indent="0">
-              <a:buNone/>
-              <a:defRPr sz="900"/>
-            </a:lvl5pPr>
-            <a:lvl6pPr marL="2286000" indent="0">
-              <a:buNone/>
-              <a:defRPr sz="900"/>
-            </a:lvl6pPr>
-            <a:lvl7pPr marL="2743200" indent="0">
-              <a:buNone/>
-              <a:defRPr sz="900"/>
-            </a:lvl7pPr>
-            <a:lvl8pPr marL="3200400" indent="0">
-              <a:buNone/>
-              <a:defRPr sz="900"/>
-            </a:lvl8pPr>
-            <a:lvl9pPr marL="3657600" indent="0">
-              <a:buNone/>
-              <a:defRPr sz="900"/>
-            </a:lvl9pPr>
-          </a:lstStyle>
-          <a:p>
-            <a:pPr lvl="0"/>
-            <a:r>
-              <a:rPr lang="en-US" smtClean="0"/>
-              <a:t>Edit Master text styles</a:t>
-            </a:r>
-          </a:p>
-        </p:txBody>
-      </p:sp>
-      <p:cxnSp>
-        <p:nvCxnSpPr>
-          <p:cNvPr id="17" name="Straight Connector 16"/>
-          <p:cNvCxnSpPr/>
-          <p:nvPr/>
-        </p:nvCxnSpPr>
-        <p:spPr>
-          <a:xfrm>
-            <a:off x="2795334" y="2133600"/>
-            <a:ext cx="0" cy="3962400"/>
-          </a:xfrm>
-          <a:prstGeom prst="line">
-            <a:avLst/>
-          </a:prstGeom>
-          <a:ln w="12700" cmpd="sng">
-            <a:solidFill>
-              <a:schemeClr val="accent1">
-                <a:alpha val="40000"/>
-              </a:schemeClr>
-            </a:solidFill>
-          </a:ln>
-        </p:spPr>
-        <p:style>
-          <a:lnRef idx="2">
-            <a:schemeClr val="accent1"/>
-          </a:lnRef>
-          <a:fillRef idx="0">
-            <a:schemeClr val="accent1"/>
-          </a:fillRef>
-          <a:effectRef idx="1">
-            <a:schemeClr val="accent1"/>
-          </a:effectRef>
-          <a:fontRef idx="minor">
-            <a:schemeClr val="tx1"/>
-          </a:fontRef>
-        </p:style>
-      </p:cxnSp>
-      <p:cxnSp>
-        <p:nvCxnSpPr>
-          <p:cNvPr id="18" name="Straight Connector 17"/>
-          <p:cNvCxnSpPr/>
-          <p:nvPr/>
-        </p:nvCxnSpPr>
-        <p:spPr>
-          <a:xfrm>
-            <a:off x="5223030" y="2133600"/>
-            <a:ext cx="0" cy="3966882"/>
-          </a:xfrm>
-          <a:prstGeom prst="line">
-            <a:avLst/>
-          </a:prstGeom>
-          <a:ln w="12700" cmpd="sng">
-            <a:solidFill>
-              <a:schemeClr val="accent1">
-                <a:alpha val="40000"/>
-              </a:schemeClr>
-            </a:solidFill>
-          </a:ln>
-        </p:spPr>
-        <p:style>
-          <a:lnRef idx="2">
-            <a:schemeClr val="accent1"/>
-          </a:lnRef>
-          <a:fillRef idx="0">
-            <a:schemeClr val="accent1"/>
-          </a:fillRef>
-          <a:effectRef idx="1">
-            <a:schemeClr val="accent1"/>
-          </a:effectRef>
-          <a:fontRef idx="minor">
-            <a:schemeClr val="tx1"/>
-          </a:fontRef>
-        </p:style>
-      </p:cxnSp>
-      <p:sp>
-        <p:nvSpPr>
-          <p:cNvPr id="7" name="Date Placeholder 3"/>
+          <p:cNvPr id="7" name="Дата 6"/>
           <p:cNvSpPr>
             <a:spLocks noGrp="1"/>
           </p:cNvSpPr>
@@ -2853,7 +1625,7 @@
           <a:p>
             <a:fld id="{5304B120-E451-4703-BB6D-383487E6124E}" type="datetimeFigureOut">
               <a:rPr lang="ru-RU" smtClean="0"/>
-              <a:t>29.10.2020</a:t>
+              <a:t>30.10.2020</a:t>
             </a:fld>
             <a:endParaRPr lang="ru-RU"/>
           </a:p>
@@ -2861,7 +1633,7 @@
       </p:sp>
       <p:sp>
         <p:nvSpPr>
-          <p:cNvPr id="4" name="Footer Placeholder 4"/>
+          <p:cNvPr id="8" name="Нижний колонтитул 7"/>
           <p:cNvSpPr>
             <a:spLocks noGrp="1"/>
           </p:cNvSpPr>
@@ -2880,7 +1652,7 @@
       </p:sp>
       <p:sp>
         <p:nvSpPr>
-          <p:cNvPr id="6" name="Slide Number Placeholder 5"/>
+          <p:cNvPr id="9" name="Номер слайда 8"/>
           <p:cNvSpPr>
             <a:spLocks noGrp="1"/>
           </p:cNvSpPr>
@@ -2904,7 +1676,7 @@
     </p:spTree>
     <p:extLst>
       <p:ext uri="{BB962C8B-B14F-4D97-AF65-F5344CB8AC3E}">
-        <p14:creationId xmlns:p14="http://schemas.microsoft.com/office/powerpoint/2010/main" val="2127683404"/>
+        <p14:creationId xmlns:p14="http://schemas.microsoft.com/office/powerpoint/2010/main" val="4294269982"/>
       </p:ext>
     </p:extLst>
   </p:cSld>
@@ -2914,9 +1686,9 @@
 </p:sldLayout>
 </file>
 
-<file path=ppt/slideLayouts/slideLayout16.xml><?xml version="1.0" encoding="utf-8"?>
-<p:sldLayout xmlns:a="http://schemas.openxmlformats.org/drawingml/2006/main" xmlns:r="http://schemas.openxmlformats.org/officeDocument/2006/relationships" xmlns:p="http://schemas.openxmlformats.org/presentationml/2006/main" type="vertTx" preserve="1">
-  <p:cSld name="Title and Vertical Text">
+<file path=ppt/slideLayouts/slideLayout6.xml><?xml version="1.0" encoding="utf-8"?>
+<p:sldLayout xmlns:a="http://schemas.openxmlformats.org/drawingml/2006/main" xmlns:r="http://schemas.openxmlformats.org/officeDocument/2006/relationships" xmlns:p="http://schemas.openxmlformats.org/presentationml/2006/main" type="titleOnly" preserve="1">
+  <p:cSld name="Только заголовок">
     <p:spTree>
       <p:nvGrpSpPr>
         <p:cNvPr id="1" name=""/>
@@ -2933,7 +1705,7 @@
       </p:grpSpPr>
       <p:sp>
         <p:nvSpPr>
-          <p:cNvPr id="2" name="Title 1"/>
+          <p:cNvPr id="2" name="Заголовок 1"/>
           <p:cNvSpPr>
             <a:spLocks noGrp="1"/>
           </p:cNvSpPr>
@@ -2947,68 +1719,15 @@
           <a:lstStyle/>
           <a:p>
             <a:r>
-              <a:rPr lang="en-US" smtClean="0"/>
-              <a:t>Click to edit Master title style</a:t>
-            </a:r>
-            <a:endParaRPr lang="en-US" dirty="0"/>
+              <a:rPr lang="ru-RU"/>
+              <a:t>Образец заголовка</a:t>
+            </a:r>
           </a:p>
         </p:txBody>
       </p:sp>
       <p:sp>
         <p:nvSpPr>
-          <p:cNvPr id="3" name="Vertical Text Placeholder 2"/>
-          <p:cNvSpPr>
-            <a:spLocks noGrp="1"/>
-          </p:cNvSpPr>
-          <p:nvPr>
-            <p:ph type="body" orient="vert" idx="1"/>
-          </p:nvPr>
-        </p:nvSpPr>
-        <p:spPr/>
-        <p:txBody>
-          <a:bodyPr vert="eaVert" anchor="t" anchorCtr="0"/>
-          <a:lstStyle/>
-          <a:p>
-            <a:pPr lvl="0"/>
-            <a:r>
-              <a:rPr lang="en-US" smtClean="0"/>
-              <a:t>Edit Master text styles</a:t>
-            </a:r>
-          </a:p>
-          <a:p>
-            <a:pPr lvl="1"/>
-            <a:r>
-              <a:rPr lang="en-US" smtClean="0"/>
-              <a:t>Second level</a:t>
-            </a:r>
-          </a:p>
-          <a:p>
-            <a:pPr lvl="2"/>
-            <a:r>
-              <a:rPr lang="en-US" smtClean="0"/>
-              <a:t>Third level</a:t>
-            </a:r>
-          </a:p>
-          <a:p>
-            <a:pPr lvl="3"/>
-            <a:r>
-              <a:rPr lang="en-US" smtClean="0"/>
-              <a:t>Fourth level</a:t>
-            </a:r>
-          </a:p>
-          <a:p>
-            <a:pPr lvl="4"/>
-            <a:r>
-              <a:rPr lang="en-US" smtClean="0"/>
-              <a:t>Fifth level</a:t>
-            </a:r>
-            <a:endParaRPr lang="en-US" dirty="0"/>
-          </a:p>
-        </p:txBody>
-      </p:sp>
-      <p:sp>
-        <p:nvSpPr>
-          <p:cNvPr id="4" name="Date Placeholder 3"/>
+          <p:cNvPr id="3" name="Дата 2"/>
           <p:cNvSpPr>
             <a:spLocks noGrp="1"/>
           </p:cNvSpPr>
@@ -3023,7 +1742,7 @@
           <a:p>
             <a:fld id="{5304B120-E451-4703-BB6D-383487E6124E}" type="datetimeFigureOut">
               <a:rPr lang="ru-RU" smtClean="0"/>
-              <a:t>29.10.2020</a:t>
+              <a:t>30.10.2020</a:t>
             </a:fld>
             <a:endParaRPr lang="ru-RU"/>
           </a:p>
@@ -3031,7 +1750,7 @@
       </p:sp>
       <p:sp>
         <p:nvSpPr>
-          <p:cNvPr id="5" name="Footer Placeholder 4"/>
+          <p:cNvPr id="4" name="Нижний колонтитул 3"/>
           <p:cNvSpPr>
             <a:spLocks noGrp="1"/>
           </p:cNvSpPr>
@@ -3050,7 +1769,7 @@
       </p:sp>
       <p:sp>
         <p:nvSpPr>
-          <p:cNvPr id="6" name="Slide Number Placeholder 5"/>
+          <p:cNvPr id="5" name="Номер слайда 4"/>
           <p:cNvSpPr>
             <a:spLocks noGrp="1"/>
           </p:cNvSpPr>
@@ -3074,7 +1793,7 @@
     </p:spTree>
     <p:extLst>
       <p:ext uri="{BB962C8B-B14F-4D97-AF65-F5344CB8AC3E}">
-        <p14:creationId xmlns:p14="http://schemas.microsoft.com/office/powerpoint/2010/main" val="3751587679"/>
+        <p14:creationId xmlns:p14="http://schemas.microsoft.com/office/powerpoint/2010/main" val="3464955071"/>
       </p:ext>
     </p:extLst>
   </p:cSld>
@@ -3084,9 +1803,9 @@
 </p:sldLayout>
 </file>
 
-<file path=ppt/slideLayouts/slideLayout17.xml><?xml version="1.0" encoding="utf-8"?>
-<p:sldLayout xmlns:a="http://schemas.openxmlformats.org/drawingml/2006/main" xmlns:r="http://schemas.openxmlformats.org/officeDocument/2006/relationships" xmlns:p="http://schemas.openxmlformats.org/presentationml/2006/main" type="vertTitleAndTx" preserve="1">
-  <p:cSld name="Vertical Title and Text">
+<file path=ppt/slideLayouts/slideLayout7.xml><?xml version="1.0" encoding="utf-8"?>
+<p:sldLayout xmlns:a="http://schemas.openxmlformats.org/drawingml/2006/main" xmlns:r="http://schemas.openxmlformats.org/officeDocument/2006/relationships" xmlns:p="http://schemas.openxmlformats.org/presentationml/2006/main" type="blank" preserve="1">
+  <p:cSld name="Пустой слайд">
     <p:spTree>
       <p:nvGrpSpPr>
         <p:cNvPr id="1" name=""/>
@@ -3103,92 +1822,7 @@
       </p:grpSpPr>
       <p:sp>
         <p:nvSpPr>
-          <p:cNvPr id="2" name="Vertical Title 1"/>
-          <p:cNvSpPr>
-            <a:spLocks noGrp="1"/>
-          </p:cNvSpPr>
-          <p:nvPr>
-            <p:ph type="title" orient="vert"/>
-          </p:nvPr>
-        </p:nvSpPr>
-        <p:spPr>
-          <a:xfrm>
-            <a:off x="6229782" y="430214"/>
-            <a:ext cx="1314793" cy="5826125"/>
-          </a:xfrm>
-        </p:spPr>
-        <p:txBody>
-          <a:bodyPr vert="eaVert" anchor="b" anchorCtr="0"/>
-          <a:lstStyle/>
-          <a:p>
-            <a:r>
-              <a:rPr lang="en-US" smtClean="0"/>
-              <a:t>Click to edit Master title style</a:t>
-            </a:r>
-            <a:endParaRPr lang="en-US" dirty="0"/>
-          </a:p>
-        </p:txBody>
-      </p:sp>
-      <p:sp>
-        <p:nvSpPr>
-          <p:cNvPr id="3" name="Vertical Text Placeholder 2"/>
-          <p:cNvSpPr>
-            <a:spLocks noGrp="1"/>
-          </p:cNvSpPr>
-          <p:nvPr>
-            <p:ph type="body" orient="vert" idx="1"/>
-          </p:nvPr>
-        </p:nvSpPr>
-        <p:spPr>
-          <a:xfrm>
-            <a:off x="489475" y="773205"/>
-            <a:ext cx="5568812" cy="5483134"/>
-          </a:xfrm>
-        </p:spPr>
-        <p:txBody>
-          <a:bodyPr vert="eaVert"/>
-          <a:lstStyle/>
-          <a:p>
-            <a:pPr lvl="0"/>
-            <a:r>
-              <a:rPr lang="en-US" smtClean="0"/>
-              <a:t>Edit Master text styles</a:t>
-            </a:r>
-          </a:p>
-          <a:p>
-            <a:pPr lvl="1"/>
-            <a:r>
-              <a:rPr lang="en-US" smtClean="0"/>
-              <a:t>Second level</a:t>
-            </a:r>
-          </a:p>
-          <a:p>
-            <a:pPr lvl="2"/>
-            <a:r>
-              <a:rPr lang="en-US" smtClean="0"/>
-              <a:t>Third level</a:t>
-            </a:r>
-          </a:p>
-          <a:p>
-            <a:pPr lvl="3"/>
-            <a:r>
-              <a:rPr lang="en-US" smtClean="0"/>
-              <a:t>Fourth level</a:t>
-            </a:r>
-          </a:p>
-          <a:p>
-            <a:pPr lvl="4"/>
-            <a:r>
-              <a:rPr lang="en-US" smtClean="0"/>
-              <a:t>Fifth level</a:t>
-            </a:r>
-            <a:endParaRPr lang="en-US" dirty="0"/>
-          </a:p>
-        </p:txBody>
-      </p:sp>
-      <p:sp>
-        <p:nvSpPr>
-          <p:cNvPr id="4" name="Date Placeholder 3"/>
+          <p:cNvPr id="2" name="Дата 1"/>
           <p:cNvSpPr>
             <a:spLocks noGrp="1"/>
           </p:cNvSpPr>
@@ -3203,7 +1837,7 @@
           <a:p>
             <a:fld id="{5304B120-E451-4703-BB6D-383487E6124E}" type="datetimeFigureOut">
               <a:rPr lang="ru-RU" smtClean="0"/>
-              <a:t>29.10.2020</a:t>
+              <a:t>30.10.2020</a:t>
             </a:fld>
             <a:endParaRPr lang="ru-RU"/>
           </a:p>
@@ -3211,7 +1845,7 @@
       </p:sp>
       <p:sp>
         <p:nvSpPr>
-          <p:cNvPr id="5" name="Footer Placeholder 4"/>
+          <p:cNvPr id="3" name="Нижний колонтитул 2"/>
           <p:cNvSpPr>
             <a:spLocks noGrp="1"/>
           </p:cNvSpPr>
@@ -3230,7 +1864,7 @@
       </p:sp>
       <p:sp>
         <p:nvSpPr>
-          <p:cNvPr id="6" name="Slide Number Placeholder 5"/>
+          <p:cNvPr id="4" name="Номер слайда 3"/>
           <p:cNvSpPr>
             <a:spLocks noGrp="1"/>
           </p:cNvSpPr>
@@ -3254,7 +1888,7 @@
     </p:spTree>
     <p:extLst>
       <p:ext uri="{BB962C8B-B14F-4D97-AF65-F5344CB8AC3E}">
-        <p14:creationId xmlns:p14="http://schemas.microsoft.com/office/powerpoint/2010/main" val="3379177553"/>
+        <p14:creationId xmlns:p14="http://schemas.microsoft.com/office/powerpoint/2010/main" val="2960534593"/>
       </p:ext>
     </p:extLst>
   </p:cSld>
@@ -3264,9 +1898,9 @@
 </p:sldLayout>
 </file>
 
-<file path=ppt/slideLayouts/slideLayout2.xml><?xml version="1.0" encoding="utf-8"?>
-<p:sldLayout xmlns:a="http://schemas.openxmlformats.org/drawingml/2006/main" xmlns:r="http://schemas.openxmlformats.org/officeDocument/2006/relationships" xmlns:p="http://schemas.openxmlformats.org/presentationml/2006/main" type="obj" preserve="1">
-  <p:cSld name="Title and Content">
+<file path=ppt/slideLayouts/slideLayout8.xml><?xml version="1.0" encoding="utf-8"?>
+<p:sldLayout xmlns:a="http://schemas.openxmlformats.org/drawingml/2006/main" xmlns:r="http://schemas.openxmlformats.org/officeDocument/2006/relationships" xmlns:p="http://schemas.openxmlformats.org/presentationml/2006/main" type="objTx" preserve="1">
+  <p:cSld name="Объект с подписью">
     <p:spTree>
       <p:nvGrpSpPr>
         <p:cNvPr id="1" name=""/>
@@ -3283,7 +1917,7 @@
       </p:grpSpPr>
       <p:sp>
         <p:nvSpPr>
-          <p:cNvPr id="2" name="Title 1"/>
+          <p:cNvPr id="2" name="Заголовок 1"/>
           <p:cNvSpPr>
             <a:spLocks noGrp="1"/>
           </p:cNvSpPr>
@@ -3291,22 +1925,30 @@
             <p:ph type="title"/>
           </p:nvPr>
         </p:nvSpPr>
-        <p:spPr/>
+        <p:spPr>
+          <a:xfrm>
+            <a:off x="629841" y="457200"/>
+            <a:ext cx="2949178" cy="1600200"/>
+          </a:xfrm>
+        </p:spPr>
         <p:txBody>
-          <a:bodyPr/>
-          <a:lstStyle/>
-          <a:p>
-            <a:r>
-              <a:rPr lang="en-US" smtClean="0"/>
-              <a:t>Click to edit Master title style</a:t>
-            </a:r>
-            <a:endParaRPr lang="en-US" dirty="0"/>
+          <a:bodyPr anchor="b"/>
+          <a:lstStyle>
+            <a:lvl1pPr>
+              <a:defRPr sz="2400"/>
+            </a:lvl1pPr>
+          </a:lstStyle>
+          <a:p>
+            <a:r>
+              <a:rPr lang="ru-RU"/>
+              <a:t>Образец заголовка</a:t>
+            </a:r>
           </a:p>
         </p:txBody>
       </p:sp>
       <p:sp>
         <p:nvSpPr>
-          <p:cNvPr id="3" name="Content Placeholder 2"/>
+          <p:cNvPr id="3" name="Объект 2"/>
           <p:cNvSpPr>
             <a:spLocks noGrp="1"/>
           </p:cNvSpPr>
@@ -3314,51 +1956,148 @@
             <p:ph idx="1"/>
           </p:nvPr>
         </p:nvSpPr>
-        <p:spPr/>
+        <p:spPr>
+          <a:xfrm>
+            <a:off x="3887391" y="987426"/>
+            <a:ext cx="4629150" cy="4873625"/>
+          </a:xfrm>
+        </p:spPr>
         <p:txBody>
           <a:bodyPr/>
-          <a:lstStyle/>
+          <a:lstStyle>
+            <a:lvl1pPr>
+              <a:defRPr sz="2400"/>
+            </a:lvl1pPr>
+            <a:lvl2pPr>
+              <a:defRPr sz="2100"/>
+            </a:lvl2pPr>
+            <a:lvl3pPr>
+              <a:defRPr sz="1800"/>
+            </a:lvl3pPr>
+            <a:lvl4pPr>
+              <a:defRPr sz="1500"/>
+            </a:lvl4pPr>
+            <a:lvl5pPr>
+              <a:defRPr sz="1500"/>
+            </a:lvl5pPr>
+            <a:lvl6pPr>
+              <a:defRPr sz="1500"/>
+            </a:lvl6pPr>
+            <a:lvl7pPr>
+              <a:defRPr sz="1500"/>
+            </a:lvl7pPr>
+            <a:lvl8pPr>
+              <a:defRPr sz="1500"/>
+            </a:lvl8pPr>
+            <a:lvl9pPr>
+              <a:defRPr sz="1500"/>
+            </a:lvl9pPr>
+          </a:lstStyle>
           <a:p>
             <a:pPr lvl="0"/>
             <a:r>
-              <a:rPr lang="en-US" smtClean="0"/>
-              <a:t>Edit Master text styles</a:t>
+              <a:rPr lang="ru-RU"/>
+              <a:t>Образец текста</a:t>
             </a:r>
           </a:p>
           <a:p>
             <a:pPr lvl="1"/>
             <a:r>
-              <a:rPr lang="en-US" smtClean="0"/>
-              <a:t>Second level</a:t>
+              <a:rPr lang="ru-RU"/>
+              <a:t>Второй уровень</a:t>
             </a:r>
           </a:p>
           <a:p>
             <a:pPr lvl="2"/>
             <a:r>
-              <a:rPr lang="en-US" smtClean="0"/>
-              <a:t>Third level</a:t>
+              <a:rPr lang="ru-RU"/>
+              <a:t>Третий уровень</a:t>
             </a:r>
           </a:p>
           <a:p>
             <a:pPr lvl="3"/>
             <a:r>
-              <a:rPr lang="en-US" smtClean="0"/>
-              <a:t>Fourth level</a:t>
+              <a:rPr lang="ru-RU"/>
+              <a:t>Четвертый уровень</a:t>
             </a:r>
           </a:p>
           <a:p>
             <a:pPr lvl="4"/>
             <a:r>
-              <a:rPr lang="en-US" smtClean="0"/>
-              <a:t>Fifth level</a:t>
-            </a:r>
-            <a:endParaRPr lang="en-US" dirty="0"/>
+              <a:rPr lang="ru-RU"/>
+              <a:t>Пятый уровень</a:t>
+            </a:r>
           </a:p>
         </p:txBody>
       </p:sp>
       <p:sp>
         <p:nvSpPr>
-          <p:cNvPr id="4" name="Date Placeholder 3"/>
+          <p:cNvPr id="4" name="Текст 3"/>
+          <p:cNvSpPr>
+            <a:spLocks noGrp="1"/>
+          </p:cNvSpPr>
+          <p:nvPr>
+            <p:ph type="body" sz="half" idx="2"/>
+          </p:nvPr>
+        </p:nvSpPr>
+        <p:spPr>
+          <a:xfrm>
+            <a:off x="629841" y="2057400"/>
+            <a:ext cx="2949178" cy="3811588"/>
+          </a:xfrm>
+        </p:spPr>
+        <p:txBody>
+          <a:bodyPr/>
+          <a:lstStyle>
+            <a:lvl1pPr marL="0" indent="0">
+              <a:buNone/>
+              <a:defRPr sz="1200"/>
+            </a:lvl1pPr>
+            <a:lvl2pPr marL="342900" indent="0">
+              <a:buNone/>
+              <a:defRPr sz="1050"/>
+            </a:lvl2pPr>
+            <a:lvl3pPr marL="685800" indent="0">
+              <a:buNone/>
+              <a:defRPr sz="900"/>
+            </a:lvl3pPr>
+            <a:lvl4pPr marL="1028700" indent="0">
+              <a:buNone/>
+              <a:defRPr sz="750"/>
+            </a:lvl4pPr>
+            <a:lvl5pPr marL="1371600" indent="0">
+              <a:buNone/>
+              <a:defRPr sz="750"/>
+            </a:lvl5pPr>
+            <a:lvl6pPr marL="1714500" indent="0">
+              <a:buNone/>
+              <a:defRPr sz="750"/>
+            </a:lvl6pPr>
+            <a:lvl7pPr marL="2057400" indent="0">
+              <a:buNone/>
+              <a:defRPr sz="750"/>
+            </a:lvl7pPr>
+            <a:lvl8pPr marL="2400300" indent="0">
+              <a:buNone/>
+              <a:defRPr sz="750"/>
+            </a:lvl8pPr>
+            <a:lvl9pPr marL="2743200" indent="0">
+              <a:buNone/>
+              <a:defRPr sz="750"/>
+            </a:lvl9pPr>
+          </a:lstStyle>
+          <a:p>
+            <a:pPr lvl="0"/>
+            <a:r>
+              <a:rPr lang="ru-RU"/>
+              <a:t>Образец текста</a:t>
+            </a:r>
+          </a:p>
+        </p:txBody>
+      </p:sp>
+      <p:sp>
+        <p:nvSpPr>
+          <p:cNvPr id="5" name="Дата 4"/>
           <p:cNvSpPr>
             <a:spLocks noGrp="1"/>
           </p:cNvSpPr>
@@ -3373,7 +2112,7 @@
           <a:p>
             <a:fld id="{5304B120-E451-4703-BB6D-383487E6124E}" type="datetimeFigureOut">
               <a:rPr lang="ru-RU" smtClean="0"/>
-              <a:t>29.10.2020</a:t>
+              <a:t>30.10.2020</a:t>
             </a:fld>
             <a:endParaRPr lang="ru-RU"/>
           </a:p>
@@ -3381,7 +2120,7 @@
       </p:sp>
       <p:sp>
         <p:nvSpPr>
-          <p:cNvPr id="5" name="Footer Placeholder 4"/>
+          <p:cNvPr id="6" name="Нижний колонтитул 5"/>
           <p:cNvSpPr>
             <a:spLocks noGrp="1"/>
           </p:cNvSpPr>
@@ -3400,7 +2139,7 @@
       </p:sp>
       <p:sp>
         <p:nvSpPr>
-          <p:cNvPr id="6" name="Slide Number Placeholder 5"/>
+          <p:cNvPr id="7" name="Номер слайда 6"/>
           <p:cNvSpPr>
             <a:spLocks noGrp="1"/>
           </p:cNvSpPr>
@@ -3424,7 +2163,7 @@
     </p:spTree>
     <p:extLst>
       <p:ext uri="{BB962C8B-B14F-4D97-AF65-F5344CB8AC3E}">
-        <p14:creationId xmlns:p14="http://schemas.microsoft.com/office/powerpoint/2010/main" val="742793111"/>
+        <p14:creationId xmlns:p14="http://schemas.microsoft.com/office/powerpoint/2010/main" val="367681728"/>
       </p:ext>
     </p:extLst>
   </p:cSld>
@@ -3434,9 +2173,9 @@
 </p:sldLayout>
 </file>
 
-<file path=ppt/slideLayouts/slideLayout3.xml><?xml version="1.0" encoding="utf-8"?>
-<p:sldLayout xmlns:a="http://schemas.openxmlformats.org/drawingml/2006/main" xmlns:r="http://schemas.openxmlformats.org/officeDocument/2006/relationships" xmlns:p="http://schemas.openxmlformats.org/presentationml/2006/main" type="secHead" preserve="1">
-  <p:cSld name="Section Header">
+<file path=ppt/slideLayouts/slideLayout9.xml><?xml version="1.0" encoding="utf-8"?>
+<p:sldLayout xmlns:a="http://schemas.openxmlformats.org/drawingml/2006/main" xmlns:r="http://schemas.openxmlformats.org/officeDocument/2006/relationships" xmlns:p="http://schemas.openxmlformats.org/presentationml/2006/main" type="picTx" preserve="1">
+  <p:cSld name="Рисунок с подписью">
     <p:spTree>
       <p:nvGrpSpPr>
         <p:cNvPr id="1" name=""/>
@@ -3453,7 +2192,7 @@
       </p:grpSpPr>
       <p:sp>
         <p:nvSpPr>
-          <p:cNvPr id="2" name="Title 1"/>
+          <p:cNvPr id="2" name="Заголовок 1"/>
           <p:cNvSpPr>
             <a:spLocks noGrp="1"/>
           </p:cNvSpPr>
@@ -3463,146 +2202,154 @@
         </p:nvSpPr>
         <p:spPr>
           <a:xfrm>
-            <a:off x="866443" y="2861734"/>
-            <a:ext cx="6620967" cy="1915647"/>
+            <a:off x="629841" y="457200"/>
+            <a:ext cx="2949178" cy="1600200"/>
           </a:xfrm>
         </p:spPr>
         <p:txBody>
           <a:bodyPr anchor="b"/>
           <a:lstStyle>
-            <a:lvl1pPr algn="l">
-              <a:defRPr sz="4000" b="0" cap="none"/>
+            <a:lvl1pPr>
+              <a:defRPr sz="2400"/>
             </a:lvl1pPr>
           </a:lstStyle>
           <a:p>
             <a:r>
-              <a:rPr lang="en-US" smtClean="0"/>
-              <a:t>Click to edit Master title style</a:t>
-            </a:r>
-            <a:endParaRPr lang="en-US" dirty="0"/>
+              <a:rPr lang="ru-RU"/>
+              <a:t>Образец заголовка</a:t>
+            </a:r>
           </a:p>
         </p:txBody>
       </p:sp>
       <p:sp>
         <p:nvSpPr>
-          <p:cNvPr id="3" name="Text Placeholder 2"/>
+          <p:cNvPr id="3" name="Рисунок 2"/>
           <p:cNvSpPr>
             <a:spLocks noGrp="1"/>
           </p:cNvSpPr>
           <p:nvPr>
-            <p:ph type="body" idx="1"/>
+            <p:ph type="pic" idx="1"/>
           </p:nvPr>
         </p:nvSpPr>
         <p:spPr>
           <a:xfrm>
-            <a:off x="866442" y="4777381"/>
-            <a:ext cx="6620968" cy="860400"/>
+            <a:off x="3887391" y="987426"/>
+            <a:ext cx="4629150" cy="4873625"/>
           </a:xfrm>
         </p:spPr>
         <p:txBody>
-          <a:bodyPr anchor="t"/>
+          <a:bodyPr/>
           <a:lstStyle>
-            <a:lvl1pPr marL="0" indent="0" algn="l">
-              <a:buNone/>
-              <a:defRPr sz="2000" cap="all">
-                <a:solidFill>
-                  <a:schemeClr val="accent1"/>
-                </a:solidFill>
-              </a:defRPr>
+            <a:lvl1pPr marL="0" indent="0">
+              <a:buNone/>
+              <a:defRPr sz="2400"/>
             </a:lvl1pPr>
-            <a:lvl2pPr marL="457200" indent="0">
-              <a:buNone/>
-              <a:defRPr sz="1800">
-                <a:solidFill>
-                  <a:schemeClr val="tx1">
-                    <a:tint val="75000"/>
-                  </a:schemeClr>
-                </a:solidFill>
-              </a:defRPr>
+            <a:lvl2pPr marL="342900" indent="0">
+              <a:buNone/>
+              <a:defRPr sz="2100"/>
             </a:lvl2pPr>
-            <a:lvl3pPr marL="914400" indent="0">
-              <a:buNone/>
-              <a:defRPr sz="1600">
-                <a:solidFill>
-                  <a:schemeClr val="tx1">
-                    <a:tint val="75000"/>
-                  </a:schemeClr>
-                </a:solidFill>
-              </a:defRPr>
+            <a:lvl3pPr marL="685800" indent="0">
+              <a:buNone/>
+              <a:defRPr sz="1800"/>
             </a:lvl3pPr>
-            <a:lvl4pPr marL="1371600" indent="0">
-              <a:buNone/>
-              <a:defRPr sz="1400">
-                <a:solidFill>
-                  <a:schemeClr val="tx1">
-                    <a:tint val="75000"/>
-                  </a:schemeClr>
-                </a:solidFill>
-              </a:defRPr>
+            <a:lvl4pPr marL="1028700" indent="0">
+              <a:buNone/>
+              <a:defRPr sz="1500"/>
             </a:lvl4pPr>
-            <a:lvl5pPr marL="1828800" indent="0">
-              <a:buNone/>
-              <a:defRPr sz="1400">
-                <a:solidFill>
-                  <a:schemeClr val="tx1">
-                    <a:tint val="75000"/>
-                  </a:schemeClr>
-                </a:solidFill>
-              </a:defRPr>
+            <a:lvl5pPr marL="1371600" indent="0">
+              <a:buNone/>
+              <a:defRPr sz="1500"/>
             </a:lvl5pPr>
-            <a:lvl6pPr marL="2286000" indent="0">
-              <a:buNone/>
-              <a:defRPr sz="1400">
-                <a:solidFill>
-                  <a:schemeClr val="tx1">
-                    <a:tint val="75000"/>
-                  </a:schemeClr>
-                </a:solidFill>
-              </a:defRPr>
+            <a:lvl6pPr marL="1714500" indent="0">
+              <a:buNone/>
+              <a:defRPr sz="1500"/>
             </a:lvl6pPr>
-            <a:lvl7pPr marL="2743200" indent="0">
-              <a:buNone/>
-              <a:defRPr sz="1400">
-                <a:solidFill>
-                  <a:schemeClr val="tx1">
-                    <a:tint val="75000"/>
-                  </a:schemeClr>
-                </a:solidFill>
-              </a:defRPr>
+            <a:lvl7pPr marL="2057400" indent="0">
+              <a:buNone/>
+              <a:defRPr sz="1500"/>
             </a:lvl7pPr>
-            <a:lvl8pPr marL="3200400" indent="0">
-              <a:buNone/>
-              <a:defRPr sz="1400">
-                <a:solidFill>
-                  <a:schemeClr val="tx1">
-                    <a:tint val="75000"/>
-                  </a:schemeClr>
-                </a:solidFill>
-              </a:defRPr>
+            <a:lvl8pPr marL="2400300" indent="0">
+              <a:buNone/>
+              <a:defRPr sz="1500"/>
             </a:lvl8pPr>
-            <a:lvl9pPr marL="3657600" indent="0">
-              <a:buNone/>
-              <a:defRPr sz="1400">
-                <a:solidFill>
-                  <a:schemeClr val="tx1">
-                    <a:tint val="75000"/>
-                  </a:schemeClr>
-                </a:solidFill>
-              </a:defRPr>
+            <a:lvl9pPr marL="2743200" indent="0">
+              <a:buNone/>
+              <a:defRPr sz="1500"/>
             </a:lvl9pPr>
           </a:lstStyle>
           <a:p>
-            <a:pPr lvl="0"/>
-            <a:r>
-              <a:rPr lang="en-US" smtClean="0"/>
-              <a:t>Edit Master text styles</a:t>
-            </a:r>
+            <a:endParaRPr lang="ru-RU"/>
           </a:p>
         </p:txBody>
       </p:sp>
       <p:sp>
         <p:nvSpPr>
-          <p:cNvPr id="4" name="Date Placeholder 3"/>
+          <p:cNvPr id="4" name="Текст 3"/>
+          <p:cNvSpPr>
+            <a:spLocks noGrp="1"/>
+          </p:cNvSpPr>
+          <p:nvPr>
+            <p:ph type="body" sz="half" idx="2"/>
+          </p:nvPr>
+        </p:nvSpPr>
+        <p:spPr>
+          <a:xfrm>
+            <a:off x="629841" y="2057400"/>
+            <a:ext cx="2949178" cy="3811588"/>
+          </a:xfrm>
+        </p:spPr>
+        <p:txBody>
+          <a:bodyPr/>
+          <a:lstStyle>
+            <a:lvl1pPr marL="0" indent="0">
+              <a:buNone/>
+              <a:defRPr sz="1200"/>
+            </a:lvl1pPr>
+            <a:lvl2pPr marL="342900" indent="0">
+              <a:buNone/>
+              <a:defRPr sz="1050"/>
+            </a:lvl2pPr>
+            <a:lvl3pPr marL="685800" indent="0">
+              <a:buNone/>
+              <a:defRPr sz="900"/>
+            </a:lvl3pPr>
+            <a:lvl4pPr marL="1028700" indent="0">
+              <a:buNone/>
+              <a:defRPr sz="750"/>
+            </a:lvl4pPr>
+            <a:lvl5pPr marL="1371600" indent="0">
+              <a:buNone/>
+              <a:defRPr sz="750"/>
+            </a:lvl5pPr>
+            <a:lvl6pPr marL="1714500" indent="0">
+              <a:buNone/>
+              <a:defRPr sz="750"/>
+            </a:lvl6pPr>
+            <a:lvl7pPr marL="2057400" indent="0">
+              <a:buNone/>
+              <a:defRPr sz="750"/>
+            </a:lvl7pPr>
+            <a:lvl8pPr marL="2400300" indent="0">
+              <a:buNone/>
+              <a:defRPr sz="750"/>
+            </a:lvl8pPr>
+            <a:lvl9pPr marL="2743200" indent="0">
+              <a:buNone/>
+              <a:defRPr sz="750"/>
+            </a:lvl9pPr>
+          </a:lstStyle>
+          <a:p>
+            <a:pPr lvl="0"/>
+            <a:r>
+              <a:rPr lang="ru-RU"/>
+              <a:t>Образец текста</a:t>
+            </a:r>
+          </a:p>
+        </p:txBody>
+      </p:sp>
+      <p:sp>
+        <p:nvSpPr>
+          <p:cNvPr id="5" name="Дата 4"/>
           <p:cNvSpPr>
             <a:spLocks noGrp="1"/>
           </p:cNvSpPr>
@@ -3617,7 +2364,7 @@
           <a:p>
             <a:fld id="{5304B120-E451-4703-BB6D-383487E6124E}" type="datetimeFigureOut">
               <a:rPr lang="ru-RU" smtClean="0"/>
-              <a:t>29.10.2020</a:t>
+              <a:t>30.10.2020</a:t>
             </a:fld>
             <a:endParaRPr lang="ru-RU"/>
           </a:p>
@@ -3625,7 +2372,7 @@
       </p:sp>
       <p:sp>
         <p:nvSpPr>
-          <p:cNvPr id="5" name="Footer Placeholder 4"/>
+          <p:cNvPr id="6" name="Нижний колонтитул 5"/>
           <p:cNvSpPr>
             <a:spLocks noGrp="1"/>
           </p:cNvSpPr>
@@ -3644,7 +2391,7 @@
       </p:sp>
       <p:sp>
         <p:nvSpPr>
-          <p:cNvPr id="6" name="Slide Number Placeholder 5"/>
+          <p:cNvPr id="7" name="Номер слайда 6"/>
           <p:cNvSpPr>
             <a:spLocks noGrp="1"/>
           </p:cNvSpPr>
@@ -3668,1504 +2415,7 @@
     </p:spTree>
     <p:extLst>
       <p:ext uri="{BB962C8B-B14F-4D97-AF65-F5344CB8AC3E}">
-        <p14:creationId xmlns:p14="http://schemas.microsoft.com/office/powerpoint/2010/main" val="1653531257"/>
-      </p:ext>
-    </p:extLst>
-  </p:cSld>
-  <p:clrMapOvr>
-    <a:masterClrMapping/>
-  </p:clrMapOvr>
-</p:sldLayout>
-</file>
-
-<file path=ppt/slideLayouts/slideLayout4.xml><?xml version="1.0" encoding="utf-8"?>
-<p:sldLayout xmlns:a="http://schemas.openxmlformats.org/drawingml/2006/main" xmlns:r="http://schemas.openxmlformats.org/officeDocument/2006/relationships" xmlns:p="http://schemas.openxmlformats.org/presentationml/2006/main" type="twoObj" preserve="1">
-  <p:cSld name="Two Content">
-    <p:spTree>
-      <p:nvGrpSpPr>
-        <p:cNvPr id="1" name=""/>
-        <p:cNvGrpSpPr/>
-        <p:nvPr/>
-      </p:nvGrpSpPr>
-      <p:grpSpPr>
-        <a:xfrm>
-          <a:off x="0" y="0"/>
-          <a:ext cx="0" cy="0"/>
-          <a:chOff x="0" y="0"/>
-          <a:chExt cx="0" cy="0"/>
-        </a:xfrm>
-      </p:grpSpPr>
-      <p:sp>
-        <p:nvSpPr>
-          <p:cNvPr id="2" name="Title 1"/>
-          <p:cNvSpPr>
-            <a:spLocks noGrp="1"/>
-          </p:cNvSpPr>
-          <p:nvPr>
-            <p:ph type="title"/>
-          </p:nvPr>
-        </p:nvSpPr>
-        <p:spPr/>
-        <p:txBody>
-          <a:bodyPr/>
-          <a:lstStyle/>
-          <a:p>
-            <a:r>
-              <a:rPr lang="en-US" smtClean="0"/>
-              <a:t>Click to edit Master title style</a:t>
-            </a:r>
-            <a:endParaRPr lang="en-US" dirty="0"/>
-          </a:p>
-        </p:txBody>
-      </p:sp>
-      <p:sp>
-        <p:nvSpPr>
-          <p:cNvPr id="3" name="Content Placeholder 2"/>
-          <p:cNvSpPr>
-            <a:spLocks noGrp="1"/>
-          </p:cNvSpPr>
-          <p:nvPr>
-            <p:ph sz="half" idx="1"/>
-          </p:nvPr>
-        </p:nvSpPr>
-        <p:spPr>
-          <a:xfrm>
-            <a:off x="827700" y="2060576"/>
-            <a:ext cx="3298113" cy="4195763"/>
-          </a:xfrm>
-        </p:spPr>
-        <p:txBody>
-          <a:bodyPr>
-            <a:normAutofit/>
-          </a:bodyPr>
-          <a:lstStyle>
-            <a:lvl1pPr>
-              <a:defRPr sz="1800"/>
-            </a:lvl1pPr>
-            <a:lvl2pPr>
-              <a:defRPr sz="1600"/>
-            </a:lvl2pPr>
-            <a:lvl3pPr>
-              <a:defRPr sz="1400"/>
-            </a:lvl3pPr>
-            <a:lvl4pPr>
-              <a:defRPr sz="1200"/>
-            </a:lvl4pPr>
-            <a:lvl5pPr>
-              <a:defRPr sz="1200"/>
-            </a:lvl5pPr>
-            <a:lvl6pPr>
-              <a:defRPr sz="1200"/>
-            </a:lvl6pPr>
-            <a:lvl7pPr>
-              <a:defRPr sz="1200"/>
-            </a:lvl7pPr>
-            <a:lvl8pPr>
-              <a:defRPr sz="1200"/>
-            </a:lvl8pPr>
-            <a:lvl9pPr>
-              <a:defRPr sz="1200"/>
-            </a:lvl9pPr>
-          </a:lstStyle>
-          <a:p>
-            <a:pPr lvl="0"/>
-            <a:r>
-              <a:rPr lang="en-US" smtClean="0"/>
-              <a:t>Edit Master text styles</a:t>
-            </a:r>
-          </a:p>
-          <a:p>
-            <a:pPr lvl="1"/>
-            <a:r>
-              <a:rPr lang="en-US" smtClean="0"/>
-              <a:t>Second level</a:t>
-            </a:r>
-          </a:p>
-          <a:p>
-            <a:pPr lvl="2"/>
-            <a:r>
-              <a:rPr lang="en-US" smtClean="0"/>
-              <a:t>Third level</a:t>
-            </a:r>
-          </a:p>
-          <a:p>
-            <a:pPr lvl="3"/>
-            <a:r>
-              <a:rPr lang="en-US" smtClean="0"/>
-              <a:t>Fourth level</a:t>
-            </a:r>
-          </a:p>
-          <a:p>
-            <a:pPr lvl="4"/>
-            <a:r>
-              <a:rPr lang="en-US" smtClean="0"/>
-              <a:t>Fifth level</a:t>
-            </a:r>
-            <a:endParaRPr lang="en-US" dirty="0"/>
-          </a:p>
-        </p:txBody>
-      </p:sp>
-      <p:sp>
-        <p:nvSpPr>
-          <p:cNvPr id="4" name="Content Placeholder 3"/>
-          <p:cNvSpPr>
-            <a:spLocks noGrp="1"/>
-          </p:cNvSpPr>
-          <p:nvPr>
-            <p:ph sz="half" idx="2"/>
-          </p:nvPr>
-        </p:nvSpPr>
-        <p:spPr>
-          <a:xfrm>
-            <a:off x="4241975" y="2056093"/>
-            <a:ext cx="3298115" cy="4200245"/>
-          </a:xfrm>
-        </p:spPr>
-        <p:txBody>
-          <a:bodyPr>
-            <a:normAutofit/>
-          </a:bodyPr>
-          <a:lstStyle>
-            <a:lvl1pPr>
-              <a:defRPr sz="1800"/>
-            </a:lvl1pPr>
-            <a:lvl2pPr>
-              <a:defRPr sz="1600"/>
-            </a:lvl2pPr>
-            <a:lvl3pPr>
-              <a:defRPr sz="1400"/>
-            </a:lvl3pPr>
-            <a:lvl4pPr>
-              <a:defRPr sz="1200"/>
-            </a:lvl4pPr>
-            <a:lvl5pPr>
-              <a:defRPr sz="1200"/>
-            </a:lvl5pPr>
-            <a:lvl6pPr>
-              <a:defRPr sz="1200"/>
-            </a:lvl6pPr>
-            <a:lvl7pPr>
-              <a:defRPr sz="1200"/>
-            </a:lvl7pPr>
-            <a:lvl8pPr>
-              <a:defRPr sz="1200"/>
-            </a:lvl8pPr>
-            <a:lvl9pPr>
-              <a:defRPr sz="1200"/>
-            </a:lvl9pPr>
-          </a:lstStyle>
-          <a:p>
-            <a:pPr lvl="0"/>
-            <a:r>
-              <a:rPr lang="en-US" smtClean="0"/>
-              <a:t>Edit Master text styles</a:t>
-            </a:r>
-          </a:p>
-          <a:p>
-            <a:pPr lvl="1"/>
-            <a:r>
-              <a:rPr lang="en-US" smtClean="0"/>
-              <a:t>Second level</a:t>
-            </a:r>
-          </a:p>
-          <a:p>
-            <a:pPr lvl="2"/>
-            <a:r>
-              <a:rPr lang="en-US" smtClean="0"/>
-              <a:t>Third level</a:t>
-            </a:r>
-          </a:p>
-          <a:p>
-            <a:pPr lvl="3"/>
-            <a:r>
-              <a:rPr lang="en-US" smtClean="0"/>
-              <a:t>Fourth level</a:t>
-            </a:r>
-          </a:p>
-          <a:p>
-            <a:pPr lvl="4"/>
-            <a:r>
-              <a:rPr lang="en-US" smtClean="0"/>
-              <a:t>Fifth level</a:t>
-            </a:r>
-            <a:endParaRPr lang="en-US" dirty="0"/>
-          </a:p>
-        </p:txBody>
-      </p:sp>
-      <p:sp>
-        <p:nvSpPr>
-          <p:cNvPr id="5" name="Date Placeholder 4"/>
-          <p:cNvSpPr>
-            <a:spLocks noGrp="1"/>
-          </p:cNvSpPr>
-          <p:nvPr>
-            <p:ph type="dt" sz="half" idx="10"/>
-          </p:nvPr>
-        </p:nvSpPr>
-        <p:spPr/>
-        <p:txBody>
-          <a:bodyPr/>
-          <a:lstStyle/>
-          <a:p>
-            <a:fld id="{5304B120-E451-4703-BB6D-383487E6124E}" type="datetimeFigureOut">
-              <a:rPr lang="ru-RU" smtClean="0"/>
-              <a:t>29.10.2020</a:t>
-            </a:fld>
-            <a:endParaRPr lang="ru-RU"/>
-          </a:p>
-        </p:txBody>
-      </p:sp>
-      <p:sp>
-        <p:nvSpPr>
-          <p:cNvPr id="6" name="Footer Placeholder 5"/>
-          <p:cNvSpPr>
-            <a:spLocks noGrp="1"/>
-          </p:cNvSpPr>
-          <p:nvPr>
-            <p:ph type="ftr" sz="quarter" idx="11"/>
-          </p:nvPr>
-        </p:nvSpPr>
-        <p:spPr/>
-        <p:txBody>
-          <a:bodyPr/>
-          <a:lstStyle/>
-          <a:p>
-            <a:endParaRPr lang="ru-RU"/>
-          </a:p>
-        </p:txBody>
-      </p:sp>
-      <p:sp>
-        <p:nvSpPr>
-          <p:cNvPr id="7" name="Slide Number Placeholder 6"/>
-          <p:cNvSpPr>
-            <a:spLocks noGrp="1"/>
-          </p:cNvSpPr>
-          <p:nvPr>
-            <p:ph type="sldNum" sz="quarter" idx="12"/>
-          </p:nvPr>
-        </p:nvSpPr>
-        <p:spPr/>
-        <p:txBody>
-          <a:bodyPr/>
-          <a:lstStyle/>
-          <a:p>
-            <a:fld id="{3CCECE57-D6EC-4390-AA8E-56EFD3B0B4B5}" type="slidenum">
-              <a:rPr lang="ru-RU" smtClean="0"/>
-              <a:t>‹#›</a:t>
-            </a:fld>
-            <a:endParaRPr lang="ru-RU"/>
-          </a:p>
-        </p:txBody>
-      </p:sp>
-    </p:spTree>
-    <p:extLst>
-      <p:ext uri="{BB962C8B-B14F-4D97-AF65-F5344CB8AC3E}">
-        <p14:creationId xmlns:p14="http://schemas.microsoft.com/office/powerpoint/2010/main" val="853968470"/>
-      </p:ext>
-    </p:extLst>
-  </p:cSld>
-  <p:clrMapOvr>
-    <a:masterClrMapping/>
-  </p:clrMapOvr>
-</p:sldLayout>
-</file>
-
-<file path=ppt/slideLayouts/slideLayout5.xml><?xml version="1.0" encoding="utf-8"?>
-<p:sldLayout xmlns:a="http://schemas.openxmlformats.org/drawingml/2006/main" xmlns:r="http://schemas.openxmlformats.org/officeDocument/2006/relationships" xmlns:p="http://schemas.openxmlformats.org/presentationml/2006/main" type="twoTxTwoObj" preserve="1">
-  <p:cSld name="Comparison">
-    <p:spTree>
-      <p:nvGrpSpPr>
-        <p:cNvPr id="1" name=""/>
-        <p:cNvGrpSpPr/>
-        <p:nvPr/>
-      </p:nvGrpSpPr>
-      <p:grpSpPr>
-        <a:xfrm>
-          <a:off x="0" y="0"/>
-          <a:ext cx="0" cy="0"/>
-          <a:chOff x="0" y="0"/>
-          <a:chExt cx="0" cy="0"/>
-        </a:xfrm>
-      </p:grpSpPr>
-      <p:sp>
-        <p:nvSpPr>
-          <p:cNvPr id="2" name="Title 1"/>
-          <p:cNvSpPr>
-            <a:spLocks noGrp="1"/>
-          </p:cNvSpPr>
-          <p:nvPr>
-            <p:ph type="title"/>
-          </p:nvPr>
-        </p:nvSpPr>
-        <p:spPr/>
-        <p:txBody>
-          <a:bodyPr/>
-          <a:lstStyle>
-            <a:lvl1pPr>
-              <a:defRPr/>
-            </a:lvl1pPr>
-          </a:lstStyle>
-          <a:p>
-            <a:r>
-              <a:rPr lang="en-US" smtClean="0"/>
-              <a:t>Click to edit Master title style</a:t>
-            </a:r>
-            <a:endParaRPr lang="en-US" dirty="0"/>
-          </a:p>
-        </p:txBody>
-      </p:sp>
-      <p:sp>
-        <p:nvSpPr>
-          <p:cNvPr id="3" name="Text Placeholder 2"/>
-          <p:cNvSpPr>
-            <a:spLocks noGrp="1"/>
-          </p:cNvSpPr>
-          <p:nvPr>
-            <p:ph type="body" idx="1"/>
-          </p:nvPr>
-        </p:nvSpPr>
-        <p:spPr>
-          <a:xfrm>
-            <a:off x="827700" y="1905000"/>
-            <a:ext cx="3298112" cy="576262"/>
-          </a:xfrm>
-        </p:spPr>
-        <p:txBody>
-          <a:bodyPr anchor="b">
-            <a:noAutofit/>
-          </a:bodyPr>
-          <a:lstStyle>
-            <a:lvl1pPr marL="0" indent="0">
-              <a:buNone/>
-              <a:defRPr sz="2400" b="0">
-                <a:solidFill>
-                  <a:schemeClr val="accent1"/>
-                </a:solidFill>
-              </a:defRPr>
-            </a:lvl1pPr>
-            <a:lvl2pPr marL="457200" indent="0">
-              <a:buNone/>
-              <a:defRPr sz="2000" b="1"/>
-            </a:lvl2pPr>
-            <a:lvl3pPr marL="914400" indent="0">
-              <a:buNone/>
-              <a:defRPr sz="1800" b="1"/>
-            </a:lvl3pPr>
-            <a:lvl4pPr marL="1371600" indent="0">
-              <a:buNone/>
-              <a:defRPr sz="1600" b="1"/>
-            </a:lvl4pPr>
-            <a:lvl5pPr marL="1828800" indent="0">
-              <a:buNone/>
-              <a:defRPr sz="1600" b="1"/>
-            </a:lvl5pPr>
-            <a:lvl6pPr marL="2286000" indent="0">
-              <a:buNone/>
-              <a:defRPr sz="1600" b="1"/>
-            </a:lvl6pPr>
-            <a:lvl7pPr marL="2743200" indent="0">
-              <a:buNone/>
-              <a:defRPr sz="1600" b="1"/>
-            </a:lvl7pPr>
-            <a:lvl8pPr marL="3200400" indent="0">
-              <a:buNone/>
-              <a:defRPr sz="1600" b="1"/>
-            </a:lvl8pPr>
-            <a:lvl9pPr marL="3657600" indent="0">
-              <a:buNone/>
-              <a:defRPr sz="1600" b="1"/>
-            </a:lvl9pPr>
-          </a:lstStyle>
-          <a:p>
-            <a:pPr lvl="0"/>
-            <a:r>
-              <a:rPr lang="en-US" smtClean="0"/>
-              <a:t>Edit Master text styles</a:t>
-            </a:r>
-          </a:p>
-        </p:txBody>
-      </p:sp>
-      <p:sp>
-        <p:nvSpPr>
-          <p:cNvPr id="4" name="Content Placeholder 3"/>
-          <p:cNvSpPr>
-            <a:spLocks noGrp="1"/>
-          </p:cNvSpPr>
-          <p:nvPr>
-            <p:ph sz="half" idx="2"/>
-          </p:nvPr>
-        </p:nvSpPr>
-        <p:spPr>
-          <a:xfrm>
-            <a:off x="827700" y="2514600"/>
-            <a:ext cx="3298113" cy="3741738"/>
-          </a:xfrm>
-        </p:spPr>
-        <p:txBody>
-          <a:bodyPr>
-            <a:normAutofit/>
-          </a:bodyPr>
-          <a:lstStyle>
-            <a:lvl1pPr>
-              <a:defRPr sz="1800"/>
-            </a:lvl1pPr>
-            <a:lvl2pPr>
-              <a:defRPr sz="1600"/>
-            </a:lvl2pPr>
-            <a:lvl3pPr>
-              <a:defRPr sz="1400"/>
-            </a:lvl3pPr>
-            <a:lvl4pPr>
-              <a:defRPr sz="1200"/>
-            </a:lvl4pPr>
-            <a:lvl5pPr>
-              <a:defRPr sz="1200"/>
-            </a:lvl5pPr>
-            <a:lvl6pPr>
-              <a:defRPr sz="1200"/>
-            </a:lvl6pPr>
-            <a:lvl7pPr>
-              <a:defRPr sz="1200"/>
-            </a:lvl7pPr>
-            <a:lvl8pPr>
-              <a:defRPr sz="1200"/>
-            </a:lvl8pPr>
-            <a:lvl9pPr>
-              <a:defRPr sz="1200"/>
-            </a:lvl9pPr>
-          </a:lstStyle>
-          <a:p>
-            <a:pPr lvl="0"/>
-            <a:r>
-              <a:rPr lang="en-US" smtClean="0"/>
-              <a:t>Edit Master text styles</a:t>
-            </a:r>
-          </a:p>
-          <a:p>
-            <a:pPr lvl="1"/>
-            <a:r>
-              <a:rPr lang="en-US" smtClean="0"/>
-              <a:t>Second level</a:t>
-            </a:r>
-          </a:p>
-          <a:p>
-            <a:pPr lvl="2"/>
-            <a:r>
-              <a:rPr lang="en-US" smtClean="0"/>
-              <a:t>Third level</a:t>
-            </a:r>
-          </a:p>
-          <a:p>
-            <a:pPr lvl="3"/>
-            <a:r>
-              <a:rPr lang="en-US" smtClean="0"/>
-              <a:t>Fourth level</a:t>
-            </a:r>
-          </a:p>
-          <a:p>
-            <a:pPr lvl="4"/>
-            <a:r>
-              <a:rPr lang="en-US" smtClean="0"/>
-              <a:t>Fifth level</a:t>
-            </a:r>
-            <a:endParaRPr lang="en-US" dirty="0"/>
-          </a:p>
-        </p:txBody>
-      </p:sp>
-      <p:sp>
-        <p:nvSpPr>
-          <p:cNvPr id="5" name="Text Placeholder 4"/>
-          <p:cNvSpPr>
-            <a:spLocks noGrp="1"/>
-          </p:cNvSpPr>
-          <p:nvPr>
-            <p:ph type="body" sz="quarter" idx="3"/>
-          </p:nvPr>
-        </p:nvSpPr>
-        <p:spPr>
-          <a:xfrm>
-            <a:off x="4241976" y="1905000"/>
-            <a:ext cx="3298113" cy="576262"/>
-          </a:xfrm>
-        </p:spPr>
-        <p:txBody>
-          <a:bodyPr anchor="b">
-            <a:noAutofit/>
-          </a:bodyPr>
-          <a:lstStyle>
-            <a:lvl1pPr marL="0" indent="0">
-              <a:buNone/>
-              <a:defRPr sz="2400" b="0">
-                <a:solidFill>
-                  <a:schemeClr val="accent1"/>
-                </a:solidFill>
-              </a:defRPr>
-            </a:lvl1pPr>
-            <a:lvl2pPr marL="457200" indent="0">
-              <a:buNone/>
-              <a:defRPr sz="2000" b="1"/>
-            </a:lvl2pPr>
-            <a:lvl3pPr marL="914400" indent="0">
-              <a:buNone/>
-              <a:defRPr sz="1800" b="1"/>
-            </a:lvl3pPr>
-            <a:lvl4pPr marL="1371600" indent="0">
-              <a:buNone/>
-              <a:defRPr sz="1600" b="1"/>
-            </a:lvl4pPr>
-            <a:lvl5pPr marL="1828800" indent="0">
-              <a:buNone/>
-              <a:defRPr sz="1600" b="1"/>
-            </a:lvl5pPr>
-            <a:lvl6pPr marL="2286000" indent="0">
-              <a:buNone/>
-              <a:defRPr sz="1600" b="1"/>
-            </a:lvl6pPr>
-            <a:lvl7pPr marL="2743200" indent="0">
-              <a:buNone/>
-              <a:defRPr sz="1600" b="1"/>
-            </a:lvl7pPr>
-            <a:lvl8pPr marL="3200400" indent="0">
-              <a:buNone/>
-              <a:defRPr sz="1600" b="1"/>
-            </a:lvl8pPr>
-            <a:lvl9pPr marL="3657600" indent="0">
-              <a:buNone/>
-              <a:defRPr sz="1600" b="1"/>
-            </a:lvl9pPr>
-          </a:lstStyle>
-          <a:p>
-            <a:pPr lvl="0"/>
-            <a:r>
-              <a:rPr lang="en-US" smtClean="0"/>
-              <a:t>Edit Master text styles</a:t>
-            </a:r>
-          </a:p>
-        </p:txBody>
-      </p:sp>
-      <p:sp>
-        <p:nvSpPr>
-          <p:cNvPr id="6" name="Content Placeholder 5"/>
-          <p:cNvSpPr>
-            <a:spLocks noGrp="1"/>
-          </p:cNvSpPr>
-          <p:nvPr>
-            <p:ph sz="quarter" idx="4"/>
-          </p:nvPr>
-        </p:nvSpPr>
-        <p:spPr>
-          <a:xfrm>
-            <a:off x="4241976" y="2514600"/>
-            <a:ext cx="3298113" cy="3741738"/>
-          </a:xfrm>
-        </p:spPr>
-        <p:txBody>
-          <a:bodyPr>
-            <a:normAutofit/>
-          </a:bodyPr>
-          <a:lstStyle>
-            <a:lvl1pPr>
-              <a:defRPr sz="1800"/>
-            </a:lvl1pPr>
-            <a:lvl2pPr>
-              <a:defRPr sz="1600"/>
-            </a:lvl2pPr>
-            <a:lvl3pPr>
-              <a:defRPr sz="1400"/>
-            </a:lvl3pPr>
-            <a:lvl4pPr>
-              <a:defRPr sz="1200"/>
-            </a:lvl4pPr>
-            <a:lvl5pPr>
-              <a:defRPr sz="1200"/>
-            </a:lvl5pPr>
-            <a:lvl6pPr>
-              <a:defRPr sz="1200"/>
-            </a:lvl6pPr>
-            <a:lvl7pPr>
-              <a:defRPr sz="1200"/>
-            </a:lvl7pPr>
-            <a:lvl8pPr>
-              <a:defRPr sz="1200"/>
-            </a:lvl8pPr>
-            <a:lvl9pPr>
-              <a:defRPr sz="1200"/>
-            </a:lvl9pPr>
-          </a:lstStyle>
-          <a:p>
-            <a:pPr lvl="0"/>
-            <a:r>
-              <a:rPr lang="en-US" smtClean="0"/>
-              <a:t>Edit Master text styles</a:t>
-            </a:r>
-          </a:p>
-          <a:p>
-            <a:pPr lvl="1"/>
-            <a:r>
-              <a:rPr lang="en-US" smtClean="0"/>
-              <a:t>Second level</a:t>
-            </a:r>
-          </a:p>
-          <a:p>
-            <a:pPr lvl="2"/>
-            <a:r>
-              <a:rPr lang="en-US" smtClean="0"/>
-              <a:t>Third level</a:t>
-            </a:r>
-          </a:p>
-          <a:p>
-            <a:pPr lvl="3"/>
-            <a:r>
-              <a:rPr lang="en-US" smtClean="0"/>
-              <a:t>Fourth level</a:t>
-            </a:r>
-          </a:p>
-          <a:p>
-            <a:pPr lvl="4"/>
-            <a:r>
-              <a:rPr lang="en-US" smtClean="0"/>
-              <a:t>Fifth level</a:t>
-            </a:r>
-            <a:endParaRPr lang="en-US" dirty="0"/>
-          </a:p>
-        </p:txBody>
-      </p:sp>
-      <p:sp>
-        <p:nvSpPr>
-          <p:cNvPr id="7" name="Date Placeholder 6"/>
-          <p:cNvSpPr>
-            <a:spLocks noGrp="1"/>
-          </p:cNvSpPr>
-          <p:nvPr>
-            <p:ph type="dt" sz="half" idx="10"/>
-          </p:nvPr>
-        </p:nvSpPr>
-        <p:spPr/>
-        <p:txBody>
-          <a:bodyPr/>
-          <a:lstStyle/>
-          <a:p>
-            <a:fld id="{5304B120-E451-4703-BB6D-383487E6124E}" type="datetimeFigureOut">
-              <a:rPr lang="ru-RU" smtClean="0"/>
-              <a:t>29.10.2020</a:t>
-            </a:fld>
-            <a:endParaRPr lang="ru-RU"/>
-          </a:p>
-        </p:txBody>
-      </p:sp>
-      <p:sp>
-        <p:nvSpPr>
-          <p:cNvPr id="8" name="Footer Placeholder 7"/>
-          <p:cNvSpPr>
-            <a:spLocks noGrp="1"/>
-          </p:cNvSpPr>
-          <p:nvPr>
-            <p:ph type="ftr" sz="quarter" idx="11"/>
-          </p:nvPr>
-        </p:nvSpPr>
-        <p:spPr/>
-        <p:txBody>
-          <a:bodyPr/>
-          <a:lstStyle/>
-          <a:p>
-            <a:endParaRPr lang="ru-RU"/>
-          </a:p>
-        </p:txBody>
-      </p:sp>
-      <p:sp>
-        <p:nvSpPr>
-          <p:cNvPr id="9" name="Slide Number Placeholder 8"/>
-          <p:cNvSpPr>
-            <a:spLocks noGrp="1"/>
-          </p:cNvSpPr>
-          <p:nvPr>
-            <p:ph type="sldNum" sz="quarter" idx="12"/>
-          </p:nvPr>
-        </p:nvSpPr>
-        <p:spPr/>
-        <p:txBody>
-          <a:bodyPr/>
-          <a:lstStyle/>
-          <a:p>
-            <a:fld id="{3CCECE57-D6EC-4390-AA8E-56EFD3B0B4B5}" type="slidenum">
-              <a:rPr lang="ru-RU" smtClean="0"/>
-              <a:t>‹#›</a:t>
-            </a:fld>
-            <a:endParaRPr lang="ru-RU"/>
-          </a:p>
-        </p:txBody>
-      </p:sp>
-    </p:spTree>
-    <p:extLst>
-      <p:ext uri="{BB962C8B-B14F-4D97-AF65-F5344CB8AC3E}">
-        <p14:creationId xmlns:p14="http://schemas.microsoft.com/office/powerpoint/2010/main" val="16874877"/>
-      </p:ext>
-    </p:extLst>
-  </p:cSld>
-  <p:clrMapOvr>
-    <a:masterClrMapping/>
-  </p:clrMapOvr>
-</p:sldLayout>
-</file>
-
-<file path=ppt/slideLayouts/slideLayout6.xml><?xml version="1.0" encoding="utf-8"?>
-<p:sldLayout xmlns:a="http://schemas.openxmlformats.org/drawingml/2006/main" xmlns:r="http://schemas.openxmlformats.org/officeDocument/2006/relationships" xmlns:p="http://schemas.openxmlformats.org/presentationml/2006/main" type="titleOnly" preserve="1">
-  <p:cSld name="Title Only">
-    <p:spTree>
-      <p:nvGrpSpPr>
-        <p:cNvPr id="1" name=""/>
-        <p:cNvGrpSpPr/>
-        <p:nvPr/>
-      </p:nvGrpSpPr>
-      <p:grpSpPr>
-        <a:xfrm>
-          <a:off x="0" y="0"/>
-          <a:ext cx="0" cy="0"/>
-          <a:chOff x="0" y="0"/>
-          <a:chExt cx="0" cy="0"/>
-        </a:xfrm>
-      </p:grpSpPr>
-      <p:sp>
-        <p:nvSpPr>
-          <p:cNvPr id="2" name="Title 1"/>
-          <p:cNvSpPr>
-            <a:spLocks noGrp="1"/>
-          </p:cNvSpPr>
-          <p:nvPr>
-            <p:ph type="title"/>
-          </p:nvPr>
-        </p:nvSpPr>
-        <p:spPr/>
-        <p:txBody>
-          <a:bodyPr/>
-          <a:lstStyle/>
-          <a:p>
-            <a:r>
-              <a:rPr lang="en-US" smtClean="0"/>
-              <a:t>Click to edit Master title style</a:t>
-            </a:r>
-            <a:endParaRPr lang="en-US" dirty="0"/>
-          </a:p>
-        </p:txBody>
-      </p:sp>
-      <p:sp>
-        <p:nvSpPr>
-          <p:cNvPr id="7" name="Date Placeholder 2"/>
-          <p:cNvSpPr>
-            <a:spLocks noGrp="1"/>
-          </p:cNvSpPr>
-          <p:nvPr>
-            <p:ph type="dt" sz="half" idx="10"/>
-          </p:nvPr>
-        </p:nvSpPr>
-        <p:spPr/>
-        <p:txBody>
-          <a:bodyPr/>
-          <a:lstStyle/>
-          <a:p>
-            <a:fld id="{5304B120-E451-4703-BB6D-383487E6124E}" type="datetimeFigureOut">
-              <a:rPr lang="ru-RU" smtClean="0"/>
-              <a:t>29.10.2020</a:t>
-            </a:fld>
-            <a:endParaRPr lang="ru-RU"/>
-          </a:p>
-        </p:txBody>
-      </p:sp>
-      <p:sp>
-        <p:nvSpPr>
-          <p:cNvPr id="5" name="Footer Placeholder 3"/>
-          <p:cNvSpPr>
-            <a:spLocks noGrp="1"/>
-          </p:cNvSpPr>
-          <p:nvPr>
-            <p:ph type="ftr" sz="quarter" idx="11"/>
-          </p:nvPr>
-        </p:nvSpPr>
-        <p:spPr/>
-        <p:txBody>
-          <a:bodyPr/>
-          <a:lstStyle/>
-          <a:p>
-            <a:endParaRPr lang="ru-RU"/>
-          </a:p>
-        </p:txBody>
-      </p:sp>
-      <p:sp>
-        <p:nvSpPr>
-          <p:cNvPr id="6" name="Slide Number Placeholder 4"/>
-          <p:cNvSpPr>
-            <a:spLocks noGrp="1"/>
-          </p:cNvSpPr>
-          <p:nvPr>
-            <p:ph type="sldNum" sz="quarter" idx="12"/>
-          </p:nvPr>
-        </p:nvSpPr>
-        <p:spPr/>
-        <p:txBody>
-          <a:bodyPr/>
-          <a:lstStyle/>
-          <a:p>
-            <a:fld id="{3CCECE57-D6EC-4390-AA8E-56EFD3B0B4B5}" type="slidenum">
-              <a:rPr lang="ru-RU" smtClean="0"/>
-              <a:t>‹#›</a:t>
-            </a:fld>
-            <a:endParaRPr lang="ru-RU"/>
-          </a:p>
-        </p:txBody>
-      </p:sp>
-    </p:spTree>
-    <p:extLst>
-      <p:ext uri="{BB962C8B-B14F-4D97-AF65-F5344CB8AC3E}">
-        <p14:creationId xmlns:p14="http://schemas.microsoft.com/office/powerpoint/2010/main" val="2213105823"/>
-      </p:ext>
-    </p:extLst>
-  </p:cSld>
-  <p:clrMapOvr>
-    <a:masterClrMapping/>
-  </p:clrMapOvr>
-</p:sldLayout>
-</file>
-
-<file path=ppt/slideLayouts/slideLayout7.xml><?xml version="1.0" encoding="utf-8"?>
-<p:sldLayout xmlns:a="http://schemas.openxmlformats.org/drawingml/2006/main" xmlns:r="http://schemas.openxmlformats.org/officeDocument/2006/relationships" xmlns:p="http://schemas.openxmlformats.org/presentationml/2006/main" type="blank" preserve="1">
-  <p:cSld name="Blank">
-    <p:spTree>
-      <p:nvGrpSpPr>
-        <p:cNvPr id="1" name=""/>
-        <p:cNvGrpSpPr/>
-        <p:nvPr/>
-      </p:nvGrpSpPr>
-      <p:grpSpPr>
-        <a:xfrm>
-          <a:off x="0" y="0"/>
-          <a:ext cx="0" cy="0"/>
-          <a:chOff x="0" y="0"/>
-          <a:chExt cx="0" cy="0"/>
-        </a:xfrm>
-      </p:grpSpPr>
-      <p:sp>
-        <p:nvSpPr>
-          <p:cNvPr id="7" name="Date Placeholder 1"/>
-          <p:cNvSpPr>
-            <a:spLocks noGrp="1"/>
-          </p:cNvSpPr>
-          <p:nvPr>
-            <p:ph type="dt" sz="half" idx="10"/>
-          </p:nvPr>
-        </p:nvSpPr>
-        <p:spPr/>
-        <p:txBody>
-          <a:bodyPr/>
-          <a:lstStyle/>
-          <a:p>
-            <a:fld id="{5304B120-E451-4703-BB6D-383487E6124E}" type="datetimeFigureOut">
-              <a:rPr lang="ru-RU" smtClean="0"/>
-              <a:t>29.10.2020</a:t>
-            </a:fld>
-            <a:endParaRPr lang="ru-RU"/>
-          </a:p>
-        </p:txBody>
-      </p:sp>
-      <p:sp>
-        <p:nvSpPr>
-          <p:cNvPr id="5" name="Footer Placeholder 2"/>
-          <p:cNvSpPr>
-            <a:spLocks noGrp="1"/>
-          </p:cNvSpPr>
-          <p:nvPr>
-            <p:ph type="ftr" sz="quarter" idx="11"/>
-          </p:nvPr>
-        </p:nvSpPr>
-        <p:spPr/>
-        <p:txBody>
-          <a:bodyPr/>
-          <a:lstStyle/>
-          <a:p>
-            <a:endParaRPr lang="ru-RU"/>
-          </a:p>
-        </p:txBody>
-      </p:sp>
-      <p:sp>
-        <p:nvSpPr>
-          <p:cNvPr id="6" name="Slide Number Placeholder 3"/>
-          <p:cNvSpPr>
-            <a:spLocks noGrp="1"/>
-          </p:cNvSpPr>
-          <p:nvPr>
-            <p:ph type="sldNum" sz="quarter" idx="12"/>
-          </p:nvPr>
-        </p:nvSpPr>
-        <p:spPr/>
-        <p:txBody>
-          <a:bodyPr/>
-          <a:lstStyle/>
-          <a:p>
-            <a:fld id="{3CCECE57-D6EC-4390-AA8E-56EFD3B0B4B5}" type="slidenum">
-              <a:rPr lang="ru-RU" smtClean="0"/>
-              <a:t>‹#›</a:t>
-            </a:fld>
-            <a:endParaRPr lang="ru-RU"/>
-          </a:p>
-        </p:txBody>
-      </p:sp>
-    </p:spTree>
-    <p:extLst>
-      <p:ext uri="{BB962C8B-B14F-4D97-AF65-F5344CB8AC3E}">
-        <p14:creationId xmlns:p14="http://schemas.microsoft.com/office/powerpoint/2010/main" val="2475739663"/>
-      </p:ext>
-    </p:extLst>
-  </p:cSld>
-  <p:clrMapOvr>
-    <a:masterClrMapping/>
-  </p:clrMapOvr>
-</p:sldLayout>
-</file>
-
-<file path=ppt/slideLayouts/slideLayout8.xml><?xml version="1.0" encoding="utf-8"?>
-<p:sldLayout xmlns:a="http://schemas.openxmlformats.org/drawingml/2006/main" xmlns:r="http://schemas.openxmlformats.org/officeDocument/2006/relationships" xmlns:p="http://schemas.openxmlformats.org/presentationml/2006/main" type="objTx" preserve="1">
-  <p:cSld name="Content with Caption">
-    <p:spTree>
-      <p:nvGrpSpPr>
-        <p:cNvPr id="1" name=""/>
-        <p:cNvGrpSpPr/>
-        <p:nvPr/>
-      </p:nvGrpSpPr>
-      <p:grpSpPr>
-        <a:xfrm>
-          <a:off x="0" y="0"/>
-          <a:ext cx="0" cy="0"/>
-          <a:chOff x="0" y="0"/>
-          <a:chExt cx="0" cy="0"/>
-        </a:xfrm>
-      </p:grpSpPr>
-      <p:sp>
-        <p:nvSpPr>
-          <p:cNvPr id="2" name="Title 1"/>
-          <p:cNvSpPr>
-            <a:spLocks noGrp="1"/>
-          </p:cNvSpPr>
-          <p:nvPr>
-            <p:ph type="title"/>
-          </p:nvPr>
-        </p:nvSpPr>
-        <p:spPr>
-          <a:xfrm>
-            <a:off x="866441" y="1447800"/>
-            <a:ext cx="2551462" cy="1447800"/>
-          </a:xfrm>
-        </p:spPr>
-        <p:txBody>
-          <a:bodyPr anchor="b"/>
-          <a:lstStyle>
-            <a:lvl1pPr algn="l">
-              <a:defRPr sz="2400" b="0"/>
-            </a:lvl1pPr>
-          </a:lstStyle>
-          <a:p>
-            <a:r>
-              <a:rPr lang="en-US" smtClean="0"/>
-              <a:t>Click to edit Master title style</a:t>
-            </a:r>
-            <a:endParaRPr lang="en-US" dirty="0"/>
-          </a:p>
-        </p:txBody>
-      </p:sp>
-      <p:sp>
-        <p:nvSpPr>
-          <p:cNvPr id="3" name="Content Placeholder 2"/>
-          <p:cNvSpPr>
-            <a:spLocks noGrp="1"/>
-          </p:cNvSpPr>
-          <p:nvPr>
-            <p:ph idx="1"/>
-          </p:nvPr>
-        </p:nvSpPr>
-        <p:spPr>
-          <a:xfrm>
-            <a:off x="3589397" y="1447800"/>
-            <a:ext cx="3898013" cy="4572000"/>
-          </a:xfrm>
-        </p:spPr>
-        <p:txBody>
-          <a:bodyPr anchor="ctr">
-            <a:normAutofit/>
-          </a:bodyPr>
-          <a:lstStyle>
-            <a:lvl1pPr>
-              <a:defRPr sz="2000"/>
-            </a:lvl1pPr>
-            <a:lvl2pPr>
-              <a:defRPr sz="1800"/>
-            </a:lvl2pPr>
-            <a:lvl3pPr>
-              <a:defRPr sz="1600"/>
-            </a:lvl3pPr>
-            <a:lvl4pPr>
-              <a:defRPr sz="1400"/>
-            </a:lvl4pPr>
-            <a:lvl5pPr>
-              <a:defRPr sz="1400"/>
-            </a:lvl5pPr>
-            <a:lvl6pPr>
-              <a:defRPr sz="1400"/>
-            </a:lvl6pPr>
-            <a:lvl7pPr>
-              <a:defRPr sz="1400"/>
-            </a:lvl7pPr>
-            <a:lvl8pPr>
-              <a:defRPr sz="1400"/>
-            </a:lvl8pPr>
-            <a:lvl9pPr>
-              <a:defRPr sz="1400"/>
-            </a:lvl9pPr>
-          </a:lstStyle>
-          <a:p>
-            <a:pPr lvl="0"/>
-            <a:r>
-              <a:rPr lang="en-US" smtClean="0"/>
-              <a:t>Edit Master text styles</a:t>
-            </a:r>
-          </a:p>
-          <a:p>
-            <a:pPr lvl="1"/>
-            <a:r>
-              <a:rPr lang="en-US" smtClean="0"/>
-              <a:t>Second level</a:t>
-            </a:r>
-          </a:p>
-          <a:p>
-            <a:pPr lvl="2"/>
-            <a:r>
-              <a:rPr lang="en-US" smtClean="0"/>
-              <a:t>Third level</a:t>
-            </a:r>
-          </a:p>
-          <a:p>
-            <a:pPr lvl="3"/>
-            <a:r>
-              <a:rPr lang="en-US" smtClean="0"/>
-              <a:t>Fourth level</a:t>
-            </a:r>
-          </a:p>
-          <a:p>
-            <a:pPr lvl="4"/>
-            <a:r>
-              <a:rPr lang="en-US" smtClean="0"/>
-              <a:t>Fifth level</a:t>
-            </a:r>
-            <a:endParaRPr lang="en-US" dirty="0"/>
-          </a:p>
-        </p:txBody>
-      </p:sp>
-      <p:sp>
-        <p:nvSpPr>
-          <p:cNvPr id="4" name="Text Placeholder 3"/>
-          <p:cNvSpPr>
-            <a:spLocks noGrp="1"/>
-          </p:cNvSpPr>
-          <p:nvPr>
-            <p:ph type="body" sz="half" idx="2"/>
-          </p:nvPr>
-        </p:nvSpPr>
-        <p:spPr>
-          <a:xfrm>
-            <a:off x="866441" y="3129281"/>
-            <a:ext cx="2551462" cy="2895599"/>
-          </a:xfrm>
-        </p:spPr>
-        <p:txBody>
-          <a:bodyPr/>
-          <a:lstStyle>
-            <a:lvl1pPr marL="0" indent="0">
-              <a:buNone/>
-              <a:defRPr sz="1400"/>
-            </a:lvl1pPr>
-            <a:lvl2pPr marL="457200" indent="0">
-              <a:buNone/>
-              <a:defRPr sz="1200"/>
-            </a:lvl2pPr>
-            <a:lvl3pPr marL="914400" indent="0">
-              <a:buNone/>
-              <a:defRPr sz="1000"/>
-            </a:lvl3pPr>
-            <a:lvl4pPr marL="1371600" indent="0">
-              <a:buNone/>
-              <a:defRPr sz="900"/>
-            </a:lvl4pPr>
-            <a:lvl5pPr marL="1828800" indent="0">
-              <a:buNone/>
-              <a:defRPr sz="900"/>
-            </a:lvl5pPr>
-            <a:lvl6pPr marL="2286000" indent="0">
-              <a:buNone/>
-              <a:defRPr sz="900"/>
-            </a:lvl6pPr>
-            <a:lvl7pPr marL="2743200" indent="0">
-              <a:buNone/>
-              <a:defRPr sz="900"/>
-            </a:lvl7pPr>
-            <a:lvl8pPr marL="3200400" indent="0">
-              <a:buNone/>
-              <a:defRPr sz="900"/>
-            </a:lvl8pPr>
-            <a:lvl9pPr marL="3657600" indent="0">
-              <a:buNone/>
-              <a:defRPr sz="900"/>
-            </a:lvl9pPr>
-          </a:lstStyle>
-          <a:p>
-            <a:pPr lvl="0"/>
-            <a:r>
-              <a:rPr lang="en-US" smtClean="0"/>
-              <a:t>Edit Master text styles</a:t>
-            </a:r>
-          </a:p>
-        </p:txBody>
-      </p:sp>
-      <p:sp>
-        <p:nvSpPr>
-          <p:cNvPr id="7" name="Date Placeholder 4"/>
-          <p:cNvSpPr>
-            <a:spLocks noGrp="1"/>
-          </p:cNvSpPr>
-          <p:nvPr>
-            <p:ph type="dt" sz="half" idx="10"/>
-          </p:nvPr>
-        </p:nvSpPr>
-        <p:spPr/>
-        <p:txBody>
-          <a:bodyPr/>
-          <a:lstStyle/>
-          <a:p>
-            <a:fld id="{5304B120-E451-4703-BB6D-383487E6124E}" type="datetimeFigureOut">
-              <a:rPr lang="ru-RU" smtClean="0"/>
-              <a:t>29.10.2020</a:t>
-            </a:fld>
-            <a:endParaRPr lang="ru-RU"/>
-          </a:p>
-        </p:txBody>
-      </p:sp>
-      <p:sp>
-        <p:nvSpPr>
-          <p:cNvPr id="5" name="Footer Placeholder 5"/>
-          <p:cNvSpPr>
-            <a:spLocks noGrp="1"/>
-          </p:cNvSpPr>
-          <p:nvPr>
-            <p:ph type="ftr" sz="quarter" idx="11"/>
-          </p:nvPr>
-        </p:nvSpPr>
-        <p:spPr/>
-        <p:txBody>
-          <a:bodyPr/>
-          <a:lstStyle/>
-          <a:p>
-            <a:endParaRPr lang="ru-RU"/>
-          </a:p>
-        </p:txBody>
-      </p:sp>
-      <p:sp>
-        <p:nvSpPr>
-          <p:cNvPr id="6" name="Slide Number Placeholder 6"/>
-          <p:cNvSpPr>
-            <a:spLocks noGrp="1"/>
-          </p:cNvSpPr>
-          <p:nvPr>
-            <p:ph type="sldNum" sz="quarter" idx="12"/>
-          </p:nvPr>
-        </p:nvSpPr>
-        <p:spPr/>
-        <p:txBody>
-          <a:bodyPr/>
-          <a:lstStyle/>
-          <a:p>
-            <a:fld id="{3CCECE57-D6EC-4390-AA8E-56EFD3B0B4B5}" type="slidenum">
-              <a:rPr lang="ru-RU" smtClean="0"/>
-              <a:t>‹#›</a:t>
-            </a:fld>
-            <a:endParaRPr lang="ru-RU"/>
-          </a:p>
-        </p:txBody>
-      </p:sp>
-    </p:spTree>
-    <p:extLst>
-      <p:ext uri="{BB962C8B-B14F-4D97-AF65-F5344CB8AC3E}">
-        <p14:creationId xmlns:p14="http://schemas.microsoft.com/office/powerpoint/2010/main" val="4179365427"/>
-      </p:ext>
-    </p:extLst>
-  </p:cSld>
-  <p:clrMapOvr>
-    <a:masterClrMapping/>
-  </p:clrMapOvr>
-</p:sldLayout>
-</file>
-
-<file path=ppt/slideLayouts/slideLayout9.xml><?xml version="1.0" encoding="utf-8"?>
-<p:sldLayout xmlns:a="http://schemas.openxmlformats.org/drawingml/2006/main" xmlns:r="http://schemas.openxmlformats.org/officeDocument/2006/relationships" xmlns:p="http://schemas.openxmlformats.org/presentationml/2006/main" type="picTx" preserve="1">
-  <p:cSld name="Picture with Caption">
-    <p:spTree>
-      <p:nvGrpSpPr>
-        <p:cNvPr id="1" name=""/>
-        <p:cNvGrpSpPr/>
-        <p:nvPr/>
-      </p:nvGrpSpPr>
-      <p:grpSpPr>
-        <a:xfrm>
-          <a:off x="0" y="0"/>
-          <a:ext cx="0" cy="0"/>
-          <a:chOff x="0" y="0"/>
-          <a:chExt cx="0" cy="0"/>
-        </a:xfrm>
-      </p:grpSpPr>
-      <p:sp>
-        <p:nvSpPr>
-          <p:cNvPr id="2" name="Title 1"/>
-          <p:cNvSpPr>
-            <a:spLocks noGrp="1"/>
-          </p:cNvSpPr>
-          <p:nvPr>
-            <p:ph type="title"/>
-          </p:nvPr>
-        </p:nvSpPr>
-        <p:spPr>
-          <a:xfrm>
-            <a:off x="865656" y="1854192"/>
-            <a:ext cx="3820674" cy="1574808"/>
-          </a:xfrm>
-        </p:spPr>
-        <p:txBody>
-          <a:bodyPr anchor="b">
-            <a:normAutofit/>
-          </a:bodyPr>
-          <a:lstStyle>
-            <a:lvl1pPr algn="l">
-              <a:defRPr sz="3600" b="0"/>
-            </a:lvl1pPr>
-          </a:lstStyle>
-          <a:p>
-            <a:r>
-              <a:rPr lang="en-US" smtClean="0"/>
-              <a:t>Click to edit Master title style</a:t>
-            </a:r>
-            <a:endParaRPr lang="en-US" dirty="0"/>
-          </a:p>
-        </p:txBody>
-      </p:sp>
-      <p:sp>
-        <p:nvSpPr>
-          <p:cNvPr id="3" name="Picture Placeholder 2"/>
-          <p:cNvSpPr>
-            <a:spLocks noGrp="1" noChangeAspect="1"/>
-          </p:cNvSpPr>
-          <p:nvPr>
-            <p:ph type="pic" idx="1"/>
-          </p:nvPr>
-        </p:nvSpPr>
-        <p:spPr>
-          <a:xfrm>
-            <a:off x="5213517" y="1143000"/>
-            <a:ext cx="2400925" cy="4572000"/>
-          </a:xfrm>
-          <a:prstGeom prst="roundRect">
-            <a:avLst>
-              <a:gd name="adj" fmla="val 1858"/>
-            </a:avLst>
-          </a:prstGeom>
-          <a:effectLst>
-            <a:outerShdw blurRad="50800" dist="50800" dir="5400000" algn="tl" rotWithShape="0">
-              <a:srgbClr val="000000">
-                <a:alpha val="43000"/>
-              </a:srgbClr>
-            </a:outerShdw>
-          </a:effectLst>
-        </p:spPr>
-        <p:txBody>
-          <a:bodyPr anchor="t">
-            <a:normAutofit/>
-          </a:bodyPr>
-          <a:lstStyle>
-            <a:lvl1pPr marL="0" indent="0" algn="ctr">
-              <a:buNone/>
-              <a:defRPr sz="1600"/>
-            </a:lvl1pPr>
-            <a:lvl2pPr marL="457200" indent="0">
-              <a:buNone/>
-              <a:defRPr sz="1600"/>
-            </a:lvl2pPr>
-            <a:lvl3pPr marL="914400" indent="0">
-              <a:buNone/>
-              <a:defRPr sz="1600"/>
-            </a:lvl3pPr>
-            <a:lvl4pPr marL="1371600" indent="0">
-              <a:buNone/>
-              <a:defRPr sz="1600"/>
-            </a:lvl4pPr>
-            <a:lvl5pPr marL="1828800" indent="0">
-              <a:buNone/>
-              <a:defRPr sz="1600"/>
-            </a:lvl5pPr>
-            <a:lvl6pPr marL="2286000" indent="0">
-              <a:buNone/>
-              <a:defRPr sz="1600"/>
-            </a:lvl6pPr>
-            <a:lvl7pPr marL="2743200" indent="0">
-              <a:buNone/>
-              <a:defRPr sz="1600"/>
-            </a:lvl7pPr>
-            <a:lvl8pPr marL="3200400" indent="0">
-              <a:buNone/>
-              <a:defRPr sz="1600"/>
-            </a:lvl8pPr>
-            <a:lvl9pPr marL="3657600" indent="0">
-              <a:buNone/>
-              <a:defRPr sz="1600"/>
-            </a:lvl9pPr>
-          </a:lstStyle>
-          <a:p>
-            <a:r>
-              <a:rPr lang="en-US" smtClean="0"/>
-              <a:t>Click icon to add picture</a:t>
-            </a:r>
-            <a:endParaRPr lang="en-US" dirty="0"/>
-          </a:p>
-        </p:txBody>
-      </p:sp>
-      <p:sp>
-        <p:nvSpPr>
-          <p:cNvPr id="4" name="Text Placeholder 3"/>
-          <p:cNvSpPr>
-            <a:spLocks noGrp="1"/>
-          </p:cNvSpPr>
-          <p:nvPr>
-            <p:ph type="body" sz="half" idx="2"/>
-          </p:nvPr>
-        </p:nvSpPr>
-        <p:spPr>
-          <a:xfrm>
-            <a:off x="866441" y="3657600"/>
-            <a:ext cx="3814728" cy="1371600"/>
-          </a:xfrm>
-        </p:spPr>
-        <p:txBody>
-          <a:bodyPr>
-            <a:normAutofit/>
-          </a:bodyPr>
-          <a:lstStyle>
-            <a:lvl1pPr marL="0" indent="0">
-              <a:buNone/>
-              <a:defRPr sz="1400"/>
-            </a:lvl1pPr>
-            <a:lvl2pPr marL="457200" indent="0">
-              <a:buNone/>
-              <a:defRPr sz="1200"/>
-            </a:lvl2pPr>
-            <a:lvl3pPr marL="914400" indent="0">
-              <a:buNone/>
-              <a:defRPr sz="1000"/>
-            </a:lvl3pPr>
-            <a:lvl4pPr marL="1371600" indent="0">
-              <a:buNone/>
-              <a:defRPr sz="900"/>
-            </a:lvl4pPr>
-            <a:lvl5pPr marL="1828800" indent="0">
-              <a:buNone/>
-              <a:defRPr sz="900"/>
-            </a:lvl5pPr>
-            <a:lvl6pPr marL="2286000" indent="0">
-              <a:buNone/>
-              <a:defRPr sz="900"/>
-            </a:lvl6pPr>
-            <a:lvl7pPr marL="2743200" indent="0">
-              <a:buNone/>
-              <a:defRPr sz="900"/>
-            </a:lvl7pPr>
-            <a:lvl8pPr marL="3200400" indent="0">
-              <a:buNone/>
-              <a:defRPr sz="900"/>
-            </a:lvl8pPr>
-            <a:lvl9pPr marL="3657600" indent="0">
-              <a:buNone/>
-              <a:defRPr sz="900"/>
-            </a:lvl9pPr>
-          </a:lstStyle>
-          <a:p>
-            <a:pPr lvl="0"/>
-            <a:r>
-              <a:rPr lang="en-US" smtClean="0"/>
-              <a:t>Edit Master text styles</a:t>
-            </a:r>
-          </a:p>
-        </p:txBody>
-      </p:sp>
-      <p:sp>
-        <p:nvSpPr>
-          <p:cNvPr id="5" name="Date Placeholder 4"/>
-          <p:cNvSpPr>
-            <a:spLocks noGrp="1"/>
-          </p:cNvSpPr>
-          <p:nvPr>
-            <p:ph type="dt" sz="half" idx="10"/>
-          </p:nvPr>
-        </p:nvSpPr>
-        <p:spPr/>
-        <p:txBody>
-          <a:bodyPr/>
-          <a:lstStyle/>
-          <a:p>
-            <a:fld id="{5304B120-E451-4703-BB6D-383487E6124E}" type="datetimeFigureOut">
-              <a:rPr lang="ru-RU" smtClean="0"/>
-              <a:t>29.10.2020</a:t>
-            </a:fld>
-            <a:endParaRPr lang="ru-RU"/>
-          </a:p>
-        </p:txBody>
-      </p:sp>
-      <p:sp>
-        <p:nvSpPr>
-          <p:cNvPr id="6" name="Footer Placeholder 5"/>
-          <p:cNvSpPr>
-            <a:spLocks noGrp="1"/>
-          </p:cNvSpPr>
-          <p:nvPr>
-            <p:ph type="ftr" sz="quarter" idx="11"/>
-          </p:nvPr>
-        </p:nvSpPr>
-        <p:spPr/>
-        <p:txBody>
-          <a:bodyPr/>
-          <a:lstStyle/>
-          <a:p>
-            <a:endParaRPr lang="ru-RU"/>
-          </a:p>
-        </p:txBody>
-      </p:sp>
-      <p:sp>
-        <p:nvSpPr>
-          <p:cNvPr id="7" name="Slide Number Placeholder 6"/>
-          <p:cNvSpPr>
-            <a:spLocks noGrp="1"/>
-          </p:cNvSpPr>
-          <p:nvPr>
-            <p:ph type="sldNum" sz="quarter" idx="12"/>
-          </p:nvPr>
-        </p:nvSpPr>
-        <p:spPr/>
-        <p:txBody>
-          <a:bodyPr/>
-          <a:lstStyle/>
-          <a:p>
-            <a:fld id="{3CCECE57-D6EC-4390-AA8E-56EFD3B0B4B5}" type="slidenum">
-              <a:rPr lang="ru-RU" smtClean="0"/>
-              <a:t>‹#›</a:t>
-            </a:fld>
-            <a:endParaRPr lang="ru-RU"/>
-          </a:p>
-        </p:txBody>
-      </p:sp>
-    </p:spTree>
-    <p:extLst>
-      <p:ext uri="{BB962C8B-B14F-4D97-AF65-F5344CB8AC3E}">
-        <p14:creationId xmlns:p14="http://schemas.microsoft.com/office/powerpoint/2010/main" val="1929495964"/>
+        <p14:creationId xmlns:p14="http://schemas.microsoft.com/office/powerpoint/2010/main" val="1556365897"/>
       </p:ext>
     </p:extLst>
   </p:cSld>
@@ -5179,7 +2429,7 @@
 <p:sldMaster xmlns:a="http://schemas.openxmlformats.org/drawingml/2006/main" xmlns:r="http://schemas.openxmlformats.org/officeDocument/2006/relationships" xmlns:p="http://schemas.openxmlformats.org/presentationml/2006/main">
   <p:cSld>
     <p:bg>
-      <p:bgRef idx="1002">
+      <p:bgRef idx="1001">
         <a:schemeClr val="bg1"/>
       </p:bgRef>
     </p:bg>
@@ -5199,358 +2449,7 @@
       </p:grpSpPr>
       <p:sp>
         <p:nvSpPr>
-          <p:cNvPr id="22" name="Oval 21"/>
-          <p:cNvSpPr/>
-          <p:nvPr/>
-        </p:nvSpPr>
-        <p:spPr>
-          <a:xfrm>
-            <a:off x="6299432" y="1676400"/>
-            <a:ext cx="2819400" cy="2819400"/>
-          </a:xfrm>
-          <a:prstGeom prst="ellipse">
-            <a:avLst/>
-          </a:prstGeom>
-          <a:gradFill flip="none" rotWithShape="1">
-            <a:gsLst>
-              <a:gs pos="0">
-                <a:schemeClr val="bg2">
-                  <a:lumMod val="40000"/>
-                  <a:lumOff val="60000"/>
-                  <a:alpha val="7000"/>
-                </a:schemeClr>
-              </a:gs>
-              <a:gs pos="69000">
-                <a:schemeClr val="bg2">
-                  <a:lumMod val="40000"/>
-                  <a:lumOff val="60000"/>
-                  <a:alpha val="0"/>
-                </a:schemeClr>
-              </a:gs>
-              <a:gs pos="36000">
-                <a:schemeClr val="bg2">
-                  <a:lumMod val="40000"/>
-                  <a:lumOff val="60000"/>
-                  <a:alpha val="6000"/>
-                </a:schemeClr>
-              </a:gs>
-            </a:gsLst>
-            <a:path path="circle">
-              <a:fillToRect l="50000" t="50000" r="50000" b="50000"/>
-            </a:path>
-            <a:tileRect/>
-          </a:gradFill>
-          <a:ln>
-            <a:noFill/>
-          </a:ln>
-          <a:effectLst/>
-        </p:spPr>
-        <p:style>
-          <a:lnRef idx="1">
-            <a:schemeClr val="accent1"/>
-          </a:lnRef>
-          <a:fillRef idx="3">
-            <a:schemeClr val="accent1"/>
-          </a:fillRef>
-          <a:effectRef idx="2">
-            <a:schemeClr val="accent1"/>
-          </a:effectRef>
-          <a:fontRef idx="minor">
-            <a:schemeClr val="lt1"/>
-          </a:fontRef>
-        </p:style>
-      </p:sp>
-      <p:sp>
-        <p:nvSpPr>
-          <p:cNvPr id="23" name="Oval 22"/>
-          <p:cNvSpPr/>
-          <p:nvPr/>
-        </p:nvSpPr>
-        <p:spPr>
-          <a:xfrm>
-            <a:off x="5689832" y="-457200"/>
-            <a:ext cx="1600200" cy="1600200"/>
-          </a:xfrm>
-          <a:prstGeom prst="ellipse">
-            <a:avLst/>
-          </a:prstGeom>
-          <a:gradFill flip="none" rotWithShape="1">
-            <a:gsLst>
-              <a:gs pos="0">
-                <a:schemeClr val="bg2">
-                  <a:lumMod val="40000"/>
-                  <a:lumOff val="60000"/>
-                  <a:alpha val="14000"/>
-                </a:schemeClr>
-              </a:gs>
-              <a:gs pos="73000">
-                <a:schemeClr val="bg2">
-                  <a:lumMod val="40000"/>
-                  <a:lumOff val="60000"/>
-                  <a:alpha val="0"/>
-                </a:schemeClr>
-              </a:gs>
-              <a:gs pos="36000">
-                <a:schemeClr val="bg2">
-                  <a:lumMod val="40000"/>
-                  <a:lumOff val="60000"/>
-                  <a:alpha val="7000"/>
-                </a:schemeClr>
-              </a:gs>
-            </a:gsLst>
-            <a:path path="circle">
-              <a:fillToRect l="50000" t="50000" r="50000" b="50000"/>
-            </a:path>
-            <a:tileRect/>
-          </a:gradFill>
-          <a:ln>
-            <a:noFill/>
-          </a:ln>
-          <a:effectLst/>
-        </p:spPr>
-        <p:style>
-          <a:lnRef idx="1">
-            <a:schemeClr val="accent1"/>
-          </a:lnRef>
-          <a:fillRef idx="3">
-            <a:schemeClr val="accent1"/>
-          </a:fillRef>
-          <a:effectRef idx="2">
-            <a:schemeClr val="accent1"/>
-          </a:effectRef>
-          <a:fontRef idx="minor">
-            <a:schemeClr val="lt1"/>
-          </a:fontRef>
-        </p:style>
-      </p:sp>
-      <p:sp>
-        <p:nvSpPr>
-          <p:cNvPr id="24" name="Oval 23"/>
-          <p:cNvSpPr/>
-          <p:nvPr/>
-        </p:nvSpPr>
-        <p:spPr>
-          <a:xfrm>
-            <a:off x="6299432" y="6096000"/>
-            <a:ext cx="990600" cy="990600"/>
-          </a:xfrm>
-          <a:prstGeom prst="ellipse">
-            <a:avLst/>
-          </a:prstGeom>
-          <a:gradFill flip="none" rotWithShape="1">
-            <a:gsLst>
-              <a:gs pos="0">
-                <a:schemeClr val="bg2">
-                  <a:lumMod val="40000"/>
-                  <a:lumOff val="60000"/>
-                  <a:alpha val="14000"/>
-                </a:schemeClr>
-              </a:gs>
-              <a:gs pos="66000">
-                <a:schemeClr val="bg2">
-                  <a:lumMod val="40000"/>
-                  <a:lumOff val="60000"/>
-                  <a:alpha val="0"/>
-                </a:schemeClr>
-              </a:gs>
-              <a:gs pos="36000">
-                <a:schemeClr val="bg2">
-                  <a:lumMod val="40000"/>
-                  <a:lumOff val="60000"/>
-                  <a:alpha val="7000"/>
-                </a:schemeClr>
-              </a:gs>
-            </a:gsLst>
-            <a:path path="circle">
-              <a:fillToRect l="50000" t="50000" r="50000" b="50000"/>
-            </a:path>
-            <a:tileRect/>
-          </a:gradFill>
-          <a:ln>
-            <a:noFill/>
-          </a:ln>
-          <a:effectLst/>
-        </p:spPr>
-        <p:style>
-          <a:lnRef idx="1">
-            <a:schemeClr val="accent1"/>
-          </a:lnRef>
-          <a:fillRef idx="3">
-            <a:schemeClr val="accent1"/>
-          </a:fillRef>
-          <a:effectRef idx="2">
-            <a:schemeClr val="accent1"/>
-          </a:effectRef>
-          <a:fontRef idx="minor">
-            <a:schemeClr val="lt1"/>
-          </a:fontRef>
-        </p:style>
-      </p:sp>
-      <p:sp>
-        <p:nvSpPr>
-          <p:cNvPr id="20" name="Oval 19"/>
-          <p:cNvSpPr/>
-          <p:nvPr/>
-        </p:nvSpPr>
-        <p:spPr>
-          <a:xfrm>
-            <a:off x="-153988" y="2667000"/>
-            <a:ext cx="4191000" cy="4191000"/>
-          </a:xfrm>
-          <a:prstGeom prst="ellipse">
-            <a:avLst/>
-          </a:prstGeom>
-          <a:gradFill flip="none" rotWithShape="1">
-            <a:gsLst>
-              <a:gs pos="0">
-                <a:schemeClr val="bg2">
-                  <a:lumMod val="40000"/>
-                  <a:lumOff val="60000"/>
-                  <a:alpha val="11000"/>
-                </a:schemeClr>
-              </a:gs>
-              <a:gs pos="75000">
-                <a:schemeClr val="bg2">
-                  <a:lumMod val="40000"/>
-                  <a:lumOff val="60000"/>
-                  <a:alpha val="0"/>
-                </a:schemeClr>
-              </a:gs>
-              <a:gs pos="36000">
-                <a:schemeClr val="bg2">
-                  <a:lumMod val="40000"/>
-                  <a:lumOff val="60000"/>
-                  <a:alpha val="10000"/>
-                </a:schemeClr>
-              </a:gs>
-            </a:gsLst>
-            <a:path path="circle">
-              <a:fillToRect l="50000" t="50000" r="50000" b="50000"/>
-            </a:path>
-            <a:tileRect/>
-          </a:gradFill>
-          <a:ln>
-            <a:noFill/>
-          </a:ln>
-          <a:effectLst/>
-        </p:spPr>
-        <p:style>
-          <a:lnRef idx="1">
-            <a:schemeClr val="accent1"/>
-          </a:lnRef>
-          <a:fillRef idx="3">
-            <a:schemeClr val="accent1"/>
-          </a:fillRef>
-          <a:effectRef idx="2">
-            <a:schemeClr val="accent1"/>
-          </a:effectRef>
-          <a:fontRef idx="minor">
-            <a:schemeClr val="lt1"/>
-          </a:fontRef>
-        </p:style>
-      </p:sp>
-      <p:sp>
-        <p:nvSpPr>
-          <p:cNvPr id="21" name="Oval 20"/>
-          <p:cNvSpPr/>
-          <p:nvPr/>
-        </p:nvSpPr>
-        <p:spPr>
-          <a:xfrm>
-            <a:off x="-839788" y="2895600"/>
-            <a:ext cx="2362200" cy="2362200"/>
-          </a:xfrm>
-          <a:prstGeom prst="ellipse">
-            <a:avLst/>
-          </a:prstGeom>
-          <a:gradFill flip="none" rotWithShape="1">
-            <a:gsLst>
-              <a:gs pos="0">
-                <a:schemeClr val="bg2">
-                  <a:lumMod val="40000"/>
-                  <a:lumOff val="60000"/>
-                  <a:alpha val="8000"/>
-                </a:schemeClr>
-              </a:gs>
-              <a:gs pos="72000">
-                <a:schemeClr val="bg2">
-                  <a:lumMod val="40000"/>
-                  <a:lumOff val="60000"/>
-                  <a:alpha val="0"/>
-                </a:schemeClr>
-              </a:gs>
-              <a:gs pos="36000">
-                <a:schemeClr val="bg2">
-                  <a:lumMod val="40000"/>
-                  <a:lumOff val="60000"/>
-                  <a:alpha val="8000"/>
-                </a:schemeClr>
-              </a:gs>
-            </a:gsLst>
-            <a:path path="circle">
-              <a:fillToRect l="50000" t="50000" r="50000" b="50000"/>
-            </a:path>
-            <a:tileRect/>
-          </a:gradFill>
-          <a:ln>
-            <a:noFill/>
-          </a:ln>
-          <a:effectLst/>
-        </p:spPr>
-        <p:style>
-          <a:lnRef idx="1">
-            <a:schemeClr val="accent1"/>
-          </a:lnRef>
-          <a:fillRef idx="3">
-            <a:schemeClr val="accent1"/>
-          </a:fillRef>
-          <a:effectRef idx="2">
-            <a:schemeClr val="accent1"/>
-          </a:effectRef>
-          <a:fontRef idx="minor">
-            <a:schemeClr val="lt1"/>
-          </a:fontRef>
-        </p:style>
-      </p:sp>
-      <p:sp>
-        <p:nvSpPr>
-          <p:cNvPr id="19" name="Rectangle 18"/>
-          <p:cNvSpPr/>
-          <p:nvPr/>
-        </p:nvSpPr>
-        <p:spPr>
-          <a:xfrm>
-            <a:off x="7745644" y="0"/>
-            <a:ext cx="685800" cy="1099458"/>
-          </a:xfrm>
-          <a:prstGeom prst="rect">
-            <a:avLst/>
-          </a:prstGeom>
-          <a:solidFill>
-            <a:schemeClr val="accent1"/>
-          </a:solidFill>
-          <a:ln>
-            <a:noFill/>
-          </a:ln>
-        </p:spPr>
-        <p:style>
-          <a:lnRef idx="1">
-            <a:schemeClr val="accent1"/>
-          </a:lnRef>
-          <a:fillRef idx="3">
-            <a:schemeClr val="accent1"/>
-          </a:fillRef>
-          <a:effectRef idx="2">
-            <a:schemeClr val="accent1"/>
-          </a:effectRef>
-          <a:fontRef idx="minor">
-            <a:schemeClr val="lt1"/>
-          </a:fontRef>
-        </p:style>
-      </p:sp>
-      <p:sp>
-        <p:nvSpPr>
-          <p:cNvPr id="2" name="Title Placeholder 1"/>
+          <p:cNvPr id="2" name="Заголовок 1"/>
           <p:cNvSpPr>
             <a:spLocks noGrp="1"/>
           </p:cNvSpPr>
@@ -5560,30 +2459,29 @@
         </p:nvSpPr>
         <p:spPr>
           <a:xfrm>
-            <a:off x="484710" y="452718"/>
-            <a:ext cx="7055380" cy="1400530"/>
+            <a:off x="628650" y="365126"/>
+            <a:ext cx="7886700" cy="1325563"/>
           </a:xfrm>
           <a:prstGeom prst="rect">
             <a:avLst/>
           </a:prstGeom>
         </p:spPr>
         <p:txBody>
-          <a:bodyPr vert="horz" lIns="91440" tIns="45720" rIns="91440" bIns="45720" rtlCol="0" anchor="t">
-            <a:noAutofit/>
+          <a:bodyPr vert="horz" lIns="91440" tIns="45720" rIns="91440" bIns="45720" rtlCol="0" anchor="ctr">
+            <a:normAutofit/>
           </a:bodyPr>
           <a:lstStyle/>
           <a:p>
             <a:r>
-              <a:rPr lang="en-US" smtClean="0"/>
-              <a:t>Click to edit Master title style</a:t>
-            </a:r>
-            <a:endParaRPr lang="en-US" dirty="0"/>
+              <a:rPr lang="ru-RU"/>
+              <a:t>Образец заголовка</a:t>
+            </a:r>
           </a:p>
         </p:txBody>
       </p:sp>
       <p:sp>
         <p:nvSpPr>
-          <p:cNvPr id="3" name="Text Placeholder 2"/>
+          <p:cNvPr id="3" name="Текст 2"/>
           <p:cNvSpPr>
             <a:spLocks noGrp="1"/>
           </p:cNvSpPr>
@@ -5593,8 +2491,8 @@
         </p:nvSpPr>
         <p:spPr>
           <a:xfrm>
-            <a:off x="827700" y="2052925"/>
-            <a:ext cx="6711654" cy="4195481"/>
+            <a:off x="628650" y="1825625"/>
+            <a:ext cx="7886700" cy="4351338"/>
           </a:xfrm>
           <a:prstGeom prst="rect">
             <a:avLst/>
@@ -5608,44 +2506,43 @@
           <a:p>
             <a:pPr lvl="0"/>
             <a:r>
-              <a:rPr lang="en-US" smtClean="0"/>
-              <a:t>Edit Master text styles</a:t>
+              <a:rPr lang="ru-RU"/>
+              <a:t>Образец текста</a:t>
             </a:r>
           </a:p>
           <a:p>
             <a:pPr lvl="1"/>
             <a:r>
-              <a:rPr lang="en-US" smtClean="0"/>
-              <a:t>Second level</a:t>
+              <a:rPr lang="ru-RU"/>
+              <a:t>Второй уровень</a:t>
             </a:r>
           </a:p>
           <a:p>
             <a:pPr lvl="2"/>
             <a:r>
-              <a:rPr lang="en-US" smtClean="0"/>
-              <a:t>Third level</a:t>
+              <a:rPr lang="ru-RU"/>
+              <a:t>Третий уровень</a:t>
             </a:r>
           </a:p>
           <a:p>
             <a:pPr lvl="3"/>
             <a:r>
-              <a:rPr lang="en-US" smtClean="0"/>
-              <a:t>Fourth level</a:t>
+              <a:rPr lang="ru-RU"/>
+              <a:t>Четвертый уровень</a:t>
             </a:r>
           </a:p>
           <a:p>
             <a:pPr lvl="4"/>
             <a:r>
-              <a:rPr lang="en-US" smtClean="0"/>
-              <a:t>Fifth level</a:t>
-            </a:r>
-            <a:endParaRPr lang="en-US" dirty="0"/>
+              <a:rPr lang="ru-RU"/>
+              <a:t>Пятый уровень</a:t>
+            </a:r>
           </a:p>
         </p:txBody>
       </p:sp>
       <p:sp>
         <p:nvSpPr>
-          <p:cNvPr id="4" name="Date Placeholder 3"/>
+          <p:cNvPr id="4" name="Дата 3"/>
           <p:cNvSpPr>
             <a:spLocks noGrp="1"/>
           </p:cNvSpPr>
@@ -5654,23 +2551,22 @@
           </p:nvPr>
         </p:nvSpPr>
         <p:spPr>
-          <a:xfrm rot="5400000">
-            <a:off x="7494989" y="1828771"/>
-            <a:ext cx="990599" cy="228659"/>
+          <a:xfrm>
+            <a:off x="628650" y="6356351"/>
+            <a:ext cx="2057400" cy="365125"/>
           </a:xfrm>
           <a:prstGeom prst="rect">
             <a:avLst/>
           </a:prstGeom>
         </p:spPr>
         <p:txBody>
-          <a:bodyPr vert="horz" lIns="91440" tIns="45720" rIns="91440" bIns="45720" rtlCol="0" anchor="t"/>
+          <a:bodyPr vert="horz" lIns="91440" tIns="45720" rIns="91440" bIns="45720" rtlCol="0" anchor="ctr"/>
           <a:lstStyle>
             <a:lvl1pPr algn="l">
-              <a:defRPr sz="1100" b="0" i="0">
+              <a:defRPr sz="900">
                 <a:solidFill>
                   <a:schemeClr val="tx1">
                     <a:tint val="75000"/>
-                    <a:alpha val="60000"/>
                   </a:schemeClr>
                 </a:solidFill>
               </a:defRPr>
@@ -5679,7 +2575,7 @@
           <a:p>
             <a:fld id="{5304B120-E451-4703-BB6D-383487E6124E}" type="datetimeFigureOut">
               <a:rPr lang="ru-RU" smtClean="0"/>
-              <a:t>29.10.2020</a:t>
+              <a:t>30.10.2020</a:t>
             </a:fld>
             <a:endParaRPr lang="ru-RU"/>
           </a:p>
@@ -5687,7 +2583,7 @@
       </p:sp>
       <p:sp>
         <p:nvSpPr>
-          <p:cNvPr id="5" name="Footer Placeholder 4"/>
+          <p:cNvPr id="5" name="Нижний колонтитул 4"/>
           <p:cNvSpPr>
             <a:spLocks noGrp="1"/>
           </p:cNvSpPr>
@@ -5696,23 +2592,22 @@
           </p:nvPr>
         </p:nvSpPr>
         <p:spPr>
-          <a:xfrm rot="5400000">
-            <a:off x="6233335" y="3263371"/>
-            <a:ext cx="3859795" cy="228660"/>
+          <a:xfrm>
+            <a:off x="3028950" y="6356351"/>
+            <a:ext cx="3086100" cy="365125"/>
           </a:xfrm>
           <a:prstGeom prst="rect">
             <a:avLst/>
           </a:prstGeom>
         </p:spPr>
         <p:txBody>
-          <a:bodyPr vert="horz" lIns="91440" tIns="45720" rIns="91440" bIns="45720" rtlCol="0" anchor="b"/>
+          <a:bodyPr vert="horz" lIns="91440" tIns="45720" rIns="91440" bIns="45720" rtlCol="0" anchor="ctr"/>
           <a:lstStyle>
-            <a:lvl1pPr algn="l">
-              <a:defRPr sz="1100" b="0" i="0">
+            <a:lvl1pPr algn="ctr">
+              <a:defRPr sz="900">
                 <a:solidFill>
                   <a:schemeClr val="tx1">
                     <a:tint val="75000"/>
-                    <a:alpha val="60000"/>
                   </a:schemeClr>
                 </a:solidFill>
               </a:defRPr>
@@ -5725,7 +2620,7 @@
       </p:sp>
       <p:sp>
         <p:nvSpPr>
-          <p:cNvPr id="6" name="Slide Number Placeholder 5"/>
+          <p:cNvPr id="6" name="Номер слайда 5"/>
           <p:cNvSpPr>
             <a:spLocks noGrp="1"/>
           </p:cNvSpPr>
@@ -5735,18 +2630,18 @@
         </p:nvSpPr>
         <p:spPr>
           <a:xfrm>
-            <a:off x="7766431" y="295736"/>
-            <a:ext cx="628813" cy="767687"/>
+            <a:off x="6457950" y="6356351"/>
+            <a:ext cx="2057400" cy="365125"/>
           </a:xfrm>
           <a:prstGeom prst="rect">
             <a:avLst/>
           </a:prstGeom>
         </p:spPr>
         <p:txBody>
-          <a:bodyPr vert="horz" lIns="91440" tIns="45720" rIns="91440" bIns="45720" rtlCol="0" anchor="b"/>
+          <a:bodyPr vert="horz" lIns="91440" tIns="45720" rIns="91440" bIns="45720" rtlCol="0" anchor="ctr"/>
           <a:lstStyle>
-            <a:lvl1pPr algn="ctr">
-              <a:defRPr sz="2801" b="0" i="0">
+            <a:lvl1pPr algn="r">
+              <a:defRPr sz="900">
                 <a:solidFill>
                   <a:schemeClr val="tx1">
                     <a:tint val="75000"/>
@@ -5767,118 +2662,35 @@
     </p:spTree>
     <p:extLst>
       <p:ext uri="{BB962C8B-B14F-4D97-AF65-F5344CB8AC3E}">
-        <p14:creationId xmlns:p14="http://schemas.microsoft.com/office/powerpoint/2010/main" val="901527508"/>
+        <p14:creationId xmlns:p14="http://schemas.microsoft.com/office/powerpoint/2010/main" val="3446082540"/>
       </p:ext>
     </p:extLst>
   </p:cSld>
-  <p:clrMap bg1="dk1" tx1="lt1" bg2="dk2" tx2="lt2" accent1="accent1" accent2="accent2" accent3="accent3" accent4="accent4" accent5="accent5" accent6="accent6" hlink="hlink" folHlink="folHlink"/>
+  <p:clrMap bg1="lt1" tx1="dk1" bg2="lt2" tx2="dk2" accent1="accent1" accent2="accent2" accent3="accent3" accent4="accent4" accent5="accent5" accent6="accent6" hlink="hlink" folHlink="folHlink"/>
   <p:sldLayoutIdLst>
-    <p:sldLayoutId id="2147483791" r:id="rId1"/>
-    <p:sldLayoutId id="2147483792" r:id="rId2"/>
-    <p:sldLayoutId id="2147483793" r:id="rId3"/>
-    <p:sldLayoutId id="2147483794" r:id="rId4"/>
-    <p:sldLayoutId id="2147483795" r:id="rId5"/>
-    <p:sldLayoutId id="2147483796" r:id="rId6"/>
-    <p:sldLayoutId id="2147483797" r:id="rId7"/>
-    <p:sldLayoutId id="2147483798" r:id="rId8"/>
-    <p:sldLayoutId id="2147483799" r:id="rId9"/>
-    <p:sldLayoutId id="2147483800" r:id="rId10"/>
-    <p:sldLayoutId id="2147483801" r:id="rId11"/>
-    <p:sldLayoutId id="2147483802" r:id="rId12"/>
-    <p:sldLayoutId id="2147483803" r:id="rId13"/>
-    <p:sldLayoutId id="2147483804" r:id="rId14"/>
-    <p:sldLayoutId id="2147483805" r:id="rId15"/>
-    <p:sldLayoutId id="2147483806" r:id="rId16"/>
-    <p:sldLayoutId id="2147483807" r:id="rId17"/>
+    <p:sldLayoutId id="2147483809" r:id="rId1"/>
+    <p:sldLayoutId id="2147483810" r:id="rId2"/>
+    <p:sldLayoutId id="2147483811" r:id="rId3"/>
+    <p:sldLayoutId id="2147483812" r:id="rId4"/>
+    <p:sldLayoutId id="2147483813" r:id="rId5"/>
+    <p:sldLayoutId id="2147483814" r:id="rId6"/>
+    <p:sldLayoutId id="2147483815" r:id="rId7"/>
+    <p:sldLayoutId id="2147483816" r:id="rId8"/>
+    <p:sldLayoutId id="2147483817" r:id="rId9"/>
+    <p:sldLayoutId id="2147483818" r:id="rId10"/>
+    <p:sldLayoutId id="2147483819" r:id="rId11"/>
   </p:sldLayoutIdLst>
   <p:txStyles>
     <p:titleStyle>
-      <a:lvl1pPr algn="l" defTabSz="457200" rtl="0" eaLnBrk="1" latinLnBrk="0" hangingPunct="1">
+      <a:lvl1pPr algn="l" defTabSz="685800" rtl="0" eaLnBrk="1" latinLnBrk="0" hangingPunct="1">
+        <a:lnSpc>
+          <a:spcPct val="90000"/>
+        </a:lnSpc>
         <a:spcBef>
           <a:spcPct val="0"/>
         </a:spcBef>
         <a:buNone/>
-        <a:defRPr sz="4200" b="0" i="0" kern="1200">
-          <a:solidFill>
-            <a:schemeClr val="tx2"/>
-          </a:solidFill>
-          <a:latin typeface="+mj-lt"/>
-          <a:ea typeface="+mj-ea"/>
-          <a:cs typeface="+mj-cs"/>
-        </a:defRPr>
-      </a:lvl1pPr>
-      <a:lvl2pPr eaLnBrk="1" hangingPunct="1">
-        <a:defRPr>
-          <a:solidFill>
-            <a:schemeClr val="tx2"/>
-          </a:solidFill>
-        </a:defRPr>
-      </a:lvl2pPr>
-      <a:lvl3pPr eaLnBrk="1" hangingPunct="1">
-        <a:defRPr>
-          <a:solidFill>
-            <a:schemeClr val="tx2"/>
-          </a:solidFill>
-        </a:defRPr>
-      </a:lvl3pPr>
-      <a:lvl4pPr eaLnBrk="1" hangingPunct="1">
-        <a:defRPr>
-          <a:solidFill>
-            <a:schemeClr val="tx2"/>
-          </a:solidFill>
-        </a:defRPr>
-      </a:lvl4pPr>
-      <a:lvl5pPr eaLnBrk="1" hangingPunct="1">
-        <a:defRPr>
-          <a:solidFill>
-            <a:schemeClr val="tx2"/>
-          </a:solidFill>
-        </a:defRPr>
-      </a:lvl5pPr>
-      <a:lvl6pPr eaLnBrk="1" hangingPunct="1">
-        <a:defRPr>
-          <a:solidFill>
-            <a:schemeClr val="tx2"/>
-          </a:solidFill>
-        </a:defRPr>
-      </a:lvl6pPr>
-      <a:lvl7pPr eaLnBrk="1" hangingPunct="1">
-        <a:defRPr>
-          <a:solidFill>
-            <a:schemeClr val="tx2"/>
-          </a:solidFill>
-        </a:defRPr>
-      </a:lvl7pPr>
-      <a:lvl8pPr eaLnBrk="1" hangingPunct="1">
-        <a:defRPr>
-          <a:solidFill>
-            <a:schemeClr val="tx2"/>
-          </a:solidFill>
-        </a:defRPr>
-      </a:lvl8pPr>
-      <a:lvl9pPr eaLnBrk="1" hangingPunct="1">
-        <a:defRPr>
-          <a:solidFill>
-            <a:schemeClr val="tx2"/>
-          </a:solidFill>
-        </a:defRPr>
-      </a:lvl9pPr>
-    </p:titleStyle>
-    <p:bodyStyle>
-      <a:lvl1pPr marL="342900" indent="-342900" algn="l" defTabSz="457200" rtl="0" eaLnBrk="1" latinLnBrk="0" hangingPunct="1">
-        <a:spcBef>
-          <a:spcPts val="1000"/>
-        </a:spcBef>
-        <a:spcAft>
-          <a:spcPts val="0"/>
-        </a:spcAft>
-        <a:buClr>
-          <a:schemeClr val="accent1"/>
-        </a:buClr>
-        <a:buSzPct val="80000"/>
-        <a:buFont typeface="Wingdings 3" charset="2"/>
-        <a:buChar char=""/>
-        <a:defRPr sz="2000" b="0" i="0" kern="1200">
+        <a:defRPr sz="3300" kern="1200">
           <a:solidFill>
             <a:schemeClr val="tx1"/>
           </a:solidFill>
@@ -5887,189 +2699,18 @@
           <a:cs typeface="+mj-cs"/>
         </a:defRPr>
       </a:lvl1pPr>
-      <a:lvl2pPr marL="742950" indent="-285750" algn="l" defTabSz="457200" rtl="0" eaLnBrk="1" latinLnBrk="0" hangingPunct="1">
+    </p:titleStyle>
+    <p:bodyStyle>
+      <a:lvl1pPr marL="171450" indent="-171450" algn="l" defTabSz="685800" rtl="0" eaLnBrk="1" latinLnBrk="0" hangingPunct="1">
+        <a:lnSpc>
+          <a:spcPct val="90000"/>
+        </a:lnSpc>
         <a:spcBef>
-          <a:spcPts val="1000"/>
+          <a:spcPts val="750"/>
         </a:spcBef>
-        <a:spcAft>
-          <a:spcPts val="0"/>
-        </a:spcAft>
-        <a:buClr>
-          <a:schemeClr val="accent1"/>
-        </a:buClr>
-        <a:buSzPct val="80000"/>
-        <a:buFont typeface="Wingdings 3" charset="2"/>
-        <a:buChar char=""/>
-        <a:defRPr sz="1800" b="0" i="0" kern="1200">
-          <a:solidFill>
-            <a:schemeClr val="tx1"/>
-          </a:solidFill>
-          <a:latin typeface="+mj-lt"/>
-          <a:ea typeface="+mj-ea"/>
-          <a:cs typeface="+mj-cs"/>
-        </a:defRPr>
-      </a:lvl2pPr>
-      <a:lvl3pPr marL="1143000" indent="-228600" algn="l" defTabSz="457200" rtl="0" eaLnBrk="1" latinLnBrk="0" hangingPunct="1">
-        <a:spcBef>
-          <a:spcPts val="1000"/>
-        </a:spcBef>
-        <a:spcAft>
-          <a:spcPts val="0"/>
-        </a:spcAft>
-        <a:buClr>
-          <a:schemeClr val="accent1"/>
-        </a:buClr>
-        <a:buSzPct val="80000"/>
-        <a:buFont typeface="Wingdings 3" charset="2"/>
-        <a:buChar char=""/>
-        <a:defRPr sz="1600" b="0" i="0" kern="1200">
-          <a:solidFill>
-            <a:schemeClr val="tx1"/>
-          </a:solidFill>
-          <a:latin typeface="+mj-lt"/>
-          <a:ea typeface="+mj-ea"/>
-          <a:cs typeface="+mj-cs"/>
-        </a:defRPr>
-      </a:lvl3pPr>
-      <a:lvl4pPr marL="1600200" indent="-228600" algn="l" defTabSz="457200" rtl="0" eaLnBrk="1" latinLnBrk="0" hangingPunct="1">
-        <a:spcBef>
-          <a:spcPts val="1000"/>
-        </a:spcBef>
-        <a:spcAft>
-          <a:spcPts val="0"/>
-        </a:spcAft>
-        <a:buClr>
-          <a:schemeClr val="accent1"/>
-        </a:buClr>
-        <a:buSzPct val="80000"/>
-        <a:buFont typeface="Wingdings 3" charset="2"/>
-        <a:buChar char=""/>
-        <a:defRPr sz="1400" b="0" i="0" kern="1200">
-          <a:solidFill>
-            <a:schemeClr val="tx1"/>
-          </a:solidFill>
-          <a:latin typeface="+mj-lt"/>
-          <a:ea typeface="+mj-ea"/>
-          <a:cs typeface="+mj-cs"/>
-        </a:defRPr>
-      </a:lvl4pPr>
-      <a:lvl5pPr marL="2057400" indent="-228600" algn="l" defTabSz="457200" rtl="0" eaLnBrk="1" latinLnBrk="0" hangingPunct="1">
-        <a:spcBef>
-          <a:spcPts val="1000"/>
-        </a:spcBef>
-        <a:spcAft>
-          <a:spcPts val="0"/>
-        </a:spcAft>
-        <a:buClr>
-          <a:schemeClr val="accent1"/>
-        </a:buClr>
-        <a:buSzPct val="80000"/>
-        <a:buFont typeface="Wingdings 3" charset="2"/>
-        <a:buChar char=""/>
-        <a:defRPr sz="1400" b="0" i="0" kern="1200">
-          <a:solidFill>
-            <a:schemeClr val="tx1"/>
-          </a:solidFill>
-          <a:latin typeface="+mj-lt"/>
-          <a:ea typeface="+mj-ea"/>
-          <a:cs typeface="+mj-cs"/>
-        </a:defRPr>
-      </a:lvl5pPr>
-      <a:lvl6pPr marL="2514600" indent="-228600" algn="l" defTabSz="457200" rtl="0" eaLnBrk="1" latinLnBrk="0" hangingPunct="1">
-        <a:spcBef>
-          <a:spcPts val="1000"/>
-        </a:spcBef>
-        <a:spcAft>
-          <a:spcPts val="0"/>
-        </a:spcAft>
-        <a:buClr>
-          <a:schemeClr val="accent1"/>
-        </a:buClr>
-        <a:buSzPct val="80000"/>
-        <a:buFont typeface="Wingdings 3" charset="2"/>
-        <a:buChar char=""/>
-        <a:defRPr sz="1400" b="0" i="0" kern="1200">
-          <a:solidFill>
-            <a:schemeClr val="tx1"/>
-          </a:solidFill>
-          <a:latin typeface="+mj-lt"/>
-          <a:ea typeface="+mj-ea"/>
-          <a:cs typeface="+mj-cs"/>
-        </a:defRPr>
-      </a:lvl6pPr>
-      <a:lvl7pPr marL="2971800" indent="-228600" algn="l" defTabSz="457200" rtl="0" eaLnBrk="1" latinLnBrk="0" hangingPunct="1">
-        <a:spcBef>
-          <a:spcPts val="1000"/>
-        </a:spcBef>
-        <a:spcAft>
-          <a:spcPts val="0"/>
-        </a:spcAft>
-        <a:buClr>
-          <a:schemeClr val="accent1"/>
-        </a:buClr>
-        <a:buSzPct val="80000"/>
-        <a:buFont typeface="Wingdings 3" charset="2"/>
-        <a:buChar char=""/>
-        <a:defRPr sz="1400" b="0" i="0" kern="1200">
-          <a:solidFill>
-            <a:schemeClr val="tx1"/>
-          </a:solidFill>
-          <a:latin typeface="+mj-lt"/>
-          <a:ea typeface="+mj-ea"/>
-          <a:cs typeface="+mj-cs"/>
-        </a:defRPr>
-      </a:lvl7pPr>
-      <a:lvl8pPr marL="3429000" indent="-228600" algn="l" defTabSz="457200" rtl="0" eaLnBrk="1" latinLnBrk="0" hangingPunct="1">
-        <a:spcBef>
-          <a:spcPts val="1000"/>
-        </a:spcBef>
-        <a:spcAft>
-          <a:spcPts val="0"/>
-        </a:spcAft>
-        <a:buClr>
-          <a:schemeClr val="accent1"/>
-        </a:buClr>
-        <a:buSzPct val="80000"/>
-        <a:buFont typeface="Wingdings 3" charset="2"/>
-        <a:buChar char=""/>
-        <a:defRPr sz="1400" b="0" i="0" kern="1200">
-          <a:solidFill>
-            <a:schemeClr val="tx1"/>
-          </a:solidFill>
-          <a:latin typeface="+mj-lt"/>
-          <a:ea typeface="+mj-ea"/>
-          <a:cs typeface="+mj-cs"/>
-        </a:defRPr>
-      </a:lvl8pPr>
-      <a:lvl9pPr marL="3886200" indent="-228600" algn="l" defTabSz="457200" rtl="0" eaLnBrk="1" latinLnBrk="0" hangingPunct="1">
-        <a:spcBef>
-          <a:spcPts val="1000"/>
-        </a:spcBef>
-        <a:spcAft>
-          <a:spcPts val="0"/>
-        </a:spcAft>
-        <a:buClr>
-          <a:schemeClr val="accent1"/>
-        </a:buClr>
-        <a:buSzPct val="80000"/>
-        <a:buFont typeface="Wingdings 3" charset="2"/>
-        <a:buChar char=""/>
-        <a:defRPr sz="1400" b="0" i="0" kern="1200">
-          <a:solidFill>
-            <a:schemeClr val="tx1"/>
-          </a:solidFill>
-          <a:latin typeface="+mj-lt"/>
-          <a:ea typeface="+mj-ea"/>
-          <a:cs typeface="+mj-cs"/>
-        </a:defRPr>
-      </a:lvl9pPr>
-    </p:bodyStyle>
-    <p:otherStyle>
-      <a:defPPr>
-        <a:defRPr lang="en-US"/>
-      </a:defPPr>
-      <a:lvl1pPr marL="0" algn="l" defTabSz="457200" rtl="0" eaLnBrk="1" latinLnBrk="0" hangingPunct="1">
-        <a:defRPr sz="1800" kern="1200">
+        <a:buFont typeface="Arial" panose="020B0604020202020204" pitchFamily="34" charset="0"/>
+        <a:buChar char="•"/>
+        <a:defRPr sz="2100" kern="1200">
           <a:solidFill>
             <a:schemeClr val="tx1"/>
           </a:solidFill>
@@ -6078,7 +2719,15 @@
           <a:cs typeface="+mn-cs"/>
         </a:defRPr>
       </a:lvl1pPr>
-      <a:lvl2pPr marL="457200" algn="l" defTabSz="457200" rtl="0" eaLnBrk="1" latinLnBrk="0" hangingPunct="1">
+      <a:lvl2pPr marL="514350" indent="-171450" algn="l" defTabSz="685800" rtl="0" eaLnBrk="1" latinLnBrk="0" hangingPunct="1">
+        <a:lnSpc>
+          <a:spcPct val="90000"/>
+        </a:lnSpc>
+        <a:spcBef>
+          <a:spcPts val="375"/>
+        </a:spcBef>
+        <a:buFont typeface="Arial" panose="020B0604020202020204" pitchFamily="34" charset="0"/>
+        <a:buChar char="•"/>
         <a:defRPr sz="1800" kern="1200">
           <a:solidFill>
             <a:schemeClr val="tx1"/>
@@ -6088,8 +2737,16 @@
           <a:cs typeface="+mn-cs"/>
         </a:defRPr>
       </a:lvl2pPr>
-      <a:lvl3pPr marL="914400" algn="l" defTabSz="457200" rtl="0" eaLnBrk="1" latinLnBrk="0" hangingPunct="1">
-        <a:defRPr sz="1800" kern="1200">
+      <a:lvl3pPr marL="857250" indent="-171450" algn="l" defTabSz="685800" rtl="0" eaLnBrk="1" latinLnBrk="0" hangingPunct="1">
+        <a:lnSpc>
+          <a:spcPct val="90000"/>
+        </a:lnSpc>
+        <a:spcBef>
+          <a:spcPts val="375"/>
+        </a:spcBef>
+        <a:buFont typeface="Arial" panose="020B0604020202020204" pitchFamily="34" charset="0"/>
+        <a:buChar char="•"/>
+        <a:defRPr sz="1500" kern="1200">
           <a:solidFill>
             <a:schemeClr val="tx1"/>
           </a:solidFill>
@@ -6098,8 +2755,16 @@
           <a:cs typeface="+mn-cs"/>
         </a:defRPr>
       </a:lvl3pPr>
-      <a:lvl4pPr marL="1371600" algn="l" defTabSz="457200" rtl="0" eaLnBrk="1" latinLnBrk="0" hangingPunct="1">
-        <a:defRPr sz="1800" kern="1200">
+      <a:lvl4pPr marL="1200150" indent="-171450" algn="l" defTabSz="685800" rtl="0" eaLnBrk="1" latinLnBrk="0" hangingPunct="1">
+        <a:lnSpc>
+          <a:spcPct val="90000"/>
+        </a:lnSpc>
+        <a:spcBef>
+          <a:spcPts val="375"/>
+        </a:spcBef>
+        <a:buFont typeface="Arial" panose="020B0604020202020204" pitchFamily="34" charset="0"/>
+        <a:buChar char="•"/>
+        <a:defRPr sz="1350" kern="1200">
           <a:solidFill>
             <a:schemeClr val="tx1"/>
           </a:solidFill>
@@ -6108,8 +2773,16 @@
           <a:cs typeface="+mn-cs"/>
         </a:defRPr>
       </a:lvl4pPr>
-      <a:lvl5pPr marL="1828800" algn="l" defTabSz="457200" rtl="0" eaLnBrk="1" latinLnBrk="0" hangingPunct="1">
-        <a:defRPr sz="1800" kern="1200">
+      <a:lvl5pPr marL="1543050" indent="-171450" algn="l" defTabSz="685800" rtl="0" eaLnBrk="1" latinLnBrk="0" hangingPunct="1">
+        <a:lnSpc>
+          <a:spcPct val="90000"/>
+        </a:lnSpc>
+        <a:spcBef>
+          <a:spcPts val="375"/>
+        </a:spcBef>
+        <a:buFont typeface="Arial" panose="020B0604020202020204" pitchFamily="34" charset="0"/>
+        <a:buChar char="•"/>
+        <a:defRPr sz="1350" kern="1200">
           <a:solidFill>
             <a:schemeClr val="tx1"/>
           </a:solidFill>
@@ -6118,8 +2791,16 @@
           <a:cs typeface="+mn-cs"/>
         </a:defRPr>
       </a:lvl5pPr>
-      <a:lvl6pPr marL="2286000" algn="l" defTabSz="457200" rtl="0" eaLnBrk="1" latinLnBrk="0" hangingPunct="1">
-        <a:defRPr sz="1800" kern="1200">
+      <a:lvl6pPr marL="1885950" indent="-171450" algn="l" defTabSz="685800" rtl="0" eaLnBrk="1" latinLnBrk="0" hangingPunct="1">
+        <a:lnSpc>
+          <a:spcPct val="90000"/>
+        </a:lnSpc>
+        <a:spcBef>
+          <a:spcPts val="375"/>
+        </a:spcBef>
+        <a:buFont typeface="Arial" panose="020B0604020202020204" pitchFamily="34" charset="0"/>
+        <a:buChar char="•"/>
+        <a:defRPr sz="1350" kern="1200">
           <a:solidFill>
             <a:schemeClr val="tx1"/>
           </a:solidFill>
@@ -6128,8 +2809,16 @@
           <a:cs typeface="+mn-cs"/>
         </a:defRPr>
       </a:lvl6pPr>
-      <a:lvl7pPr marL="2743200" algn="l" defTabSz="457200" rtl="0" eaLnBrk="1" latinLnBrk="0" hangingPunct="1">
-        <a:defRPr sz="1800" kern="1200">
+      <a:lvl7pPr marL="2228850" indent="-171450" algn="l" defTabSz="685800" rtl="0" eaLnBrk="1" latinLnBrk="0" hangingPunct="1">
+        <a:lnSpc>
+          <a:spcPct val="90000"/>
+        </a:lnSpc>
+        <a:spcBef>
+          <a:spcPts val="375"/>
+        </a:spcBef>
+        <a:buFont typeface="Arial" panose="020B0604020202020204" pitchFamily="34" charset="0"/>
+        <a:buChar char="•"/>
+        <a:defRPr sz="1350" kern="1200">
           <a:solidFill>
             <a:schemeClr val="tx1"/>
           </a:solidFill>
@@ -6138,8 +2827,16 @@
           <a:cs typeface="+mn-cs"/>
         </a:defRPr>
       </a:lvl7pPr>
-      <a:lvl8pPr marL="3200400" algn="l" defTabSz="457200" rtl="0" eaLnBrk="1" latinLnBrk="0" hangingPunct="1">
-        <a:defRPr sz="1800" kern="1200">
+      <a:lvl8pPr marL="2571750" indent="-171450" algn="l" defTabSz="685800" rtl="0" eaLnBrk="1" latinLnBrk="0" hangingPunct="1">
+        <a:lnSpc>
+          <a:spcPct val="90000"/>
+        </a:lnSpc>
+        <a:spcBef>
+          <a:spcPts val="375"/>
+        </a:spcBef>
+        <a:buFont typeface="Arial" panose="020B0604020202020204" pitchFamily="34" charset="0"/>
+        <a:buChar char="•"/>
+        <a:defRPr sz="1350" kern="1200">
           <a:solidFill>
             <a:schemeClr val="tx1"/>
           </a:solidFill>
@@ -6148,8 +2845,111 @@
           <a:cs typeface="+mn-cs"/>
         </a:defRPr>
       </a:lvl8pPr>
-      <a:lvl9pPr marL="3657600" algn="l" defTabSz="457200" rtl="0" eaLnBrk="1" latinLnBrk="0" hangingPunct="1">
-        <a:defRPr sz="1800" kern="1200">
+      <a:lvl9pPr marL="2914650" indent="-171450" algn="l" defTabSz="685800" rtl="0" eaLnBrk="1" latinLnBrk="0" hangingPunct="1">
+        <a:lnSpc>
+          <a:spcPct val="90000"/>
+        </a:lnSpc>
+        <a:spcBef>
+          <a:spcPts val="375"/>
+        </a:spcBef>
+        <a:buFont typeface="Arial" panose="020B0604020202020204" pitchFamily="34" charset="0"/>
+        <a:buChar char="•"/>
+        <a:defRPr sz="1350" kern="1200">
+          <a:solidFill>
+            <a:schemeClr val="tx1"/>
+          </a:solidFill>
+          <a:latin typeface="+mn-lt"/>
+          <a:ea typeface="+mn-ea"/>
+          <a:cs typeface="+mn-cs"/>
+        </a:defRPr>
+      </a:lvl9pPr>
+    </p:bodyStyle>
+    <p:otherStyle>
+      <a:defPPr>
+        <a:defRPr lang="ru-RU"/>
+      </a:defPPr>
+      <a:lvl1pPr marL="0" algn="l" defTabSz="685800" rtl="0" eaLnBrk="1" latinLnBrk="0" hangingPunct="1">
+        <a:defRPr sz="1350" kern="1200">
+          <a:solidFill>
+            <a:schemeClr val="tx1"/>
+          </a:solidFill>
+          <a:latin typeface="+mn-lt"/>
+          <a:ea typeface="+mn-ea"/>
+          <a:cs typeface="+mn-cs"/>
+        </a:defRPr>
+      </a:lvl1pPr>
+      <a:lvl2pPr marL="342900" algn="l" defTabSz="685800" rtl="0" eaLnBrk="1" latinLnBrk="0" hangingPunct="1">
+        <a:defRPr sz="1350" kern="1200">
+          <a:solidFill>
+            <a:schemeClr val="tx1"/>
+          </a:solidFill>
+          <a:latin typeface="+mn-lt"/>
+          <a:ea typeface="+mn-ea"/>
+          <a:cs typeface="+mn-cs"/>
+        </a:defRPr>
+      </a:lvl2pPr>
+      <a:lvl3pPr marL="685800" algn="l" defTabSz="685800" rtl="0" eaLnBrk="1" latinLnBrk="0" hangingPunct="1">
+        <a:defRPr sz="1350" kern="1200">
+          <a:solidFill>
+            <a:schemeClr val="tx1"/>
+          </a:solidFill>
+          <a:latin typeface="+mn-lt"/>
+          <a:ea typeface="+mn-ea"/>
+          <a:cs typeface="+mn-cs"/>
+        </a:defRPr>
+      </a:lvl3pPr>
+      <a:lvl4pPr marL="1028700" algn="l" defTabSz="685800" rtl="0" eaLnBrk="1" latinLnBrk="0" hangingPunct="1">
+        <a:defRPr sz="1350" kern="1200">
+          <a:solidFill>
+            <a:schemeClr val="tx1"/>
+          </a:solidFill>
+          <a:latin typeface="+mn-lt"/>
+          <a:ea typeface="+mn-ea"/>
+          <a:cs typeface="+mn-cs"/>
+        </a:defRPr>
+      </a:lvl4pPr>
+      <a:lvl5pPr marL="1371600" algn="l" defTabSz="685800" rtl="0" eaLnBrk="1" latinLnBrk="0" hangingPunct="1">
+        <a:defRPr sz="1350" kern="1200">
+          <a:solidFill>
+            <a:schemeClr val="tx1"/>
+          </a:solidFill>
+          <a:latin typeface="+mn-lt"/>
+          <a:ea typeface="+mn-ea"/>
+          <a:cs typeface="+mn-cs"/>
+        </a:defRPr>
+      </a:lvl5pPr>
+      <a:lvl6pPr marL="1714500" algn="l" defTabSz="685800" rtl="0" eaLnBrk="1" latinLnBrk="0" hangingPunct="1">
+        <a:defRPr sz="1350" kern="1200">
+          <a:solidFill>
+            <a:schemeClr val="tx1"/>
+          </a:solidFill>
+          <a:latin typeface="+mn-lt"/>
+          <a:ea typeface="+mn-ea"/>
+          <a:cs typeface="+mn-cs"/>
+        </a:defRPr>
+      </a:lvl6pPr>
+      <a:lvl7pPr marL="2057400" algn="l" defTabSz="685800" rtl="0" eaLnBrk="1" latinLnBrk="0" hangingPunct="1">
+        <a:defRPr sz="1350" kern="1200">
+          <a:solidFill>
+            <a:schemeClr val="tx1"/>
+          </a:solidFill>
+          <a:latin typeface="+mn-lt"/>
+          <a:ea typeface="+mn-ea"/>
+          <a:cs typeface="+mn-cs"/>
+        </a:defRPr>
+      </a:lvl7pPr>
+      <a:lvl8pPr marL="2400300" algn="l" defTabSz="685800" rtl="0" eaLnBrk="1" latinLnBrk="0" hangingPunct="1">
+        <a:defRPr sz="1350" kern="1200">
+          <a:solidFill>
+            <a:schemeClr val="tx1"/>
+          </a:solidFill>
+          <a:latin typeface="+mn-lt"/>
+          <a:ea typeface="+mn-ea"/>
+          <a:cs typeface="+mn-cs"/>
+        </a:defRPr>
+      </a:lvl8pPr>
+      <a:lvl9pPr marL="2743200" algn="l" defTabSz="685800" rtl="0" eaLnBrk="1" latinLnBrk="0" hangingPunct="1">
+        <a:defRPr sz="1350" kern="1200">
           <a:solidFill>
             <a:schemeClr val="tx1"/>
           </a:solidFill>
@@ -6204,83 +3004,72 @@
           <a:p>
             <a:pPr algn="ctr"/>
             <a:r>
-              <a:rPr lang="ru-RU" sz="2800" b="1" dirty="0" smtClean="0">
+              <a:rPr lang="ru-RU" sz="2800" b="1" dirty="0">
                 <a:latin typeface="Times New Roman" panose="02020603050405020304" pitchFamily="18" charset="0"/>
                 <a:cs typeface="Times New Roman" panose="02020603050405020304" pitchFamily="18" charset="0"/>
               </a:rPr>
               <a:t>КУРСОВОЙ ПРОЕКТ</a:t>
             </a:r>
-            <a:r>
-              <a:rPr lang="ru-RU" sz="2000" dirty="0" smtClean="0">
+            <a:br>
+              <a:rPr lang="ru-RU" sz="2000" dirty="0">
                 <a:latin typeface="Times New Roman" panose="02020603050405020304" pitchFamily="18" charset="0"/>
                 <a:cs typeface="Times New Roman" panose="02020603050405020304" pitchFamily="18" charset="0"/>
               </a:rPr>
-              <a:t/>
+            </a:br>
+            <a:r>
+              <a:rPr lang="ru-RU" sz="2000" b="1" dirty="0">
+                <a:latin typeface="Times New Roman" panose="02020603050405020304" pitchFamily="18" charset="0"/>
+                <a:cs typeface="Times New Roman" panose="02020603050405020304" pitchFamily="18" charset="0"/>
+              </a:rPr>
+              <a:t>по ПМ 05 </a:t>
+            </a:r>
+            <a:r>
+              <a:rPr lang="ru-RU" sz="2000" dirty="0">
+                <a:latin typeface="Times New Roman" panose="02020603050405020304" pitchFamily="18" charset="0"/>
+                <a:cs typeface="Times New Roman" panose="02020603050405020304" pitchFamily="18" charset="0"/>
+              </a:rPr>
+              <a:t>«Проектирование и разработка информационных систем»</a:t>
             </a:r>
             <a:br>
-              <a:rPr lang="ru-RU" sz="2000" dirty="0" smtClean="0">
+              <a:rPr lang="ru-RU" sz="2000" dirty="0">
                 <a:latin typeface="Times New Roman" panose="02020603050405020304" pitchFamily="18" charset="0"/>
                 <a:cs typeface="Times New Roman" panose="02020603050405020304" pitchFamily="18" charset="0"/>
               </a:rPr>
             </a:br>
             <a:r>
-              <a:rPr lang="ru-RU" sz="2000" b="1" dirty="0" smtClean="0">
+              <a:rPr lang="ru-RU" sz="2000" b="1" dirty="0">
                 <a:latin typeface="Times New Roman" panose="02020603050405020304" pitchFamily="18" charset="0"/>
                 <a:cs typeface="Times New Roman" panose="02020603050405020304" pitchFamily="18" charset="0"/>
               </a:rPr>
-              <a:t>по ПМ 05 </a:t>
-            </a:r>
-            <a:r>
-              <a:rPr lang="ru-RU" sz="2000" dirty="0" smtClean="0">
+              <a:t>Специальность</a:t>
+            </a:r>
+            <a:r>
+              <a:rPr lang="ru-RU" sz="2000" dirty="0">
                 <a:latin typeface="Times New Roman" panose="02020603050405020304" pitchFamily="18" charset="0"/>
                 <a:cs typeface="Times New Roman" panose="02020603050405020304" pitchFamily="18" charset="0"/>
               </a:rPr>
-              <a:t>«Проектирование и разработка информационных систем»</a:t>
+              <a:t>: 09.02.07 «Информационные системы и программирование»</a:t>
             </a:r>
             <a:br>
-              <a:rPr lang="ru-RU" sz="2000" dirty="0" smtClean="0">
+              <a:rPr lang="ru-RU" sz="2000" dirty="0">
                 <a:latin typeface="Times New Roman" panose="02020603050405020304" pitchFamily="18" charset="0"/>
                 <a:cs typeface="Times New Roman" panose="02020603050405020304" pitchFamily="18" charset="0"/>
               </a:rPr>
             </a:br>
             <a:r>
-              <a:rPr lang="ru-RU" sz="2000" b="1" dirty="0" smtClean="0">
+              <a:rPr lang="ru-RU" sz="2000" b="1" dirty="0">
                 <a:latin typeface="Times New Roman" panose="02020603050405020304" pitchFamily="18" charset="0"/>
                 <a:cs typeface="Times New Roman" panose="02020603050405020304" pitchFamily="18" charset="0"/>
               </a:rPr>
-              <a:t>Специальность</a:t>
-            </a:r>
-            <a:r>
-              <a:rPr lang="ru-RU" sz="2000" dirty="0" smtClean="0">
+              <a:t>Тема: </a:t>
+            </a:r>
+            <a:r>
+              <a:rPr lang="ru-RU" sz="2000" dirty="0">
                 <a:latin typeface="Times New Roman" panose="02020603050405020304" pitchFamily="18" charset="0"/>
                 <a:cs typeface="Times New Roman" panose="02020603050405020304" pitchFamily="18" charset="0"/>
               </a:rPr>
-              <a:t>: 09.02.07 «Информационные системы и программирование»</a:t>
-            </a:r>
-            <a:br>
-              <a:rPr lang="ru-RU" sz="2000" dirty="0" smtClean="0">
-                <a:latin typeface="Times New Roman" panose="02020603050405020304" pitchFamily="18" charset="0"/>
-                <a:cs typeface="Times New Roman" panose="02020603050405020304" pitchFamily="18" charset="0"/>
-              </a:rPr>
-            </a:br>
-            <a:r>
-              <a:rPr lang="ru-RU" sz="2000" b="1" dirty="0">
-                <a:latin typeface="Times New Roman" panose="02020603050405020304" pitchFamily="18" charset="0"/>
-                <a:cs typeface="Times New Roman" panose="02020603050405020304" pitchFamily="18" charset="0"/>
-              </a:rPr>
-              <a:t>Тема: Проектирование и разработка подсистемы обучения английскому языку.</a:t>
-            </a:r>
-            <a:r>
-              <a:rPr lang="ru-RU" sz="2000" dirty="0" smtClean="0">
-                <a:latin typeface="Times New Roman" panose="02020603050405020304" pitchFamily="18" charset="0"/>
-                <a:cs typeface="Times New Roman" panose="02020603050405020304" pitchFamily="18" charset="0"/>
-              </a:rPr>
-              <a:t> </a:t>
-            </a:r>
-            <a:endParaRPr lang="ru-RU" sz="2000" dirty="0">
-              <a:latin typeface="Times New Roman" panose="02020603050405020304" pitchFamily="18" charset="0"/>
-              <a:cs typeface="Times New Roman" panose="02020603050405020304" pitchFamily="18" charset="0"/>
-            </a:endParaRPr>
+              <a:t>Проектирование и разработка подсистемы обучения английскому языку. </a:t>
+            </a:r>
           </a:p>
         </p:txBody>
       </p:sp>
@@ -6308,26 +3097,6 @@
           <a:p>
             <a:pPr algn="l"/>
             <a:r>
-              <a:rPr lang="ru-RU" sz="1800" dirty="0" smtClean="0">
-                <a:solidFill>
-                  <a:schemeClr val="tx1"/>
-                </a:solidFill>
-                <a:latin typeface="Times New Roman" pitchFamily="18" charset="0"/>
-                <a:cs typeface="Times New Roman" pitchFamily="18" charset="0"/>
-              </a:rPr>
-              <a:t>Выполнил: </a:t>
-            </a:r>
-            <a:endParaRPr lang="ru-RU" sz="1800" dirty="0">
-              <a:solidFill>
-                <a:schemeClr val="tx1"/>
-              </a:solidFill>
-              <a:latin typeface="Times New Roman" pitchFamily="18" charset="0"/>
-              <a:cs typeface="Times New Roman" pitchFamily="18" charset="0"/>
-            </a:endParaRPr>
-          </a:p>
-          <a:p>
-            <a:pPr algn="l"/>
-            <a:r>
               <a:rPr lang="ru-RU" sz="1800" dirty="0">
                 <a:solidFill>
                   <a:schemeClr val="tx1"/>
@@ -6335,30 +3104,11 @@
                 <a:latin typeface="Times New Roman" pitchFamily="18" charset="0"/>
                 <a:cs typeface="Times New Roman" pitchFamily="18" charset="0"/>
               </a:rPr>
-              <a:t>Студентка группы 41 ИС</a:t>
+              <a:t>Выполнил: </a:t>
             </a:r>
           </a:p>
           <a:p>
             <a:pPr algn="l"/>
-            <a:r>
-              <a:rPr lang="ru-RU" sz="1800" dirty="0" smtClean="0">
-                <a:solidFill>
-                  <a:schemeClr val="tx1"/>
-                </a:solidFill>
-                <a:latin typeface="Times New Roman" pitchFamily="18" charset="0"/>
-                <a:cs typeface="Times New Roman" pitchFamily="18" charset="0"/>
-              </a:rPr>
-              <a:t>Седов А.В.</a:t>
-            </a:r>
-            <a:endParaRPr lang="ru-RU" sz="1800" dirty="0">
-              <a:solidFill>
-                <a:schemeClr val="tx1"/>
-              </a:solidFill>
-              <a:latin typeface="Times New Roman" pitchFamily="18" charset="0"/>
-              <a:cs typeface="Times New Roman" pitchFamily="18" charset="0"/>
-            </a:endParaRPr>
-          </a:p>
-          <a:p>
             <a:r>
               <a:rPr lang="ru-RU" sz="1800" dirty="0">
                 <a:solidFill>
@@ -6367,18 +3117,11 @@
                 <a:latin typeface="Times New Roman" pitchFamily="18" charset="0"/>
                 <a:cs typeface="Times New Roman" pitchFamily="18" charset="0"/>
               </a:rPr>
-              <a:t>Руководители: Ляпина О.П., Гусева А.В</a:t>
-            </a:r>
-            <a:r>
-              <a:rPr lang="ru-RU" sz="1800" dirty="0" smtClean="0">
-                <a:solidFill>
-                  <a:schemeClr val="tx1"/>
-                </a:solidFill>
-                <a:latin typeface="Times New Roman" pitchFamily="18" charset="0"/>
-                <a:cs typeface="Times New Roman" pitchFamily="18" charset="0"/>
-              </a:rPr>
-              <a:t>.</a:t>
-            </a:r>
+              <a:t>Студентка группы 41 ИС</a:t>
+            </a:r>
+          </a:p>
+          <a:p>
+            <a:pPr algn="l"/>
             <a:r>
               <a:rPr lang="ru-RU" sz="1800" dirty="0">
                 <a:solidFill>
@@ -6387,18 +3130,10 @@
                 <a:latin typeface="Times New Roman" pitchFamily="18" charset="0"/>
                 <a:cs typeface="Times New Roman" pitchFamily="18" charset="0"/>
               </a:rPr>
-              <a:t>, Тузовский </a:t>
-            </a:r>
-            <a:r>
-              <a:rPr lang="ru-RU" sz="1800" dirty="0" smtClean="0">
-                <a:solidFill>
-                  <a:schemeClr val="tx1"/>
-                </a:solidFill>
-                <a:latin typeface="Times New Roman" pitchFamily="18" charset="0"/>
-                <a:cs typeface="Times New Roman" pitchFamily="18" charset="0"/>
-              </a:rPr>
-              <a:t>А.Ф</a:t>
-            </a:r>
+              <a:t>Седов А.В.</a:t>
+            </a:r>
+          </a:p>
+          <a:p>
             <a:r>
               <a:rPr lang="ru-RU" sz="1800" dirty="0">
                 <a:solidFill>
@@ -6407,25 +3142,8 @@
                 <a:latin typeface="Times New Roman" pitchFamily="18" charset="0"/>
                 <a:cs typeface="Times New Roman" pitchFamily="18" charset="0"/>
               </a:rPr>
-              <a:t>., Щеголев </a:t>
-            </a:r>
-            <a:r>
-              <a:rPr lang="ru-RU" sz="1800" dirty="0" smtClean="0">
-                <a:solidFill>
-                  <a:schemeClr val="tx1"/>
-                </a:solidFill>
-                <a:latin typeface="Times New Roman" pitchFamily="18" charset="0"/>
-                <a:cs typeface="Times New Roman" pitchFamily="18" charset="0"/>
-              </a:rPr>
-              <a:t>А.Г.</a:t>
-            </a:r>
-            <a:endParaRPr lang="ru-RU" sz="1800" dirty="0">
-              <a:solidFill>
-                <a:schemeClr val="tx1"/>
-              </a:solidFill>
-              <a:latin typeface="Times New Roman" pitchFamily="18" charset="0"/>
-              <a:cs typeface="Times New Roman" pitchFamily="18" charset="0"/>
-            </a:endParaRPr>
+              <a:t>Руководители: Ляпина О.П., Гусева А.В., Тузовский А.Ф., Щеголев А.Г.</a:t>
+            </a:r>
           </a:p>
         </p:txBody>
       </p:sp>
@@ -6749,13 +3467,6 @@
   <p:clrMapOvr>
     <a:masterClrMapping/>
   </p:clrMapOvr>
-  <p:timing>
-    <p:tnLst>
-      <p:par>
-        <p:cTn id="1" dur="indefinite" restart="never" nodeType="tmRoot"/>
-      </p:par>
-    </p:tnLst>
-  </p:timing>
 </p:sld>
 </file>
 
@@ -6888,7 +3599,7 @@
                 </a:spcAft>
               </a:pPr>
               <a:r>
-                <a:rPr lang="ru-RU" sz="1400" dirty="0" smtClean="0">
+                <a:rPr lang="ru-RU" sz="1400" dirty="0">
                   <a:effectLst/>
                   <a:latin typeface="Times New Roman" panose="02020603050405020304" pitchFamily="18" charset="0"/>
                   <a:ea typeface="Calibri" panose="020F0502020204030204" pitchFamily="34" charset="0"/>
@@ -6897,7 +3608,7 @@
                 <a:t>Макет формы «</a:t>
               </a:r>
               <a:r>
-                <a:rPr lang="en-US" sz="1400" dirty="0" smtClean="0">
+                <a:rPr lang="en-US" sz="1400" dirty="0">
                   <a:effectLst/>
                   <a:latin typeface="Times New Roman" panose="02020603050405020304" pitchFamily="18" charset="0"/>
                   <a:ea typeface="Calibri" panose="020F0502020204030204" pitchFamily="34" charset="0"/>
@@ -7013,7 +3724,7 @@
               </a:spcAft>
             </a:pPr>
             <a:r>
-              <a:rPr lang="ru-RU" sz="1400" dirty="0" smtClean="0">
+              <a:rPr lang="ru-RU" sz="1400" dirty="0">
                 <a:effectLst/>
                 <a:latin typeface="Times New Roman" panose="02020603050405020304" pitchFamily="18" charset="0"/>
                 <a:ea typeface="Calibri" panose="020F0502020204030204" pitchFamily="34" charset="0"/>
@@ -7022,7 +3733,7 @@
               <a:t>Макет формы «</a:t>
             </a:r>
             <a:r>
-              <a:rPr lang="en-US" sz="1400" dirty="0" err="1" smtClean="0">
+              <a:rPr lang="en-US" sz="1400" dirty="0" err="1">
                 <a:latin typeface="Times New Roman" panose="02020603050405020304" pitchFamily="18" charset="0"/>
                 <a:ea typeface="Calibri" panose="020F0502020204030204" pitchFamily="34" charset="0"/>
                 <a:cs typeface="Times New Roman" panose="02020603050405020304" pitchFamily="18" charset="0"/>
@@ -7030,7 +3741,7 @@
               <a:t>Registraion</a:t>
             </a:r>
             <a:r>
-              <a:rPr lang="ru-RU" sz="1400" dirty="0" smtClean="0">
+              <a:rPr lang="ru-RU" sz="1400" dirty="0">
                 <a:effectLst/>
                 <a:latin typeface="Times New Roman" panose="02020603050405020304" pitchFamily="18" charset="0"/>
                 <a:ea typeface="Calibri" panose="020F0502020204030204" pitchFamily="34" charset="0"/>
@@ -7084,7 +3795,7 @@
               </a:spcAft>
             </a:pPr>
             <a:r>
-              <a:rPr lang="ru-RU" sz="1400" dirty="0" smtClean="0">
+              <a:rPr lang="ru-RU" sz="1400" dirty="0">
                 <a:effectLst/>
                 <a:latin typeface="Times New Roman" panose="02020603050405020304" pitchFamily="18" charset="0"/>
                 <a:ea typeface="Calibri" panose="020F0502020204030204" pitchFamily="34" charset="0"/>
@@ -7093,7 +3804,7 @@
               <a:t>Макет формы «</a:t>
             </a:r>
             <a:r>
-              <a:rPr lang="en-US" sz="1400" dirty="0" smtClean="0">
+              <a:rPr lang="en-US" sz="1400" dirty="0">
                 <a:latin typeface="Times New Roman" panose="02020603050405020304" pitchFamily="18" charset="0"/>
                 <a:ea typeface="Calibri" panose="020F0502020204030204" pitchFamily="34" charset="0"/>
                 <a:cs typeface="Times New Roman" panose="02020603050405020304" pitchFamily="18" charset="0"/>
@@ -7101,7 +3812,7 @@
               <a:t>Main menu</a:t>
             </a:r>
             <a:r>
-              <a:rPr lang="ru-RU" sz="1400" dirty="0" smtClean="0">
+              <a:rPr lang="ru-RU" sz="1400" dirty="0">
                 <a:effectLst/>
                 <a:latin typeface="Times New Roman" panose="02020603050405020304" pitchFamily="18" charset="0"/>
                 <a:ea typeface="Calibri" panose="020F0502020204030204" pitchFamily="34" charset="0"/>
@@ -7183,7 +3894,7 @@
               </a:spcAft>
             </a:pPr>
             <a:r>
-              <a:rPr lang="ru-RU" sz="1400" dirty="0" smtClean="0">
+              <a:rPr lang="ru-RU" sz="1400" dirty="0">
                 <a:effectLst/>
                 <a:latin typeface="Times New Roman" panose="02020603050405020304" pitchFamily="18" charset="0"/>
                 <a:ea typeface="Calibri" panose="020F0502020204030204" pitchFamily="34" charset="0"/>
@@ -7192,7 +3903,7 @@
               <a:t>Макет формы «</a:t>
             </a:r>
             <a:r>
-              <a:rPr lang="en-US" sz="1400" dirty="0" smtClean="0">
+              <a:rPr lang="en-US" sz="1400" dirty="0">
                 <a:latin typeface="Times New Roman" panose="02020603050405020304" pitchFamily="18" charset="0"/>
                 <a:ea typeface="Calibri" panose="020F0502020204030204" pitchFamily="34" charset="0"/>
                 <a:cs typeface="Times New Roman" panose="02020603050405020304" pitchFamily="18" charset="0"/>
@@ -7200,7 +3911,7 @@
               <a:t>Professional units</a:t>
             </a:r>
             <a:r>
-              <a:rPr lang="ru-RU" sz="1400" dirty="0" smtClean="0">
+              <a:rPr lang="ru-RU" sz="1400" dirty="0">
                 <a:effectLst/>
                 <a:latin typeface="Times New Roman" panose="02020603050405020304" pitchFamily="18" charset="0"/>
                 <a:ea typeface="Calibri" panose="020F0502020204030204" pitchFamily="34" charset="0"/>
@@ -7705,13 +4416,6 @@
   <p:clrMapOvr>
     <a:masterClrMapping/>
   </p:clrMapOvr>
-  <p:timing>
-    <p:tnLst>
-      <p:par>
-        <p:cTn id="1" dur="indefinite" restart="never" nodeType="tmRoot"/>
-      </p:par>
-    </p:tnLst>
-  </p:timing>
 </p:sld>
 </file>
 
@@ -7780,7 +4484,7 @@
         </p:nvGraphicFramePr>
         <p:xfrm>
           <a:off x="1708748" y="1556792"/>
-          <a:ext cx="6024880" cy="3966845"/>
+          <a:ext cx="6024880" cy="3682877"/>
         </p:xfrm>
         <a:graphic>
           <a:graphicData uri="http://schemas.openxmlformats.org/drawingml/2006/table">
@@ -8541,7 +5245,7 @@
         </p:nvGraphicFramePr>
         <p:xfrm>
           <a:off x="1697578" y="1030695"/>
-          <a:ext cx="5469825" cy="5019038"/>
+          <a:ext cx="5469825" cy="4195765"/>
         </p:xfrm>
         <a:graphic>
           <a:graphicData uri="http://schemas.openxmlformats.org/drawingml/2006/table">
@@ -9294,7 +5998,7 @@
         </p:nvGraphicFramePr>
         <p:xfrm>
           <a:off x="1708748" y="1556792"/>
-          <a:ext cx="6024880" cy="2560320"/>
+          <a:ext cx="6024880" cy="2253807"/>
         </p:xfrm>
         <a:graphic>
           <a:graphicData uri="http://schemas.openxmlformats.org/drawingml/2006/table">
@@ -10171,79 +6875,39 @@
                 <a:ea typeface="Times New Roman" panose="02020603050405020304" pitchFamily="18" charset="0"/>
                 <a:cs typeface="Times New Roman" panose="02020603050405020304" pitchFamily="18" charset="0"/>
               </a:rPr>
-              <a:t>В данной курсовой работе было проведено проектирование и разработка подсистемы обучения английскому </a:t>
-            </a:r>
-            <a:r>
-              <a:rPr lang="ru-RU" sz="1600" dirty="0" smtClean="0">
+              <a:t>В данной курсовой работе было проведено проектирование и разработка подсистемы обучения английскому языку</a:t>
+            </a:r>
+            <a:r>
+              <a:rPr lang="en-US" sz="1600" dirty="0">
                 <a:latin typeface="Times New Roman" panose="02020603050405020304" pitchFamily="18" charset="0"/>
                 <a:ea typeface="Times New Roman" panose="02020603050405020304" pitchFamily="18" charset="0"/>
                 <a:cs typeface="Times New Roman" panose="02020603050405020304" pitchFamily="18" charset="0"/>
               </a:rPr>
-              <a:t>языку</a:t>
-            </a:r>
-            <a:r>
-              <a:rPr lang="en-US" sz="1600" dirty="0">
+              <a:t> </a:t>
+            </a:r>
+            <a:r>
+              <a:rPr lang="ru-RU" sz="1600" dirty="0">
                 <a:latin typeface="Times New Roman" panose="02020603050405020304" pitchFamily="18" charset="0"/>
                 <a:ea typeface="Times New Roman" panose="02020603050405020304" pitchFamily="18" charset="0"/>
                 <a:cs typeface="Times New Roman" panose="02020603050405020304" pitchFamily="18" charset="0"/>
               </a:rPr>
-              <a:t> </a:t>
-            </a:r>
-            <a:r>
-              <a:rPr lang="ru-RU" sz="1600" dirty="0" smtClean="0">
+              <a:t>«</a:t>
+            </a:r>
+            <a:r>
+              <a:rPr lang="ru-RU" sz="1600" dirty="0" err="1">
                 <a:latin typeface="Times New Roman" panose="02020603050405020304" pitchFamily="18" charset="0"/>
                 <a:ea typeface="Times New Roman" panose="02020603050405020304" pitchFamily="18" charset="0"/>
                 <a:cs typeface="Times New Roman" panose="02020603050405020304" pitchFamily="18" charset="0"/>
               </a:rPr>
-              <a:t>«</a:t>
-            </a:r>
-            <a:r>
-              <a:rPr lang="ru-RU" sz="1600" dirty="0" err="1" smtClean="0">
+              <a:t>Rattlesnake</a:t>
+            </a:r>
+            <a:r>
+              <a:rPr lang="ru-RU" sz="1600" dirty="0">
                 <a:latin typeface="Times New Roman" panose="02020603050405020304" pitchFamily="18" charset="0"/>
                 <a:ea typeface="Times New Roman" panose="02020603050405020304" pitchFamily="18" charset="0"/>
                 <a:cs typeface="Times New Roman" panose="02020603050405020304" pitchFamily="18" charset="0"/>
               </a:rPr>
-              <a:t>Rattlesnake</a:t>
-            </a:r>
-            <a:r>
-              <a:rPr lang="ru-RU" sz="1600" dirty="0">
-                <a:latin typeface="Times New Roman" panose="02020603050405020304" pitchFamily="18" charset="0"/>
-                <a:ea typeface="Times New Roman" panose="02020603050405020304" pitchFamily="18" charset="0"/>
-                <a:cs typeface="Times New Roman" panose="02020603050405020304" pitchFamily="18" charset="0"/>
-              </a:rPr>
-              <a:t>», целю которого является спроектировать и разработать подсистему обучения английскому языку, которое </a:t>
-            </a:r>
-            <a:r>
-              <a:rPr lang="ru-RU" sz="1600" dirty="0" smtClean="0">
-                <a:latin typeface="Times New Roman" panose="02020603050405020304" pitchFamily="18" charset="0"/>
-                <a:ea typeface="Times New Roman" panose="02020603050405020304" pitchFamily="18" charset="0"/>
-                <a:cs typeface="Times New Roman" panose="02020603050405020304" pitchFamily="18" charset="0"/>
-              </a:rPr>
-              <a:t>позволило бы </a:t>
-            </a:r>
-            <a:r>
-              <a:rPr lang="ru-RU" sz="1600" dirty="0">
-                <a:latin typeface="Times New Roman" panose="02020603050405020304" pitchFamily="18" charset="0"/>
-                <a:ea typeface="Times New Roman" panose="02020603050405020304" pitchFamily="18" charset="0"/>
-                <a:cs typeface="Times New Roman" panose="02020603050405020304" pitchFamily="18" charset="0"/>
-              </a:rPr>
-              <a:t>облегчить изучение и </a:t>
-            </a:r>
-            <a:r>
-              <a:rPr lang="ru-RU" sz="1600" dirty="0" smtClean="0">
-                <a:latin typeface="Times New Roman" panose="02020603050405020304" pitchFamily="18" charset="0"/>
-                <a:ea typeface="Times New Roman" panose="02020603050405020304" pitchFamily="18" charset="0"/>
-                <a:cs typeface="Times New Roman" panose="02020603050405020304" pitchFamily="18" charset="0"/>
-              </a:rPr>
-              <a:t>практику </a:t>
-            </a:r>
-            <a:r>
-              <a:rPr lang="ru-RU" sz="1600" dirty="0">
-                <a:latin typeface="Times New Roman" panose="02020603050405020304" pitchFamily="18" charset="0"/>
-                <a:ea typeface="Times New Roman" panose="02020603050405020304" pitchFamily="18" charset="0"/>
-                <a:cs typeface="Times New Roman" panose="02020603050405020304" pitchFamily="18" charset="0"/>
-              </a:rPr>
-              <a:t>английского языка в IT сфере.</a:t>
+              <a:t>», целю которого является спроектировать и разработать подсистему обучения английскому языку, которое позволило бы облегчить изучение и практику английского языка в IT сфере.</a:t>
             </a:r>
           </a:p>
           <a:p>
@@ -10326,13 +6990,6 @@
   <p:clrMapOvr>
     <a:masterClrMapping/>
   </p:clrMapOvr>
-  <p:timing>
-    <p:tnLst>
-      <p:par>
-        <p:cTn id="1" dur="indefinite" restart="never" nodeType="tmRoot"/>
-      </p:par>
-    </p:tnLst>
-  </p:timing>
 </p:sld>
 </file>
 
@@ -10628,18 +7285,11 @@
               <a:buAutoNum type="arabicPeriod"/>
             </a:pPr>
             <a:r>
-              <a:rPr lang="ru-RU" sz="1400" dirty="0" smtClean="0">
+              <a:rPr lang="ru-RU" sz="1400" dirty="0">
                 <a:latin typeface="Times New Roman" panose="02020603050405020304" pitchFamily="18" charset="0"/>
                 <a:ea typeface="Times New Roman" panose="02020603050405020304" pitchFamily="18" charset="0"/>
               </a:rPr>
-              <a:t>ISO/IEC </a:t>
-            </a:r>
-            <a:r>
-              <a:rPr lang="ru-RU" sz="1400" dirty="0">
-                <a:latin typeface="Times New Roman" panose="02020603050405020304" pitchFamily="18" charset="0"/>
-                <a:ea typeface="Times New Roman" panose="02020603050405020304" pitchFamily="18" charset="0"/>
-              </a:rPr>
-              <a:t>12207:1995. (ГОСТ Р – 1999). ИТ. Процессы жизненного цикла программных средств.</a:t>
+              <a:t>ISO/IEC 12207:1995. (ГОСТ Р – 1999). ИТ. Процессы жизненного цикла программных средств.</a:t>
             </a:r>
           </a:p>
           <a:p>
@@ -10654,18 +7304,11 @@
               <a:buAutoNum type="arabicPeriod"/>
             </a:pPr>
             <a:r>
-              <a:rPr lang="ru-RU" sz="1400" dirty="0" smtClean="0">
+              <a:rPr lang="ru-RU" sz="1400" dirty="0">
                 <a:latin typeface="Times New Roman" panose="02020603050405020304" pitchFamily="18" charset="0"/>
                 <a:ea typeface="Times New Roman" panose="02020603050405020304" pitchFamily="18" charset="0"/>
               </a:rPr>
-              <a:t>ГОСТ </a:t>
-            </a:r>
-            <a:r>
-              <a:rPr lang="ru-RU" sz="1400" dirty="0">
-                <a:latin typeface="Times New Roman" panose="02020603050405020304" pitchFamily="18" charset="0"/>
-                <a:ea typeface="Times New Roman" panose="02020603050405020304" pitchFamily="18" charset="0"/>
-              </a:rPr>
-              <a:t>Р 2.105-2019 Единая система конструкторской документации (ЕСКД). Общие требования к текстовым документам.</a:t>
+              <a:t>ГОСТ Р 2.105-2019 Единая система конструкторской документации (ЕСКД). Общие требования к текстовым документам.</a:t>
             </a:r>
           </a:p>
           <a:p>
@@ -10680,18 +7323,11 @@
               <a:buAutoNum type="arabicPeriod"/>
             </a:pPr>
             <a:r>
-              <a:rPr lang="ru-RU" sz="1400" dirty="0" smtClean="0">
+              <a:rPr lang="ru-RU" sz="1400" dirty="0">
                 <a:latin typeface="Times New Roman" panose="02020603050405020304" pitchFamily="18" charset="0"/>
                 <a:ea typeface="Times New Roman" panose="02020603050405020304" pitchFamily="18" charset="0"/>
               </a:rPr>
-              <a:t>ИНТУИТ</a:t>
-            </a:r>
-            <a:r>
-              <a:rPr lang="ru-RU" sz="1400" dirty="0">
-                <a:latin typeface="Times New Roman" panose="02020603050405020304" pitchFamily="18" charset="0"/>
-                <a:ea typeface="Times New Roman" panose="02020603050405020304" pitchFamily="18" charset="0"/>
-              </a:rPr>
-              <a:t>. Национальный открытый университет. Проектирование ИС. [Электронный ресурс] / http://www.intuit.ru/ - Электронные данные. – Режим доступа: http://www.intuit.ru/. Свободный. – Заглавие с экрана. – Яз. рус., </a:t>
+              <a:t>ИНТУИТ. Национальный открытый университет. Проектирование ИС. [Электронный ресурс] / http://www.intuit.ru/ - Электронные данные. – Режим доступа: http://www.intuit.ru/. Свободный. – Заглавие с экрана. – Яз. рус., </a:t>
             </a:r>
             <a:r>
               <a:rPr lang="ru-RU" sz="1400" dirty="0" err="1">
@@ -10720,18 +7356,11 @@
               <a:buAutoNum type="arabicPeriod"/>
             </a:pPr>
             <a:r>
-              <a:rPr lang="ru-RU" sz="1400" dirty="0" smtClean="0">
+              <a:rPr lang="ru-RU" sz="1400" dirty="0">
                 <a:latin typeface="Times New Roman" panose="02020603050405020304" pitchFamily="18" charset="0"/>
                 <a:ea typeface="Times New Roman" panose="02020603050405020304" pitchFamily="18" charset="0"/>
               </a:rPr>
-              <a:t>ISO </a:t>
-            </a:r>
-            <a:r>
-              <a:rPr lang="ru-RU" sz="1400" dirty="0">
-                <a:latin typeface="Times New Roman" panose="02020603050405020304" pitchFamily="18" charset="0"/>
-                <a:ea typeface="Times New Roman" panose="02020603050405020304" pitchFamily="18" charset="0"/>
-              </a:rPr>
-              <a:t>9126:1991. (ГОСТ – 1993). ИТ. Оценка программного продукта. Характеристики качества и руководство по их применению.</a:t>
+              <a:t>ISO 9126:1991. (ГОСТ – 1993). ИТ. Оценка программного продукта. Характеристики качества и руководство по их применению.</a:t>
             </a:r>
           </a:p>
           <a:p>
@@ -10746,18 +7375,11 @@
               <a:buAutoNum type="arabicPeriod"/>
             </a:pPr>
             <a:r>
-              <a:rPr lang="ru-RU" sz="1400" dirty="0" smtClean="0">
+              <a:rPr lang="ru-RU" sz="1400" dirty="0">
                 <a:latin typeface="Times New Roman" panose="02020603050405020304" pitchFamily="18" charset="0"/>
                 <a:ea typeface="Times New Roman" panose="02020603050405020304" pitchFamily="18" charset="0"/>
               </a:rPr>
-              <a:t>ISO/IEC </a:t>
-            </a:r>
-            <a:r>
-              <a:rPr lang="ru-RU" sz="1400" dirty="0">
-                <a:latin typeface="Times New Roman" panose="02020603050405020304" pitchFamily="18" charset="0"/>
-                <a:ea typeface="Times New Roman" panose="02020603050405020304" pitchFamily="18" charset="0"/>
-              </a:rPr>
-              <a:t>14764: 1999. (ГОСТ Р – 2002). ИТ. Сопровождение программных средств.</a:t>
+              <a:t>ISO/IEC 14764: 1999. (ГОСТ Р – 2002). ИТ. Сопровождение программных средств.</a:t>
             </a:r>
           </a:p>
           <a:p>
@@ -10772,18 +7394,11 @@
               <a:buAutoNum type="arabicPeriod"/>
             </a:pPr>
             <a:r>
-              <a:rPr lang="ru-RU" sz="1400" dirty="0" smtClean="0">
+              <a:rPr lang="ru-RU" sz="1400" dirty="0">
                 <a:latin typeface="Times New Roman" panose="02020603050405020304" pitchFamily="18" charset="0"/>
                 <a:ea typeface="Times New Roman" panose="02020603050405020304" pitchFamily="18" charset="0"/>
               </a:rPr>
-              <a:t>ISO/IEC </a:t>
-            </a:r>
-            <a:r>
-              <a:rPr lang="ru-RU" sz="1400" dirty="0">
-                <a:latin typeface="Times New Roman" panose="02020603050405020304" pitchFamily="18" charset="0"/>
-                <a:ea typeface="Times New Roman" panose="02020603050405020304" pitchFamily="18" charset="0"/>
-              </a:rPr>
-              <a:t>15910:1999. (ГОСТ Р – 2002) ИТ. Пользовательская документация программных средств.</a:t>
+              <a:t>ISO/IEC 15910:1999. (ГОСТ Р – 2002) ИТ. Пользовательская документация программных средств.</a:t>
             </a:r>
           </a:p>
           <a:p>
@@ -10798,18 +7413,11 @@
               <a:buAutoNum type="arabicPeriod"/>
             </a:pPr>
             <a:r>
-              <a:rPr lang="ru-RU" sz="1400" dirty="0" smtClean="0">
+              <a:rPr lang="ru-RU" sz="1400" dirty="0">
                 <a:latin typeface="Times New Roman" panose="02020603050405020304" pitchFamily="18" charset="0"/>
                 <a:ea typeface="Times New Roman" panose="02020603050405020304" pitchFamily="18" charset="0"/>
               </a:rPr>
-              <a:t>ГОСТ </a:t>
-            </a:r>
-            <a:r>
-              <a:rPr lang="ru-RU" sz="1400" dirty="0">
-                <a:latin typeface="Times New Roman" panose="02020603050405020304" pitchFamily="18" charset="0"/>
-                <a:ea typeface="Times New Roman" panose="02020603050405020304" pitchFamily="18" charset="0"/>
-              </a:rPr>
-              <a:t>34.602-89. ИТ. Техническое задание на создание автоматизированных систем</a:t>
+              <a:t>ГОСТ 34.602-89. ИТ. Техническое задание на создание автоматизированных систем</a:t>
             </a:r>
           </a:p>
           <a:p>
@@ -10824,18 +7432,11 @@
               <a:buAutoNum type="arabicPeriod"/>
             </a:pPr>
             <a:r>
-              <a:rPr lang="ru-RU" sz="1400" dirty="0" smtClean="0">
+              <a:rPr lang="ru-RU" sz="1400" dirty="0">
                 <a:latin typeface="Times New Roman" panose="02020603050405020304" pitchFamily="18" charset="0"/>
                 <a:ea typeface="Times New Roman" panose="02020603050405020304" pitchFamily="18" charset="0"/>
               </a:rPr>
-              <a:t>ГОСТ </a:t>
-            </a:r>
-            <a:r>
-              <a:rPr lang="ru-RU" sz="1400" dirty="0">
-                <a:latin typeface="Times New Roman" panose="02020603050405020304" pitchFamily="18" charset="0"/>
-                <a:ea typeface="Times New Roman" panose="02020603050405020304" pitchFamily="18" charset="0"/>
-              </a:rPr>
-              <a:t>34.201-89. ИТ. Виды, комплектность и обозначение документов при создании автоматизированных систем.</a:t>
+              <a:t>ГОСТ 34.201-89. ИТ. Виды, комплектность и обозначение документов при создании автоматизированных систем.</a:t>
             </a:r>
           </a:p>
           <a:p>
@@ -10850,18 +7451,11 @@
               <a:buAutoNum type="arabicPeriod"/>
             </a:pPr>
             <a:r>
-              <a:rPr lang="ru-RU" sz="1400" dirty="0" smtClean="0">
+              <a:rPr lang="ru-RU" sz="1400" dirty="0">
                 <a:latin typeface="Times New Roman" panose="02020603050405020304" pitchFamily="18" charset="0"/>
                 <a:ea typeface="Times New Roman" panose="02020603050405020304" pitchFamily="18" charset="0"/>
               </a:rPr>
-              <a:t>ISO </a:t>
-            </a:r>
-            <a:r>
-              <a:rPr lang="ru-RU" sz="1400" dirty="0">
-                <a:latin typeface="Times New Roman" panose="02020603050405020304" pitchFamily="18" charset="0"/>
-                <a:ea typeface="Times New Roman" panose="02020603050405020304" pitchFamily="18" charset="0"/>
-              </a:rPr>
-              <a:t>9001:2015. (ГОСТ Р – 2015). Система менеджмента качества. Требования.</a:t>
+              <a:t>ISO 9001:2015. (ГОСТ Р – 2015). Система менеджмента качества. Требования.</a:t>
             </a:r>
           </a:p>
           <a:p>
@@ -10876,18 +7470,11 @@
               <a:buAutoNum type="arabicPeriod"/>
             </a:pPr>
             <a:r>
-              <a:rPr lang="ru-RU" sz="1400" dirty="0" smtClean="0">
+              <a:rPr lang="ru-RU" sz="1400" dirty="0">
                 <a:latin typeface="Times New Roman" panose="02020603050405020304" pitchFamily="18" charset="0"/>
                 <a:ea typeface="Times New Roman" panose="02020603050405020304" pitchFamily="18" charset="0"/>
               </a:rPr>
-              <a:t>РД </a:t>
-            </a:r>
-            <a:r>
-              <a:rPr lang="ru-RU" sz="1400" dirty="0">
-                <a:latin typeface="Times New Roman" panose="02020603050405020304" pitchFamily="18" charset="0"/>
-                <a:ea typeface="Times New Roman" panose="02020603050405020304" pitchFamily="18" charset="0"/>
-              </a:rPr>
-              <a:t>50-34.698-90. Методические указания. Информационная технология. Автоматизированные системы. Требования к содержанию документов</a:t>
+              <a:t>РД 50-34.698-90. Методические указания. Информационная технология. Автоматизированные системы. Требования к содержанию документов</a:t>
             </a:r>
           </a:p>
         </p:txBody>
@@ -10902,13 +7489,6 @@
   <p:clrMapOvr>
     <a:masterClrMapping/>
   </p:clrMapOvr>
-  <p:timing>
-    <p:tnLst>
-      <p:par>
-        <p:cTn id="1" dur="indefinite" restart="never" nodeType="tmRoot"/>
-      </p:par>
-    </p:tnLst>
-  </p:timing>
 </p:sld>
 </file>
 
@@ -10969,96 +7549,43 @@
           <a:p>
             <a:pPr algn="just"/>
             <a:r>
-              <a:rPr lang="en-US" sz="3600" b="1" dirty="0" smtClean="0">
+              <a:rPr lang="en-US" sz="3600" b="1" dirty="0">
                 <a:latin typeface="Times New Roman" pitchFamily="18" charset="0"/>
                 <a:cs typeface="Times New Roman" pitchFamily="18" charset="0"/>
               </a:rPr>
               <a:t>	</a:t>
             </a:r>
             <a:r>
-              <a:rPr lang="ru-RU" sz="2400" b="1" dirty="0" smtClean="0">
+              <a:rPr lang="ru-RU" sz="2400" b="1" dirty="0">
                 <a:latin typeface="Times New Roman" panose="02020603050405020304" pitchFamily="18" charset="0"/>
                 <a:cs typeface="Times New Roman" panose="02020603050405020304" pitchFamily="18" charset="0"/>
               </a:rPr>
               <a:t>Цель проекта </a:t>
             </a:r>
             <a:r>
-              <a:rPr lang="ru-RU" sz="2400" dirty="0" smtClean="0">
+              <a:rPr lang="ru-RU" sz="2400" dirty="0">
                 <a:latin typeface="Times New Roman" panose="02020603050405020304" pitchFamily="18" charset="0"/>
                 <a:cs typeface="Times New Roman" panose="02020603050405020304" pitchFamily="18" charset="0"/>
               </a:rPr>
               <a:t>- </a:t>
             </a:r>
             <a:r>
-              <a:rPr lang="ru-RU" sz="2000" dirty="0" smtClean="0">
+              <a:rPr lang="ru-RU" sz="2000" dirty="0">
                 <a:latin typeface="Times New Roman" panose="02020603050405020304" pitchFamily="18" charset="0"/>
                 <a:cs typeface="Times New Roman" panose="02020603050405020304" pitchFamily="18" charset="0"/>
               </a:rPr>
-              <a:t>с</a:t>
-            </a:r>
-            <a:r>
-              <a:rPr lang="ru-RU" sz="2000" dirty="0" smtClean="0">
+              <a:t>спроектировать и разработать подсистему обучения английскому языку, которое позволит облегчить изучение и практику английского языка в IT сфере.</a:t>
+            </a:r>
+          </a:p>
+          <a:p>
+            <a:pPr algn="just"/>
+            <a:r>
+              <a:rPr lang="ru-RU" sz="2400" b="1" dirty="0">
                 <a:latin typeface="Times New Roman" panose="02020603050405020304" pitchFamily="18" charset="0"/>
                 <a:cs typeface="Times New Roman" panose="02020603050405020304" pitchFamily="18" charset="0"/>
               </a:rPr>
-              <a:t>проектировать </a:t>
-            </a:r>
-            <a:r>
-              <a:rPr lang="ru-RU" sz="2000" dirty="0">
-                <a:latin typeface="Times New Roman" panose="02020603050405020304" pitchFamily="18" charset="0"/>
-                <a:cs typeface="Times New Roman" panose="02020603050405020304" pitchFamily="18" charset="0"/>
-              </a:rPr>
-              <a:t>и </a:t>
-            </a:r>
-            <a:r>
-              <a:rPr lang="ru-RU" sz="2000" dirty="0" smtClean="0">
-                <a:latin typeface="Times New Roman" panose="02020603050405020304" pitchFamily="18" charset="0"/>
-                <a:cs typeface="Times New Roman" panose="02020603050405020304" pitchFamily="18" charset="0"/>
-              </a:rPr>
-              <a:t>разработать подсистему </a:t>
-            </a:r>
-            <a:r>
-              <a:rPr lang="ru-RU" sz="2000" dirty="0">
-                <a:latin typeface="Times New Roman" panose="02020603050405020304" pitchFamily="18" charset="0"/>
-                <a:cs typeface="Times New Roman" panose="02020603050405020304" pitchFamily="18" charset="0"/>
-              </a:rPr>
-              <a:t>обучения английскому языку, которое позволит облегчить изучение и </a:t>
-            </a:r>
-            <a:r>
-              <a:rPr lang="ru-RU" sz="2000" dirty="0" smtClean="0">
-                <a:latin typeface="Times New Roman" panose="02020603050405020304" pitchFamily="18" charset="0"/>
-                <a:cs typeface="Times New Roman" panose="02020603050405020304" pitchFamily="18" charset="0"/>
-              </a:rPr>
-              <a:t>практику </a:t>
-            </a:r>
-            <a:r>
-              <a:rPr lang="ru-RU" sz="2000" dirty="0">
-                <a:latin typeface="Times New Roman" panose="02020603050405020304" pitchFamily="18" charset="0"/>
-                <a:cs typeface="Times New Roman" panose="02020603050405020304" pitchFamily="18" charset="0"/>
-              </a:rPr>
-              <a:t>английского языка в IT сфере</a:t>
-            </a:r>
-            <a:r>
-              <a:rPr lang="ru-RU" sz="2000" dirty="0" smtClean="0">
-                <a:latin typeface="Times New Roman" panose="02020603050405020304" pitchFamily="18" charset="0"/>
-                <a:cs typeface="Times New Roman" panose="02020603050405020304" pitchFamily="18" charset="0"/>
-              </a:rPr>
-              <a:t>.</a:t>
-            </a:r>
-          </a:p>
-          <a:p>
-            <a:pPr algn="just"/>
-            <a:r>
-              <a:rPr lang="ru-RU" sz="2400" b="1" dirty="0">
-                <a:latin typeface="Times New Roman" panose="02020603050405020304" pitchFamily="18" charset="0"/>
-                <a:cs typeface="Times New Roman" panose="02020603050405020304" pitchFamily="18" charset="0"/>
-              </a:rPr>
               <a:t>	Задачи проекта: </a:t>
             </a:r>
-            <a:endParaRPr lang="ru-RU" sz="2400" b="1" dirty="0">
-              <a:latin typeface="Times New Roman" panose="02020603050405020304" pitchFamily="18" charset="0"/>
-              <a:cs typeface="Times New Roman" panose="02020603050405020304" pitchFamily="18" charset="0"/>
-            </a:endParaRPr>
           </a:p>
           <a:p>
             <a:pPr marL="342900" indent="-342900" algn="just">
@@ -11066,18 +7593,11 @@
               <a:buChar char="•"/>
             </a:pPr>
             <a:r>
-              <a:rPr lang="ru-RU" sz="2000" dirty="0" smtClean="0">
+              <a:rPr lang="ru-RU" sz="2000" dirty="0">
                 <a:latin typeface="Times New Roman" panose="02020603050405020304" pitchFamily="18" charset="0"/>
                 <a:cs typeface="Times New Roman" panose="02020603050405020304" pitchFamily="18" charset="0"/>
               </a:rPr>
-              <a:t>провести </a:t>
-            </a:r>
-            <a:r>
-              <a:rPr lang="ru-RU" sz="2000" dirty="0">
-                <a:latin typeface="Times New Roman" panose="02020603050405020304" pitchFamily="18" charset="0"/>
-                <a:cs typeface="Times New Roman" panose="02020603050405020304" pitchFamily="18" charset="0"/>
-              </a:rPr>
-              <a:t>анализ использования информационных технологий в процессе обучения английскому языку;</a:t>
+              <a:t>провести анализ использования информационных технологий в процессе обучения английскому языку;</a:t>
             </a:r>
             <a:endParaRPr lang="en-US" sz="2000" dirty="0">
               <a:latin typeface="Times New Roman" panose="02020603050405020304" pitchFamily="18" charset="0"/>
@@ -11094,24 +7614,17 @@
                 <a:latin typeface="Times New Roman" panose="02020603050405020304" pitchFamily="18" charset="0"/>
                 <a:cs typeface="Times New Roman" panose="02020603050405020304" pitchFamily="18" charset="0"/>
               </a:rPr>
-              <a:t>провести анализ предметной </a:t>
-            </a:r>
-            <a:r>
-              <a:rPr lang="ru-RU" sz="2000" dirty="0" smtClean="0">
+              <a:t>провести анализ предметной области</a:t>
+            </a:r>
+            <a:r>
+              <a:rPr lang="en-US" sz="2000" dirty="0">
                 <a:latin typeface="Times New Roman" panose="02020603050405020304" pitchFamily="18" charset="0"/>
                 <a:cs typeface="Times New Roman" panose="02020603050405020304" pitchFamily="18" charset="0"/>
               </a:rPr>
-              <a:t>области</a:t>
-            </a:r>
-            <a:r>
-              <a:rPr lang="en-US" sz="2000" dirty="0" smtClean="0">
-                <a:latin typeface="Times New Roman" panose="02020603050405020304" pitchFamily="18" charset="0"/>
-                <a:cs typeface="Times New Roman" panose="02020603050405020304" pitchFamily="18" charset="0"/>
-              </a:rPr>
               <a:t>;</a:t>
             </a:r>
             <a:r>
-              <a:rPr lang="ru-RU" sz="2000" dirty="0" smtClean="0">
+              <a:rPr lang="ru-RU" sz="2000" dirty="0">
                 <a:latin typeface="Times New Roman" panose="02020603050405020304" pitchFamily="18" charset="0"/>
                 <a:cs typeface="Times New Roman" panose="02020603050405020304" pitchFamily="18" charset="0"/>
               </a:rPr>
@@ -11149,21 +7662,7 @@
                 <a:latin typeface="Times New Roman" panose="02020603050405020304" pitchFamily="18" charset="0"/>
                 <a:cs typeface="Times New Roman" panose="02020603050405020304" pitchFamily="18" charset="0"/>
               </a:rPr>
-              <a:t>определить требования к функциональным характеристикам </a:t>
-            </a:r>
-            <a:r>
-              <a:rPr lang="ru-RU" sz="2000" dirty="0" smtClean="0">
-                <a:latin typeface="Times New Roman" panose="02020603050405020304" pitchFamily="18" charset="0"/>
-                <a:cs typeface="Times New Roman" panose="02020603050405020304" pitchFamily="18" charset="0"/>
-              </a:rPr>
-              <a:t>будущей </a:t>
-            </a:r>
-            <a:r>
-              <a:rPr lang="ru-RU" sz="2000" dirty="0">
-                <a:latin typeface="Times New Roman" panose="02020603050405020304" pitchFamily="18" charset="0"/>
-                <a:cs typeface="Times New Roman" panose="02020603050405020304" pitchFamily="18" charset="0"/>
-              </a:rPr>
-              <a:t>подсистемы в UML-моделях;</a:t>
+              <a:t>определить требования к функциональным характеристикам будущей подсистемы в UML-моделях;</a:t>
             </a:r>
             <a:endParaRPr lang="en-US" sz="2000" dirty="0">
               <a:latin typeface="Times New Roman" panose="02020603050405020304" pitchFamily="18" charset="0"/>
@@ -11197,68 +7696,50 @@
                 <a:latin typeface="Times New Roman" panose="02020603050405020304" pitchFamily="18" charset="0"/>
                 <a:cs typeface="Times New Roman" panose="02020603050405020304" pitchFamily="18" charset="0"/>
               </a:rPr>
-              <a:t>разработать </a:t>
-            </a:r>
-            <a:r>
-              <a:rPr lang="ru-RU" sz="2000" dirty="0" smtClean="0">
+              <a:t>разработать подсистему с помощью программного средства </a:t>
+            </a:r>
+            <a:r>
+              <a:rPr lang="ru-RU" sz="2000" dirty="0" err="1">
                 <a:latin typeface="Times New Roman" panose="02020603050405020304" pitchFamily="18" charset="0"/>
                 <a:cs typeface="Times New Roman" panose="02020603050405020304" pitchFamily="18" charset="0"/>
               </a:rPr>
-              <a:t>подсистему </a:t>
+              <a:t>Visual</a:t>
             </a:r>
             <a:r>
               <a:rPr lang="ru-RU" sz="2000" dirty="0">
                 <a:latin typeface="Times New Roman" panose="02020603050405020304" pitchFamily="18" charset="0"/>
                 <a:cs typeface="Times New Roman" panose="02020603050405020304" pitchFamily="18" charset="0"/>
               </a:rPr>
-              <a:t>с помощью программного средства </a:t>
+              <a:t> </a:t>
             </a:r>
             <a:r>
               <a:rPr lang="ru-RU" sz="2000" dirty="0" err="1">
                 <a:latin typeface="Times New Roman" panose="02020603050405020304" pitchFamily="18" charset="0"/>
                 <a:cs typeface="Times New Roman" panose="02020603050405020304" pitchFamily="18" charset="0"/>
               </a:rPr>
-              <a:t>Visual</a:t>
+              <a:t>Studio</a:t>
+            </a:r>
+            <a:r>
+              <a:rPr lang="en-US" sz="2000" dirty="0">
+                <a:latin typeface="Times New Roman" panose="02020603050405020304" pitchFamily="18" charset="0"/>
+                <a:cs typeface="Times New Roman" panose="02020603050405020304" pitchFamily="18" charset="0"/>
+              </a:rPr>
+              <a:t> </a:t>
             </a:r>
             <a:r>
               <a:rPr lang="ru-RU" sz="2000" dirty="0">
                 <a:latin typeface="Times New Roman" panose="02020603050405020304" pitchFamily="18" charset="0"/>
                 <a:cs typeface="Times New Roman" panose="02020603050405020304" pitchFamily="18" charset="0"/>
               </a:rPr>
-              <a:t> </a:t>
-            </a:r>
-            <a:r>
-              <a:rPr lang="ru-RU" sz="2000" dirty="0" err="1" smtClean="0">
+              <a:t>и базу данных к ней с помощью MS SQL</a:t>
+            </a:r>
+            <a:r>
+              <a:rPr lang="en-US" sz="2000" dirty="0">
                 <a:latin typeface="Times New Roman" panose="02020603050405020304" pitchFamily="18" charset="0"/>
                 <a:cs typeface="Times New Roman" panose="02020603050405020304" pitchFamily="18" charset="0"/>
               </a:rPr>
-              <a:t>Studio</a:t>
-            </a:r>
-            <a:r>
-              <a:rPr lang="en-US" sz="2000" dirty="0" smtClean="0">
-                <a:latin typeface="Times New Roman" panose="02020603050405020304" pitchFamily="18" charset="0"/>
-                <a:cs typeface="Times New Roman" panose="02020603050405020304" pitchFamily="18" charset="0"/>
-              </a:rPr>
-              <a:t> </a:t>
-            </a:r>
-            <a:r>
-              <a:rPr lang="ru-RU" sz="2000" dirty="0">
-                <a:latin typeface="Times New Roman" panose="02020603050405020304" pitchFamily="18" charset="0"/>
-                <a:cs typeface="Times New Roman" panose="02020603050405020304" pitchFamily="18" charset="0"/>
-              </a:rPr>
-              <a:t>и базу данных к ней с помощью MS SQL</a:t>
-            </a:r>
-            <a:r>
-              <a:rPr lang="en-US" sz="2000" dirty="0" smtClean="0">
-                <a:latin typeface="Times New Roman" panose="02020603050405020304" pitchFamily="18" charset="0"/>
-                <a:cs typeface="Times New Roman" panose="02020603050405020304" pitchFamily="18" charset="0"/>
-              </a:rPr>
               <a:t>;</a:t>
             </a:r>
-            <a:endParaRPr lang="en-US" sz="2000" dirty="0">
-              <a:latin typeface="Times New Roman" panose="02020603050405020304" pitchFamily="18" charset="0"/>
-              <a:cs typeface="Times New Roman" panose="02020603050405020304" pitchFamily="18" charset="0"/>
-            </a:endParaRPr>
           </a:p>
           <a:p>
             <a:pPr marL="342900" lvl="0" indent="-342900" algn="just">
@@ -11483,13 +7964,6 @@
   <p:clrMapOvr>
     <a:masterClrMapping/>
   </p:clrMapOvr>
-  <p:timing>
-    <p:tnLst>
-      <p:par>
-        <p:cTn id="1" dur="indefinite" restart="never" nodeType="tmRoot"/>
-      </p:par>
-    </p:tnLst>
-  </p:timing>
 </p:sld>
 </file>
 
@@ -11540,10 +8014,6 @@
               </a:rPr>
               <a:t>Анализ существующих подсистем обучения английскому языку</a:t>
             </a:r>
-            <a:endParaRPr lang="ru-RU" sz="2800" b="1" dirty="0">
-              <a:latin typeface="Times New Roman" panose="02020603050405020304" pitchFamily="18" charset="0"/>
-              <a:cs typeface="Times New Roman" panose="02020603050405020304" pitchFamily="18" charset="0"/>
-            </a:endParaRPr>
           </a:p>
         </p:txBody>
       </p:sp>
@@ -11593,7 +8063,7 @@
               <a:t>Lingualeo</a:t>
             </a:r>
             <a:r>
-              <a:rPr lang="ru-RU" sz="2000" b="1" dirty="0" smtClean="0">
+              <a:rPr lang="ru-RU" sz="2000" b="1" dirty="0">
                 <a:latin typeface="Times New Roman" panose="02020603050405020304" pitchFamily="18" charset="0"/>
                 <a:ea typeface="Calibri" panose="020F0502020204030204" pitchFamily="34" charset="0"/>
                 <a:cs typeface="Times New Roman" panose="02020603050405020304" pitchFamily="18" charset="0"/>
@@ -11618,11 +8088,6 @@
               </a:rPr>
               <a:t>Минусы приложения </a:t>
             </a:r>
-            <a:endParaRPr lang="ru-RU" sz="2000" b="1" dirty="0" smtClean="0">
-              <a:latin typeface="Times New Roman" panose="02020603050405020304" pitchFamily="18" charset="0"/>
-              <a:ea typeface="Calibri" panose="020F0502020204030204" pitchFamily="34" charset="0"/>
-              <a:cs typeface="Times New Roman" panose="02020603050405020304" pitchFamily="18" charset="0"/>
-            </a:endParaRPr>
           </a:p>
           <a:p>
             <a:pPr marL="800100" lvl="1" indent="-342900" algn="just">
@@ -11633,28 +8098,12 @@
               <a:buChar char="•"/>
             </a:pPr>
             <a:r>
-              <a:rPr lang="ru-RU" sz="2000" dirty="0" smtClean="0">
+              <a:rPr lang="ru-RU" sz="2000" dirty="0">
                 <a:latin typeface="Times New Roman" panose="02020603050405020304" pitchFamily="18" charset="0"/>
                 <a:ea typeface="Calibri" panose="020F0502020204030204" pitchFamily="34" charset="0"/>
                 <a:cs typeface="Times New Roman" panose="02020603050405020304" pitchFamily="18" charset="0"/>
               </a:rPr>
-              <a:t>Уроки </a:t>
-            </a:r>
-            <a:r>
-              <a:rPr lang="ru-RU" sz="2000" dirty="0">
-                <a:latin typeface="Times New Roman" panose="02020603050405020304" pitchFamily="18" charset="0"/>
-                <a:ea typeface="Calibri" panose="020F0502020204030204" pitchFamily="34" charset="0"/>
-                <a:cs typeface="Times New Roman" panose="02020603050405020304" pitchFamily="18" charset="0"/>
-              </a:rPr>
-              <a:t>не систематизированы. Даже несмотря на наличие справочных </a:t>
-            </a:r>
-            <a:r>
-              <a:rPr lang="ru-RU" sz="2000" dirty="0" smtClean="0">
-                <a:latin typeface="Times New Roman" panose="02020603050405020304" pitchFamily="18" charset="0"/>
-                <a:ea typeface="Calibri" panose="020F0502020204030204" pitchFamily="34" charset="0"/>
-                <a:cs typeface="Times New Roman" panose="02020603050405020304" pitchFamily="18" charset="0"/>
-              </a:rPr>
-              <a:t>материалов, четкой картины нет.</a:t>
+              <a:t>Уроки не систематизированы. Даже несмотря на наличие справочных материалов, четкой картины нет.</a:t>
             </a:r>
           </a:p>
           <a:p>
@@ -11666,7 +8115,7 @@
               <a:buChar char="•"/>
             </a:pPr>
             <a:r>
-              <a:rPr lang="ru-RU" sz="2000" dirty="0" smtClean="0">
+              <a:rPr lang="ru-RU" sz="2000" dirty="0">
                 <a:latin typeface="Times New Roman" panose="02020603050405020304" pitchFamily="18" charset="0"/>
                 <a:ea typeface="Calibri" panose="020F0502020204030204" pitchFamily="34" charset="0"/>
                 <a:cs typeface="Times New Roman" panose="02020603050405020304" pitchFamily="18" charset="0"/>
@@ -11683,50 +8132,13 @@
               <a:buChar char="•"/>
             </a:pPr>
             <a:r>
-              <a:rPr lang="ru-RU" sz="2000" dirty="0" smtClean="0">
+              <a:rPr lang="ru-RU" sz="2000" dirty="0">
                 <a:latin typeface="Times New Roman" panose="02020603050405020304" pitchFamily="18" charset="0"/>
                 <a:ea typeface="Calibri" panose="020F0502020204030204" pitchFamily="34" charset="0"/>
                 <a:cs typeface="Times New Roman" panose="02020603050405020304" pitchFamily="18" charset="0"/>
               </a:rPr>
-              <a:t>Нет </a:t>
-            </a:r>
-            <a:r>
-              <a:rPr lang="ru-RU" sz="2000" dirty="0">
-                <a:latin typeface="Times New Roman" panose="02020603050405020304" pitchFamily="18" charset="0"/>
-                <a:ea typeface="Calibri" panose="020F0502020204030204" pitchFamily="34" charset="0"/>
-                <a:cs typeface="Times New Roman" panose="02020603050405020304" pitchFamily="18" charset="0"/>
-              </a:rPr>
-              <a:t>добавления материала </a:t>
-            </a:r>
-            <a:r>
-              <a:rPr lang="ru-RU" sz="2000" dirty="0" smtClean="0">
-                <a:latin typeface="Times New Roman" panose="02020603050405020304" pitchFamily="18" charset="0"/>
-                <a:ea typeface="Calibri" panose="020F0502020204030204" pitchFamily="34" charset="0"/>
-                <a:cs typeface="Times New Roman" panose="02020603050405020304" pitchFamily="18" charset="0"/>
-              </a:rPr>
-              <a:t>и тестов от </a:t>
-            </a:r>
-            <a:r>
-              <a:rPr lang="ru-RU" sz="2000" dirty="0">
-                <a:latin typeface="Times New Roman" panose="02020603050405020304" pitchFamily="18" charset="0"/>
-                <a:ea typeface="Calibri" panose="020F0502020204030204" pitchFamily="34" charset="0"/>
-                <a:cs typeface="Times New Roman" panose="02020603050405020304" pitchFamily="18" charset="0"/>
-              </a:rPr>
-              <a:t>самого сообщества</a:t>
-            </a:r>
-            <a:r>
-              <a:rPr lang="ru-RU" sz="2000" dirty="0" smtClean="0">
-                <a:latin typeface="Times New Roman" panose="02020603050405020304" pitchFamily="18" charset="0"/>
-                <a:ea typeface="Calibri" panose="020F0502020204030204" pitchFamily="34" charset="0"/>
-                <a:cs typeface="Times New Roman" panose="02020603050405020304" pitchFamily="18" charset="0"/>
-              </a:rPr>
-              <a:t>.</a:t>
-            </a:r>
-            <a:endParaRPr lang="ru-RU" sz="2000" dirty="0">
-              <a:latin typeface="Times New Roman" panose="02020603050405020304" pitchFamily="18" charset="0"/>
-              <a:ea typeface="Calibri" panose="020F0502020204030204" pitchFamily="34" charset="0"/>
-              <a:cs typeface="Times New Roman" panose="02020603050405020304" pitchFamily="18" charset="0"/>
-            </a:endParaRPr>
+              <a:t>Нет добавления материала и тестов от самого сообщества.</a:t>
+            </a:r>
           </a:p>
           <a:p>
             <a:pPr indent="450215" algn="just">
@@ -11756,13 +8168,6 @@
   <p:clrMapOvr>
     <a:masterClrMapping/>
   </p:clrMapOvr>
-  <p:timing>
-    <p:tnLst>
-      <p:par>
-        <p:cTn id="1" dur="indefinite" restart="never" nodeType="tmRoot"/>
-      </p:par>
-    </p:tnLst>
-  </p:timing>
 </p:sld>
 </file>
 
@@ -11806,7 +8211,9 @@
           </a:xfrm>
         </p:spPr>
         <p:txBody>
-          <a:bodyPr/>
+          <a:bodyPr>
+            <a:normAutofit fontScale="90000"/>
+          </a:bodyPr>
           <a:lstStyle/>
           <a:p>
             <a:pPr algn="ctr"/>
@@ -11815,38 +8222,17 @@
                 <a:latin typeface="Times New Roman" panose="02020603050405020304" pitchFamily="18" charset="0"/>
                 <a:cs typeface="Times New Roman" panose="02020603050405020304" pitchFamily="18" charset="0"/>
               </a:rPr>
-              <a:t>Функциональное </a:t>
-            </a:r>
-            <a:r>
-              <a:rPr lang="ru-RU" sz="2800" b="1" dirty="0" smtClean="0">
+              <a:t>Функциональное моделирование в нотации </a:t>
+            </a:r>
+            <a:r>
+              <a:rPr lang="en-US" sz="2800" b="1" dirty="0">
                 <a:latin typeface="Times New Roman" panose="02020603050405020304" pitchFamily="18" charset="0"/>
                 <a:cs typeface="Times New Roman" panose="02020603050405020304" pitchFamily="18" charset="0"/>
               </a:rPr>
-              <a:t>моделирование </a:t>
-            </a:r>
-            <a:r>
+              <a:t>IDEF0</a:t>
+            </a:r>
+            <a:br>
               <a:rPr lang="ru-RU" sz="2800" b="1" dirty="0">
-                <a:latin typeface="Times New Roman" panose="02020603050405020304" pitchFamily="18" charset="0"/>
-                <a:cs typeface="Times New Roman" panose="02020603050405020304" pitchFamily="18" charset="0"/>
-              </a:rPr>
-              <a:t>в нотации </a:t>
-            </a:r>
-            <a:r>
-              <a:rPr lang="en-US" sz="2800" b="1" dirty="0" smtClean="0">
-                <a:latin typeface="Times New Roman" panose="02020603050405020304" pitchFamily="18" charset="0"/>
-                <a:cs typeface="Times New Roman" panose="02020603050405020304" pitchFamily="18" charset="0"/>
-              </a:rPr>
-              <a:t>IDEF0</a:t>
-            </a:r>
-            <a:r>
-              <a:rPr lang="ru-RU" sz="2800" b="1" dirty="0" smtClean="0">
-                <a:latin typeface="Times New Roman" panose="02020603050405020304" pitchFamily="18" charset="0"/>
-                <a:cs typeface="Times New Roman" panose="02020603050405020304" pitchFamily="18" charset="0"/>
-              </a:rPr>
-              <a:t/>
-            </a:r>
-            <a:br>
-              <a:rPr lang="ru-RU" sz="2800" b="1" dirty="0" smtClean="0">
                 <a:latin typeface="Times New Roman" panose="02020603050405020304" pitchFamily="18" charset="0"/>
                 <a:cs typeface="Times New Roman" panose="02020603050405020304" pitchFamily="18" charset="0"/>
               </a:rPr>
@@ -11858,14 +8244,6 @@
                 <a:cs typeface="Times New Roman" panose="02020603050405020304" pitchFamily="18" charset="0"/>
               </a:rPr>
               <a:t>Контекстная диаграмма</a:t>
-            </a:r>
-            <a:r>
-              <a:rPr lang="en-US" sz="2800" dirty="0">
-                <a:latin typeface="Times New Roman" panose="02020603050405020304" pitchFamily="18" charset="0"/>
-                <a:ea typeface="Calibri" panose="020F0502020204030204" pitchFamily="34" charset="0"/>
-                <a:cs typeface="Times New Roman" panose="02020603050405020304" pitchFamily="18" charset="0"/>
-              </a:rPr>
-              <a:t/>
             </a:r>
             <a:br>
               <a:rPr lang="en-US" sz="2800" dirty="0">
@@ -12013,50 +8391,35 @@
           <a:p>
             <a:pPr algn="ctr"/>
             <a:r>
-              <a:rPr lang="ru-RU" sz="2800" b="1" dirty="0" smtClean="0">
+              <a:rPr lang="ru-RU" sz="2800" b="1" dirty="0">
                 <a:latin typeface="Times New Roman" panose="02020603050405020304" pitchFamily="18" charset="0"/>
                 <a:cs typeface="Times New Roman" panose="02020603050405020304" pitchFamily="18" charset="0"/>
               </a:rPr>
               <a:t>Функциональное моделирование в нотации </a:t>
             </a:r>
             <a:r>
-              <a:rPr lang="en-US" sz="2800" b="1" dirty="0" smtClean="0">
+              <a:rPr lang="en-US" sz="2800" b="1" dirty="0">
                 <a:latin typeface="Times New Roman" panose="02020603050405020304" pitchFamily="18" charset="0"/>
                 <a:cs typeface="Times New Roman" panose="02020603050405020304" pitchFamily="18" charset="0"/>
               </a:rPr>
               <a:t>IDEF0</a:t>
             </a:r>
-            <a:r>
-              <a:rPr lang="ru-RU" sz="2800" b="1" dirty="0" smtClean="0">
+            <a:br>
+              <a:rPr lang="ru-RU" sz="2800" b="1" dirty="0">
                 <a:latin typeface="Times New Roman" panose="02020603050405020304" pitchFamily="18" charset="0"/>
                 <a:cs typeface="Times New Roman" panose="02020603050405020304" pitchFamily="18" charset="0"/>
               </a:rPr>
-              <a:t/>
-            </a:r>
-            <a:br>
-              <a:rPr lang="ru-RU" sz="2800" b="1" dirty="0" smtClean="0">
-                <a:latin typeface="Times New Roman" panose="02020603050405020304" pitchFamily="18" charset="0"/>
-                <a:cs typeface="Times New Roman" panose="02020603050405020304" pitchFamily="18" charset="0"/>
-              </a:rPr>
             </a:br>
             <a:r>
-              <a:rPr lang="ru-RU" sz="2800" dirty="0" smtClean="0">
+              <a:rPr lang="ru-RU" sz="2800" dirty="0">
                 <a:latin typeface="Times New Roman" panose="02020603050405020304" pitchFamily="18" charset="0"/>
                 <a:ea typeface="Calibri" panose="020F0502020204030204" pitchFamily="34" charset="0"/>
                 <a:cs typeface="Times New Roman" panose="02020603050405020304" pitchFamily="18" charset="0"/>
               </a:rPr>
               <a:t>Диаграмма декомпозиции</a:t>
             </a:r>
-            <a:r>
-              <a:rPr lang="en-US" sz="2800" dirty="0" smtClean="0">
-                <a:latin typeface="Times New Roman" panose="02020603050405020304" pitchFamily="18" charset="0"/>
-                <a:ea typeface="Calibri" panose="020F0502020204030204" pitchFamily="34" charset="0"/>
-                <a:cs typeface="Times New Roman" panose="02020603050405020304" pitchFamily="18" charset="0"/>
-              </a:rPr>
-              <a:t/>
-            </a:r>
             <a:br>
-              <a:rPr lang="en-US" sz="2800" dirty="0" smtClean="0">
+              <a:rPr lang="en-US" sz="2800" dirty="0">
                 <a:latin typeface="Times New Roman" panose="02020603050405020304" pitchFamily="18" charset="0"/>
                 <a:ea typeface="Calibri" panose="020F0502020204030204" pitchFamily="34" charset="0"/>
                 <a:cs typeface="Times New Roman" panose="02020603050405020304" pitchFamily="18" charset="0"/>
@@ -12587,13 +8950,6 @@
   <p:clrMapOvr>
     <a:masterClrMapping/>
   </p:clrMapOvr>
-  <p:timing>
-    <p:tnLst>
-      <p:par>
-        <p:cTn id="1" dur="indefinite" restart="never" nodeType="tmRoot"/>
-      </p:par>
-    </p:tnLst>
-  </p:timing>
 </p:sld>
 </file>
 
@@ -12768,19 +9124,8 @@
                 <a:latin typeface="Times New Roman" panose="02020603050405020304" pitchFamily="18" charset="0"/>
                 <a:cs typeface="Times New Roman" panose="02020603050405020304" pitchFamily="18" charset="0"/>
               </a:rPr>
-              <a:t>Диаграмма </a:t>
-            </a:r>
-            <a:r>
-              <a:rPr lang="ru-RU" sz="2800" b="1" dirty="0" smtClean="0">
-                <a:latin typeface="Times New Roman" panose="02020603050405020304" pitchFamily="18" charset="0"/>
-                <a:cs typeface="Times New Roman" panose="02020603050405020304" pitchFamily="18" charset="0"/>
-              </a:rPr>
-              <a:t>деятельности</a:t>
-            </a:r>
-            <a:endParaRPr lang="ru-RU" sz="2800" b="1" dirty="0">
-              <a:latin typeface="Times New Roman" panose="02020603050405020304" pitchFamily="18" charset="0"/>
-              <a:cs typeface="Times New Roman" panose="02020603050405020304" pitchFamily="18" charset="0"/>
-            </a:endParaRPr>
+              <a:t>Диаграмма деятельности</a:t>
+            </a:r>
           </a:p>
         </p:txBody>
       </p:sp>
@@ -12835,22 +9180,13 @@
                 </a:spcAft>
               </a:pPr>
               <a:r>
-                <a:rPr lang="ru-RU" sz="1400" dirty="0" smtClean="0">
-                  <a:effectLst/>
-                  <a:latin typeface="Times New Roman" panose="02020603050405020304" pitchFamily="18" charset="0"/>
-                  <a:ea typeface="Calibri" panose="020F0502020204030204" pitchFamily="34" charset="0"/>
-                  <a:cs typeface="Times New Roman" panose="02020603050405020304" pitchFamily="18" charset="0"/>
-                </a:rPr>
-                <a:t>Диаграмма </a:t>
-              </a:r>
-              <a:r>
                 <a:rPr lang="ru-RU" sz="1400" dirty="0">
                   <a:effectLst/>
                   <a:latin typeface="Times New Roman" panose="02020603050405020304" pitchFamily="18" charset="0"/>
                   <a:ea typeface="Calibri" panose="020F0502020204030204" pitchFamily="34" charset="0"/>
                   <a:cs typeface="Times New Roman" panose="02020603050405020304" pitchFamily="18" charset="0"/>
                 </a:rPr>
-                <a:t>деятельности для прецедента «Выполнить тест»</a:t>
+                <a:t>Диаграмма деятельности для прецедента «Выполнить тест»</a:t>
               </a:r>
               <a:endParaRPr lang="en-US" sz="1400" dirty="0">
                 <a:effectLst/>
@@ -12902,13 +9238,6 @@
   <p:clrMapOvr>
     <a:masterClrMapping/>
   </p:clrMapOvr>
-  <p:timing>
-    <p:tnLst>
-      <p:par>
-        <p:cTn id="1" dur="indefinite" restart="never" nodeType="tmRoot"/>
-      </p:par>
-    </p:tnLst>
-  </p:timing>
 </p:sld>
 </file>
 
@@ -13005,22 +9334,13 @@
               </a:spcAft>
             </a:pPr>
             <a:r>
-              <a:rPr lang="ru-RU" sz="1400" dirty="0" smtClean="0">
+              <a:rPr lang="ru-RU" sz="1400" dirty="0">
                 <a:effectLst/>
                 <a:latin typeface="Times New Roman" panose="02020603050405020304" pitchFamily="18" charset="0"/>
                 <a:ea typeface="Calibri" panose="020F0502020204030204" pitchFamily="34" charset="0"/>
                 <a:cs typeface="Times New Roman" panose="02020603050405020304" pitchFamily="18" charset="0"/>
               </a:rPr>
-              <a:t>Диаграмма </a:t>
-            </a:r>
-            <a:r>
-              <a:rPr lang="ru-RU" sz="1400" dirty="0">
-                <a:effectLst/>
-                <a:latin typeface="Times New Roman" panose="02020603050405020304" pitchFamily="18" charset="0"/>
-                <a:ea typeface="Calibri" panose="020F0502020204030204" pitchFamily="34" charset="0"/>
-                <a:cs typeface="Times New Roman" panose="02020603050405020304" pitchFamily="18" charset="0"/>
-              </a:rPr>
-              <a:t>последовательности для прецедента «Выбрать тему для изучения»</a:t>
+              <a:t>Диаграмма последовательности для прецедента «Выбрать тему для изучения»</a:t>
             </a:r>
             <a:endParaRPr lang="en-US" sz="1400" dirty="0">
               <a:effectLst/>
@@ -13065,13 +9385,6 @@
   <p:clrMapOvr>
     <a:masterClrMapping/>
   </p:clrMapOvr>
-  <p:timing>
-    <p:tnLst>
-      <p:par>
-        <p:cTn id="1" dur="indefinite" restart="never" nodeType="tmRoot"/>
-      </p:par>
-    </p:tnLst>
-  </p:timing>
 </p:sld>
 </file>
 
@@ -13165,13 +9478,6 @@
   <p:clrMapOvr>
     <a:masterClrMapping/>
   </p:clrMapOvr>
-  <p:timing>
-    <p:tnLst>
-      <p:par>
-        <p:cTn id="1" dur="indefinite" restart="never" nodeType="tmRoot"/>
-      </p:par>
-    </p:tnLst>
-  </p:timing>
 </p:sld>
 </file>
 
@@ -13267,20 +9573,13 @@
   <p:clrMapOvr>
     <a:masterClrMapping/>
   </p:clrMapOvr>
-  <p:timing>
-    <p:tnLst>
-      <p:par>
-        <p:cTn id="1" dur="indefinite" restart="never" nodeType="tmRoot"/>
-      </p:par>
-    </p:tnLst>
-  </p:timing>
 </p:sld>
 </file>
 
 <file path=ppt/theme/theme1.xml><?xml version="1.0" encoding="utf-8"?>
-<a:theme xmlns:a="http://schemas.openxmlformats.org/drawingml/2006/main" name="Ion">
+<a:theme xmlns:a="http://schemas.openxmlformats.org/drawingml/2006/main" name="Тема Office">
   <a:themeElements>
-    <a:clrScheme name="Office">
+    <a:clrScheme name="Стандартная">
       <a:dk1>
         <a:sysClr val="windowText" lastClr="000000"/>
       </a:dk1>
@@ -13318,14 +9617,14 @@
         <a:srgbClr val="954F72"/>
       </a:folHlink>
     </a:clrScheme>
-    <a:fontScheme name="Ion">
+    <a:fontScheme name="Стандартная">
       <a:majorFont>
-        <a:latin typeface="Century Gothic" panose="020B0502020202020204"/>
+        <a:latin typeface="Calibri Light" panose="020F0302020204030204"/>
         <a:ea typeface=""/>
         <a:cs typeface=""/>
-        <a:font script="Jpan" typeface="メイリオ"/>
+        <a:font script="Jpan" typeface="游ゴシック Light"/>
         <a:font script="Hang" typeface="맑은 고딕"/>
-        <a:font script="Hans" typeface="宋体"/>
+        <a:font script="Hans" typeface="等线 Light"/>
         <a:font script="Hant" typeface="新細明體"/>
         <a:font script="Arab" typeface="Times New Roman"/>
         <a:font script="Hebr" typeface="Times New Roman"/>
@@ -13355,12 +9654,12 @@
         <a:font script="Geor" typeface="Sylfaen"/>
       </a:majorFont>
       <a:minorFont>
-        <a:latin typeface="Century Gothic" panose="020B0502020202020204"/>
+        <a:latin typeface="Calibri" panose="020F0502020204030204"/>
         <a:ea typeface=""/>
         <a:cs typeface=""/>
-        <a:font script="Jpan" typeface="メイリオ"/>
+        <a:font script="Jpan" typeface="游ゴシック"/>
         <a:font script="Hang" typeface="맑은 고딕"/>
-        <a:font script="Hans" typeface="宋体"/>
+        <a:font script="Hans" typeface="等线"/>
         <a:font script="Hant" typeface="新細明體"/>
         <a:font script="Arab" typeface="Arial"/>
         <a:font script="Hebr" typeface="Arial"/>
@@ -13390,7 +9689,7 @@
         <a:font script="Geor" typeface="Sylfaen"/>
       </a:minorFont>
     </a:fontScheme>
-    <a:fmtScheme name="Ion">
+    <a:fmtScheme name="Стандартная">
       <a:fillStyleLst>
         <a:solidFill>
           <a:schemeClr val="phClr"/>
@@ -13399,15 +9698,23 @@
           <a:gsLst>
             <a:gs pos="0">
               <a:schemeClr val="phClr">
-                <a:tint val="64000"/>
-                <a:lumMod val="118000"/>
+                <a:lumMod val="110000"/>
+                <a:satMod val="105000"/>
+                <a:tint val="67000"/>
+              </a:schemeClr>
+            </a:gs>
+            <a:gs pos="50000">
+              <a:schemeClr val="phClr">
+                <a:lumMod val="105000"/>
+                <a:satMod val="103000"/>
+                <a:tint val="73000"/>
               </a:schemeClr>
             </a:gs>
             <a:gs pos="100000">
               <a:schemeClr val="phClr">
-                <a:tint val="92000"/>
-                <a:alpha val="100000"/>
-                <a:lumMod val="110000"/>
+                <a:lumMod val="105000"/>
+                <a:satMod val="109000"/>
+                <a:tint val="81000"/>
               </a:schemeClr>
             </a:gs>
           </a:gsLst>
@@ -13417,14 +9724,23 @@
           <a:gsLst>
             <a:gs pos="0">
               <a:schemeClr val="phClr">
-                <a:tint val="98000"/>
-                <a:lumMod val="114000"/>
+                <a:satMod val="103000"/>
+                <a:lumMod val="102000"/>
+                <a:tint val="94000"/>
+              </a:schemeClr>
+            </a:gs>
+            <a:gs pos="50000">
+              <a:schemeClr val="phClr">
+                <a:satMod val="110000"/>
+                <a:lumMod val="100000"/>
+                <a:shade val="100000"/>
               </a:schemeClr>
             </a:gs>
             <a:gs pos="100000">
               <a:schemeClr val="phClr">
-                <a:shade val="90000"/>
-                <a:lumMod val="84000"/>
+                <a:lumMod val="99000"/>
+                <a:satMod val="120000"/>
+                <a:shade val="78000"/>
               </a:schemeClr>
             </a:gs>
           </a:gsLst>
@@ -13432,23 +9748,26 @@
         </a:gradFill>
       </a:fillStyleLst>
       <a:lnStyleLst>
-        <a:ln w="9525" cap="rnd" cmpd="sng" algn="ctr">
+        <a:ln w="6350" cap="flat" cmpd="sng" algn="ctr">
           <a:solidFill>
             <a:schemeClr val="phClr"/>
           </a:solidFill>
           <a:prstDash val="solid"/>
+          <a:miter lim="800000"/>
         </a:ln>
-        <a:ln w="19050" cap="rnd" cmpd="sng" algn="ctr">
+        <a:ln w="12700" cap="flat" cmpd="sng" algn="ctr">
           <a:solidFill>
             <a:schemeClr val="phClr"/>
           </a:solidFill>
           <a:prstDash val="solid"/>
+          <a:miter lim="800000"/>
         </a:ln>
-        <a:ln w="28575" cap="rnd" cmpd="sng" algn="ctr">
+        <a:ln w="19050" cap="flat" cmpd="sng" algn="ctr">
           <a:solidFill>
             <a:schemeClr val="phClr"/>
           </a:solidFill>
           <a:prstDash val="solid"/>
+          <a:miter lim="800000"/>
         </a:ln>
       </a:lnStyleLst>
       <a:effectStyleLst>
@@ -13456,80 +9775,55 @@
           <a:effectLst/>
         </a:effectStyle>
         <a:effectStyle>
+          <a:effectLst/>
+        </a:effectStyle>
+        <a:effectStyle>
           <a:effectLst>
-            <a:outerShdw blurRad="38100" dist="25400" dir="5400000" rotWithShape="0">
+            <a:outerShdw blurRad="57150" dist="19050" dir="5400000" algn="ctr" rotWithShape="0">
               <a:srgbClr val="000000">
-                <a:alpha val="45000"/>
+                <a:alpha val="63000"/>
               </a:srgbClr>
             </a:outerShdw>
           </a:effectLst>
-        </a:effectStyle>
-        <a:effectStyle>
-          <a:effectLst>
-            <a:outerShdw blurRad="63500" dist="38100" dir="5400000" rotWithShape="0">
-              <a:srgbClr val="000000">
-                <a:alpha val="60000"/>
-              </a:srgbClr>
-            </a:outerShdw>
-          </a:effectLst>
-          <a:scene3d>
-            <a:camera prst="orthographicFront">
-              <a:rot lat="0" lon="0" rev="0"/>
-            </a:camera>
-            <a:lightRig rig="threePt" dir="tl"/>
-          </a:scene3d>
-          <a:sp3d prstMaterial="plastic">
-            <a:bevelT w="0" h="0"/>
-          </a:sp3d>
         </a:effectStyle>
       </a:effectStyleLst>
       <a:bgFillStyleLst>
         <a:solidFill>
           <a:schemeClr val="phClr"/>
         </a:solidFill>
+        <a:solidFill>
+          <a:schemeClr val="phClr">
+            <a:tint val="95000"/>
+            <a:satMod val="170000"/>
+          </a:schemeClr>
+        </a:solidFill>
         <a:gradFill rotWithShape="1">
           <a:gsLst>
             <a:gs pos="0">
               <a:schemeClr val="phClr">
-                <a:tint val="92000"/>
-                <a:hueMod val="96000"/>
-                <a:satMod val="128000"/>
-                <a:lumMod val="114000"/>
+                <a:tint val="93000"/>
+                <a:satMod val="150000"/>
+                <a:shade val="98000"/>
+                <a:lumMod val="102000"/>
+              </a:schemeClr>
+            </a:gs>
+            <a:gs pos="50000">
+              <a:schemeClr val="phClr">
+                <a:tint val="98000"/>
+                <a:satMod val="130000"/>
+                <a:shade val="90000"/>
+                <a:lumMod val="103000"/>
               </a:schemeClr>
             </a:gs>
             <a:gs pos="100000">
               <a:schemeClr val="phClr">
-                <a:tint val="100000"/>
-                <a:shade val="62000"/>
-                <a:hueMod val="100000"/>
-                <a:satMod val="134000"/>
-                <a:lumMod val="56000"/>
+                <a:shade val="63000"/>
+                <a:satMod val="120000"/>
               </a:schemeClr>
             </a:gs>
           </a:gsLst>
-          <a:path path="circle">
-            <a:fillToRect l="45000" t="65000" r="125000" b="100000"/>
-          </a:path>
+          <a:lin ang="5400000" scaled="0"/>
         </a:gradFill>
-        <a:blipFill rotWithShape="1">
-          <a:blip xmlns:r="http://schemas.openxmlformats.org/officeDocument/2006/relationships" r:embed="rId1">
-            <a:duotone>
-              <a:schemeClr val="phClr">
-                <a:shade val="62000"/>
-                <a:hueMod val="108000"/>
-                <a:satMod val="164000"/>
-                <a:lumMod val="69000"/>
-              </a:schemeClr>
-              <a:schemeClr val="phClr">
-                <a:tint val="96000"/>
-                <a:hueMod val="90000"/>
-                <a:satMod val="130000"/>
-                <a:lumMod val="134000"/>
-              </a:schemeClr>
-            </a:duotone>
-          </a:blip>
-          <a:stretch/>
-        </a:blipFill>
       </a:bgFillStyleLst>
     </a:fmtScheme>
   </a:themeElements>
@@ -13537,7 +9831,7 @@
   <a:extraClrSchemeLst/>
   <a:extLst>
     <a:ext uri="{05A4C25C-085E-4340-85A3-A5531E510DB2}">
-      <thm15:themeFamily xmlns:thm15="http://schemas.microsoft.com/office/thememl/2012/main" name="Ion" id="{B8441ADB-2E43-4AF7-B97A-BD870242C6A8}" vid="{BACC050B-8757-4460-95D8-E37B46A6B421}"/>
+      <thm15:themeFamily xmlns:thm15="http://schemas.microsoft.com/office/thememl/2012/main" name="Office Theme" id="{62F939B6-93AF-4DB8-9C6B-D6C7DFDC589F}" vid="{4A3C46E8-61CC-4603-A589-7422A47A8E4A}"/>
     </a:ext>
   </a:extLst>
 </a:theme>
